--- a/Slides_2.pptx
+++ b/Slides_2.pptx
@@ -3416,10 +3416,10 @@
       </p:grpSpPr>
       <p:sp>
         <p:nvSpPr>
-          <p:cNvPr id="4" name="Title 3">
-            <a:extLst>
-              <a:ext uri="{FF2B5EF4-FFF2-40B4-BE49-F238E27FC236}">
-                <a16:creationId xmlns:a16="http://schemas.microsoft.com/office/drawing/2014/main" id="{78A5B6D4-2123-BB08-4118-2305BAE07A13}"/>
+          <p:cNvPr id="5" name="Title 4">
+            <a:extLst>
+              <a:ext uri="{FF2B5EF4-FFF2-40B4-BE49-F238E27FC236}">
+                <a16:creationId xmlns:a16="http://schemas.microsoft.com/office/drawing/2014/main" id="{64213D2F-A106-3319-AA98-37F0C11F906C}"/>
               </a:ext>
             </a:extLst>
           </p:cNvPr>
@@ -3435,10 +3435,153 @@
           <a:bodyPr/>
           <a:lstStyle/>
           <a:p>
-            <a:endParaRPr lang="en-US"/>
-          </a:p>
-        </p:txBody>
-      </p:sp>
+            <a:r>
+              <a:rPr lang="en-US" dirty="0"/>
+              <a:t>PyTorch in a few words…</a:t>
+            </a:r>
+          </a:p>
+        </p:txBody>
+      </p:sp>
+      <p:sp>
+        <p:nvSpPr>
+          <p:cNvPr id="6" name="Content Placeholder 5">
+            <a:extLst>
+              <a:ext uri="{FF2B5EF4-FFF2-40B4-BE49-F238E27FC236}">
+                <a16:creationId xmlns:a16="http://schemas.microsoft.com/office/drawing/2014/main" id="{3C4EB284-4A7B-E6BB-BEC1-67954B65026D}"/>
+              </a:ext>
+            </a:extLst>
+          </p:cNvPr>
+          <p:cNvSpPr>
+            <a:spLocks noGrp="1"/>
+          </p:cNvSpPr>
+          <p:nvPr>
+            <p:ph idx="1"/>
+          </p:nvPr>
+        </p:nvSpPr>
+        <p:spPr/>
+        <p:txBody>
+          <a:bodyPr>
+            <a:normAutofit/>
+          </a:bodyPr>
+          <a:lstStyle/>
+          <a:p>
+            <a:r>
+              <a:rPr lang="en-US" dirty="0"/>
+              <a:t>Developed by Facebook’s AI research group</a:t>
+            </a:r>
+          </a:p>
+          <a:p>
+            <a:pPr marL="0" indent="0">
+              <a:buNone/>
+            </a:pPr>
+            <a:endParaRPr lang="en-US" dirty="0"/>
+          </a:p>
+          <a:p>
+            <a:r>
+              <a:rPr lang="en-US" dirty="0"/>
+              <a:t>Getting very popular</a:t>
+            </a:r>
+          </a:p>
+          <a:p>
+            <a:endParaRPr lang="en-US" dirty="0"/>
+          </a:p>
+          <a:p>
+            <a:r>
+              <a:rPr lang="en-US" dirty="0"/>
+              <a:t>Easy to use</a:t>
+            </a:r>
+          </a:p>
+          <a:p>
+            <a:r>
+              <a:rPr lang="en-US" dirty="0"/>
+              <a:t>Good performance in production</a:t>
+            </a:r>
+          </a:p>
+          <a:p>
+            <a:r>
+              <a:rPr lang="en-US" dirty="0"/>
+              <a:t>Flexible across a wide range of tasks</a:t>
+            </a:r>
+          </a:p>
+          <a:p>
+            <a:r>
+              <a:rPr lang="en-US" dirty="0"/>
+              <a:t>Provides tools for parallelizing &amp; distributing computations</a:t>
+            </a:r>
+          </a:p>
+        </p:txBody>
+      </p:sp>
+      <p:pic>
+        <p:nvPicPr>
+          <p:cNvPr id="8" name="Picture 7" descr="Chart&#10;&#10;Description automatically generated">
+            <a:extLst>
+              <a:ext uri="{FF2B5EF4-FFF2-40B4-BE49-F238E27FC236}">
+                <a16:creationId xmlns:a16="http://schemas.microsoft.com/office/drawing/2014/main" id="{D01FBC99-F4A8-4365-A904-CCBE6B5022FB}"/>
+              </a:ext>
+            </a:extLst>
+          </p:cNvPr>
+          <p:cNvPicPr>
+            <a:picLocks noChangeAspect="1"/>
+          </p:cNvPicPr>
+          <p:nvPr/>
+        </p:nvPicPr>
+        <p:blipFill>
+          <a:blip r:embed="rId2">
+            <a:extLst>
+              <a:ext uri="{28A0092B-C50C-407E-A947-70E740481C1C}">
+                <a14:useLocalDpi xmlns:a14="http://schemas.microsoft.com/office/drawing/2010/main" val="0"/>
+              </a:ext>
+            </a:extLst>
+          </a:blip>
+          <a:stretch>
+            <a:fillRect/>
+          </a:stretch>
+        </p:blipFill>
+        <p:spPr>
+          <a:xfrm>
+            <a:off x="6664960" y="2315718"/>
+            <a:ext cx="5151119" cy="3178937"/>
+          </a:xfrm>
+          <a:prstGeom prst="rect">
+            <a:avLst/>
+          </a:prstGeom>
+        </p:spPr>
+      </p:pic>
+      <p:pic>
+        <p:nvPicPr>
+          <p:cNvPr id="10" name="Picture 9" descr="Graphical user interface&#10;&#10;Description automatically generated with medium confidence">
+            <a:extLst>
+              <a:ext uri="{FF2B5EF4-FFF2-40B4-BE49-F238E27FC236}">
+                <a16:creationId xmlns:a16="http://schemas.microsoft.com/office/drawing/2014/main" id="{1FFBDE69-AFFD-8D5E-F081-C663FE54B3B2}"/>
+              </a:ext>
+            </a:extLst>
+          </p:cNvPr>
+          <p:cNvPicPr>
+            <a:picLocks noChangeAspect="1"/>
+          </p:cNvPicPr>
+          <p:nvPr/>
+        </p:nvPicPr>
+        <p:blipFill rotWithShape="1">
+          <a:blip r:embed="rId3">
+            <a:extLst>
+              <a:ext uri="{28A0092B-C50C-407E-A947-70E740481C1C}">
+                <a14:useLocalDpi xmlns:a14="http://schemas.microsoft.com/office/drawing/2010/main" val="0"/>
+              </a:ext>
+            </a:extLst>
+          </a:blip>
+          <a:srcRect l="6181" t="28922" r="7555" b="30452"/>
+          <a:stretch/>
+        </p:blipFill>
+        <p:spPr>
+          <a:xfrm>
+            <a:off x="8163560" y="1363345"/>
+            <a:ext cx="3190240" cy="924560"/>
+          </a:xfrm>
+          <a:prstGeom prst="rect">
+            <a:avLst/>
+          </a:prstGeom>
+        </p:spPr>
+      </p:pic>
     </p:spTree>
     <p:extLst>
       <p:ext uri="{BB962C8B-B14F-4D97-AF65-F5344CB8AC3E}">

--- a/Slides_2.pptx
+++ b/Slides_2.pptx
@@ -7,6 +7,7 @@
   <p:sldIdLst>
     <p:sldId id="332" r:id="rId2"/>
     <p:sldId id="256" r:id="rId3"/>
+    <p:sldId id="333" r:id="rId4"/>
   </p:sldIdLst>
   <p:sldSz cx="12192000" cy="6858000"/>
   <p:notesSz cx="6858000" cy="9144000"/>
@@ -3595,6 +3596,128 @@
 </p:sld>
 </file>
 
+<file path=ppt/slides/slide3.xml><?xml version="1.0" encoding="utf-8"?>
+<p:sld xmlns:a="http://schemas.openxmlformats.org/drawingml/2006/main" xmlns:r="http://schemas.openxmlformats.org/officeDocument/2006/relationships" xmlns:p="http://schemas.openxmlformats.org/presentationml/2006/main">
+  <p:cSld>
+    <p:spTree>
+      <p:nvGrpSpPr>
+        <p:cNvPr id="1" name=""/>
+        <p:cNvGrpSpPr/>
+        <p:nvPr/>
+      </p:nvGrpSpPr>
+      <p:grpSpPr>
+        <a:xfrm>
+          <a:off x="0" y="0"/>
+          <a:ext cx="0" cy="0"/>
+          <a:chOff x="0" y="0"/>
+          <a:chExt cx="0" cy="0"/>
+        </a:xfrm>
+      </p:grpSpPr>
+      <p:sp>
+        <p:nvSpPr>
+          <p:cNvPr id="3" name="Title 2">
+            <a:extLst>
+              <a:ext uri="{FF2B5EF4-FFF2-40B4-BE49-F238E27FC236}">
+                <a16:creationId xmlns:a16="http://schemas.microsoft.com/office/drawing/2014/main" id="{329C49CA-70A3-E2EA-F46F-C23D25271E8C}"/>
+              </a:ext>
+            </a:extLst>
+          </p:cNvPr>
+          <p:cNvSpPr>
+            <a:spLocks noGrp="1"/>
+          </p:cNvSpPr>
+          <p:nvPr>
+            <p:ph type="title"/>
+          </p:nvPr>
+        </p:nvSpPr>
+        <p:spPr/>
+        <p:txBody>
+          <a:bodyPr/>
+          <a:lstStyle/>
+          <a:p>
+            <a:r>
+              <a:rPr lang="en-US" dirty="0"/>
+              <a:t>Key Concepts of PyTorch</a:t>
+            </a:r>
+          </a:p>
+        </p:txBody>
+      </p:sp>
+      <p:sp>
+        <p:nvSpPr>
+          <p:cNvPr id="4" name="Content Placeholder 3">
+            <a:extLst>
+              <a:ext uri="{FF2B5EF4-FFF2-40B4-BE49-F238E27FC236}">
+                <a16:creationId xmlns:a16="http://schemas.microsoft.com/office/drawing/2014/main" id="{3C57EADD-A240-9E12-7454-2C91BFB1BF63}"/>
+              </a:ext>
+            </a:extLst>
+          </p:cNvPr>
+          <p:cNvSpPr>
+            <a:spLocks noGrp="1"/>
+          </p:cNvSpPr>
+          <p:nvPr>
+            <p:ph idx="1"/>
+          </p:nvPr>
+        </p:nvSpPr>
+        <p:spPr/>
+        <p:txBody>
+          <a:bodyPr>
+            <a:normAutofit/>
+          </a:bodyPr>
+          <a:lstStyle/>
+          <a:p>
+            <a:r>
+              <a:rPr lang="en-US" b="1" dirty="0"/>
+              <a:t>Tensor</a:t>
+            </a:r>
+            <a:r>
+              <a:rPr lang="en-US" dirty="0"/>
+              <a:t>: Multi-dimensional array of numbers</a:t>
+            </a:r>
+          </a:p>
+          <a:p>
+            <a:r>
+              <a:rPr lang="en-US" b="1" dirty="0" err="1"/>
+              <a:t>Autograd</a:t>
+            </a:r>
+            <a:r>
+              <a:rPr lang="en-US" dirty="0"/>
+              <a:t>: A library for automatically computing gradients</a:t>
+            </a:r>
+          </a:p>
+          <a:p>
+            <a:r>
+              <a:rPr lang="en-US" b="1" dirty="0"/>
+              <a:t>Neural network module</a:t>
+            </a:r>
+            <a:r>
+              <a:rPr lang="en-US" dirty="0"/>
+              <a:t>: Base class for all neural network classes</a:t>
+            </a:r>
+          </a:p>
+          <a:p>
+            <a:r>
+              <a:rPr lang="en-US" b="1" dirty="0"/>
+              <a:t>Optimizer</a:t>
+            </a:r>
+            <a:r>
+              <a:rPr lang="en-US" dirty="0"/>
+              <a:t>: An algorithm that is used to adjust the parameters of a neural network in order to minimize a loss function</a:t>
+            </a:r>
+          </a:p>
+        </p:txBody>
+      </p:sp>
+    </p:spTree>
+    <p:extLst>
+      <p:ext uri="{BB962C8B-B14F-4D97-AF65-F5344CB8AC3E}">
+        <p14:creationId xmlns:p14="http://schemas.microsoft.com/office/powerpoint/2010/main" val="1910671308"/>
+      </p:ext>
+    </p:extLst>
+  </p:cSld>
+  <p:clrMapOvr>
+    <a:masterClrMapping/>
+  </p:clrMapOvr>
+</p:sld>
+</file>
+
 <file path=ppt/theme/theme1.xml><?xml version="1.0" encoding="utf-8"?>
 <a:theme xmlns:a="http://schemas.openxmlformats.org/drawingml/2006/main" name="Office Theme">
   <a:themeElements>

--- a/Slides_2.pptx
+++ b/Slides_2.pptx
@@ -8,6 +8,7 @@
     <p:sldId id="332" r:id="rId2"/>
     <p:sldId id="256" r:id="rId3"/>
     <p:sldId id="333" r:id="rId4"/>
+    <p:sldId id="334" r:id="rId5"/>
   </p:sldIdLst>
   <p:sldSz cx="12192000" cy="6858000"/>
   <p:notesSz cx="6858000" cy="9144000"/>
@@ -3718,6 +3719,99 @@
 </p:sld>
 </file>
 
+<file path=ppt/slides/slide4.xml><?xml version="1.0" encoding="utf-8"?>
+<p:sld xmlns:a="http://schemas.openxmlformats.org/drawingml/2006/main" xmlns:r="http://schemas.openxmlformats.org/officeDocument/2006/relationships" xmlns:p="http://schemas.openxmlformats.org/presentationml/2006/main">
+  <p:cSld>
+    <p:spTree>
+      <p:nvGrpSpPr>
+        <p:cNvPr id="1" name=""/>
+        <p:cNvGrpSpPr/>
+        <p:nvPr/>
+      </p:nvGrpSpPr>
+      <p:grpSpPr>
+        <a:xfrm>
+          <a:off x="0" y="0"/>
+          <a:ext cx="0" cy="0"/>
+          <a:chOff x="0" y="0"/>
+          <a:chExt cx="0" cy="0"/>
+        </a:xfrm>
+      </p:grpSpPr>
+      <p:sp>
+        <p:nvSpPr>
+          <p:cNvPr id="2" name="Title 1">
+            <a:extLst>
+              <a:ext uri="{FF2B5EF4-FFF2-40B4-BE49-F238E27FC236}">
+                <a16:creationId xmlns:a16="http://schemas.microsoft.com/office/drawing/2014/main" id="{8ED42C40-EDA0-3CA3-FB29-E501678D73BC}"/>
+              </a:ext>
+            </a:extLst>
+          </p:cNvPr>
+          <p:cNvSpPr>
+            <a:spLocks noGrp="1"/>
+          </p:cNvSpPr>
+          <p:nvPr>
+            <p:ph type="title"/>
+          </p:nvPr>
+        </p:nvSpPr>
+        <p:spPr/>
+        <p:txBody>
+          <a:bodyPr/>
+          <a:lstStyle/>
+          <a:p>
+            <a:r>
+              <a:rPr lang="en-US" dirty="0"/>
+              <a:t>Tensor</a:t>
+            </a:r>
+          </a:p>
+        </p:txBody>
+      </p:sp>
+      <p:pic>
+        <p:nvPicPr>
+          <p:cNvPr id="5" name="Content Placeholder 4" descr="A picture containing text&#10;&#10;Description automatically generated">
+            <a:extLst>
+              <a:ext uri="{FF2B5EF4-FFF2-40B4-BE49-F238E27FC236}">
+                <a16:creationId xmlns:a16="http://schemas.microsoft.com/office/drawing/2014/main" id="{6FEE5F0A-1876-8661-883F-776CA401E53B}"/>
+              </a:ext>
+            </a:extLst>
+          </p:cNvPr>
+          <p:cNvPicPr>
+            <a:picLocks noGrp="1" noChangeAspect="1"/>
+          </p:cNvPicPr>
+          <p:nvPr>
+            <p:ph idx="1"/>
+          </p:nvPr>
+        </p:nvPicPr>
+        <p:blipFill>
+          <a:blip r:embed="rId2">
+            <a:extLst>
+              <a:ext uri="{28A0092B-C50C-407E-A947-70E740481C1C}">
+                <a14:useLocalDpi xmlns:a14="http://schemas.microsoft.com/office/drawing/2010/main" val="0"/>
+              </a:ext>
+            </a:extLst>
+          </a:blip>
+          <a:stretch>
+            <a:fillRect/>
+          </a:stretch>
+        </p:blipFill>
+        <p:spPr>
+          <a:xfrm>
+            <a:off x="1522958" y="2858033"/>
+            <a:ext cx="9146084" cy="2286521"/>
+          </a:xfrm>
+        </p:spPr>
+      </p:pic>
+    </p:spTree>
+    <p:extLst>
+      <p:ext uri="{BB962C8B-B14F-4D97-AF65-F5344CB8AC3E}">
+        <p14:creationId xmlns:p14="http://schemas.microsoft.com/office/powerpoint/2010/main" val="3688978040"/>
+      </p:ext>
+    </p:extLst>
+  </p:cSld>
+  <p:clrMapOvr>
+    <a:masterClrMapping/>
+  </p:clrMapOvr>
+</p:sld>
+</file>
+
 <file path=ppt/theme/theme1.xml><?xml version="1.0" encoding="utf-8"?>
 <a:theme xmlns:a="http://schemas.openxmlformats.org/drawingml/2006/main" name="Office Theme">
   <a:themeElements>

--- a/Slides_2.pptx
+++ b/Slides_2.pptx
@@ -9,6 +9,7 @@
     <p:sldId id="256" r:id="rId3"/>
     <p:sldId id="333" r:id="rId4"/>
     <p:sldId id="334" r:id="rId5"/>
+    <p:sldId id="335" r:id="rId6"/>
   </p:sldIdLst>
   <p:sldSz cx="12192000" cy="6858000"/>
   <p:notesSz cx="6858000" cy="9144000"/>
@@ -3812,6 +3813,176 @@
 </p:sld>
 </file>
 
+<file path=ppt/slides/slide5.xml><?xml version="1.0" encoding="utf-8"?>
+<p:sld xmlns:a="http://schemas.openxmlformats.org/drawingml/2006/main" xmlns:r="http://schemas.openxmlformats.org/officeDocument/2006/relationships" xmlns:p="http://schemas.openxmlformats.org/presentationml/2006/main">
+  <p:cSld>
+    <p:spTree>
+      <p:nvGrpSpPr>
+        <p:cNvPr id="1" name=""/>
+        <p:cNvGrpSpPr/>
+        <p:nvPr/>
+      </p:nvGrpSpPr>
+      <p:grpSpPr>
+        <a:xfrm>
+          <a:off x="0" y="0"/>
+          <a:ext cx="0" cy="0"/>
+          <a:chOff x="0" y="0"/>
+          <a:chExt cx="0" cy="0"/>
+        </a:xfrm>
+      </p:grpSpPr>
+      <p:sp>
+        <p:nvSpPr>
+          <p:cNvPr id="2" name="Title 1">
+            <a:extLst>
+              <a:ext uri="{FF2B5EF4-FFF2-40B4-BE49-F238E27FC236}">
+                <a16:creationId xmlns:a16="http://schemas.microsoft.com/office/drawing/2014/main" id="{B675DFEB-26BB-A3D2-E9ED-9CC56881327D}"/>
+              </a:ext>
+            </a:extLst>
+          </p:cNvPr>
+          <p:cNvSpPr>
+            <a:spLocks noGrp="1"/>
+          </p:cNvSpPr>
+          <p:nvPr>
+            <p:ph type="title"/>
+          </p:nvPr>
+        </p:nvSpPr>
+        <p:spPr/>
+        <p:txBody>
+          <a:bodyPr/>
+          <a:lstStyle/>
+          <a:p>
+            <a:r>
+              <a:rPr lang="en-US" dirty="0" err="1"/>
+              <a:t>Autograd</a:t>
+            </a:r>
+            <a:endParaRPr lang="en-US" dirty="0"/>
+          </a:p>
+        </p:txBody>
+      </p:sp>
+      <p:sp>
+        <p:nvSpPr>
+          <p:cNvPr id="3" name="Content Placeholder 2">
+            <a:extLst>
+              <a:ext uri="{FF2B5EF4-FFF2-40B4-BE49-F238E27FC236}">
+                <a16:creationId xmlns:a16="http://schemas.microsoft.com/office/drawing/2014/main" id="{BFDD597E-4779-CED6-2A09-191C933E90F3}"/>
+              </a:ext>
+            </a:extLst>
+          </p:cNvPr>
+          <p:cNvSpPr>
+            <a:spLocks noGrp="1"/>
+          </p:cNvSpPr>
+          <p:nvPr>
+            <p:ph idx="1"/>
+          </p:nvPr>
+        </p:nvSpPr>
+        <p:spPr/>
+        <p:txBody>
+          <a:bodyPr>
+            <a:normAutofit lnSpcReduction="10000"/>
+          </a:bodyPr>
+          <a:lstStyle/>
+          <a:p>
+            <a:r>
+              <a:rPr lang="en-US" dirty="0" err="1"/>
+              <a:t>Autograd</a:t>
+            </a:r>
+            <a:r>
+              <a:rPr lang="en-US" dirty="0"/>
+              <a:t> is an </a:t>
+            </a:r>
+            <a:r>
+              <a:rPr lang="en-US" b="1" dirty="0"/>
+              <a:t>Automatic Differentiation </a:t>
+            </a:r>
+            <a:r>
+              <a:rPr lang="en-US" dirty="0"/>
+              <a:t>system</a:t>
+            </a:r>
+          </a:p>
+          <a:p>
+            <a:r>
+              <a:rPr lang="en-US" dirty="0"/>
+              <a:t>The symbolic derivative of a function is precise; however as the function of interest become more complex, the symbolic derivative becomes increasingly difficult to determine. Numeric methods can be used to compute the derivative of such functions. The finite difference approach uses the definition of a derivative to estimate the derivative of a function; however, it suffers from low accuracy and instability.</a:t>
+            </a:r>
+          </a:p>
+          <a:p>
+            <a:r>
+              <a:rPr lang="en-US" dirty="0"/>
+              <a:t>AD is able to compute an approximation of the derivative of a function, </a:t>
+            </a:r>
+            <a:r>
+              <a:rPr lang="en-US" b="1" dirty="0"/>
+              <a:t>without computing a symbolic expression</a:t>
+            </a:r>
+            <a:r>
+              <a:rPr lang="en-US" dirty="0"/>
+              <a:t> of the derivative and with </a:t>
+            </a:r>
+            <a:r>
+              <a:rPr lang="en-US" b="1" dirty="0"/>
+              <a:t>machine precision</a:t>
+            </a:r>
+            <a:r>
+              <a:rPr lang="en-US" dirty="0"/>
+              <a:t> accuracy.</a:t>
+            </a:r>
+          </a:p>
+        </p:txBody>
+      </p:sp>
+      <p:sp>
+        <p:nvSpPr>
+          <p:cNvPr id="4" name="TextBox 3">
+            <a:extLst>
+              <a:ext uri="{FF2B5EF4-FFF2-40B4-BE49-F238E27FC236}">
+                <a16:creationId xmlns:a16="http://schemas.microsoft.com/office/drawing/2014/main" id="{460A57AD-C192-4EAC-9CEA-E64C5B6D4361}"/>
+              </a:ext>
+            </a:extLst>
+          </p:cNvPr>
+          <p:cNvSpPr txBox="1"/>
+          <p:nvPr/>
+        </p:nvSpPr>
+        <p:spPr>
+          <a:xfrm>
+            <a:off x="5344160" y="843240"/>
+            <a:ext cx="5826210" cy="369332"/>
+          </a:xfrm>
+          <a:prstGeom prst="rect">
+            <a:avLst/>
+          </a:prstGeom>
+          <a:noFill/>
+        </p:spPr>
+        <p:txBody>
+          <a:bodyPr wrap="none" rtlCol="0">
+            <a:spAutoFit/>
+          </a:bodyPr>
+          <a:lstStyle/>
+          <a:p>
+            <a:r>
+              <a:rPr lang="en-US" dirty="0">
+                <a:hlinkClick r:id="rId2"/>
+              </a:rPr>
+              <a:t>https://autograd.readthedocs.io/en/latest/background.html</a:t>
+            </a:r>
+            <a:r>
+              <a:rPr lang="en-US" dirty="0"/>
+              <a:t> </a:t>
+            </a:r>
+          </a:p>
+        </p:txBody>
+      </p:sp>
+    </p:spTree>
+    <p:extLst>
+      <p:ext uri="{BB962C8B-B14F-4D97-AF65-F5344CB8AC3E}">
+        <p14:creationId xmlns:p14="http://schemas.microsoft.com/office/powerpoint/2010/main" val="3589405166"/>
+      </p:ext>
+    </p:extLst>
+  </p:cSld>
+  <p:clrMapOvr>
+    <a:masterClrMapping/>
+  </p:clrMapOvr>
+</p:sld>
+</file>
+
 <file path=ppt/theme/theme1.xml><?xml version="1.0" encoding="utf-8"?>
 <a:theme xmlns:a="http://schemas.openxmlformats.org/drawingml/2006/main" name="Office Theme">
   <a:themeElements>

--- a/Slides_2.pptx
+++ b/Slides_2.pptx
@@ -3677,7 +3677,7 @@
           </a:p>
           <a:p>
             <a:r>
-              <a:rPr lang="en-US" b="1" dirty="0" err="1"/>
+              <a:rPr lang="en-US" b="1" dirty="0"/>
               <a:t>Autograd</a:t>
             </a:r>
             <a:r>
@@ -3703,6 +3703,16 @@
             <a:r>
               <a:rPr lang="en-US" dirty="0"/>
               <a:t>: An algorithm that is used to adjust the parameters of a neural network in order to minimize a loss function</a:t>
+            </a:r>
+          </a:p>
+          <a:p>
+            <a:r>
+              <a:rPr lang="en-US" b="1" dirty="0"/>
+              <a:t>Dataset</a:t>
+            </a:r>
+            <a:r>
+              <a:rPr lang="en-US" dirty="0"/>
+              <a:t>: A base class for our data</a:t>
             </a:r>
           </a:p>
         </p:txBody>
@@ -3767,25 +3777,26 @@
       </p:sp>
       <p:pic>
         <p:nvPicPr>
-          <p:cNvPr id="5" name="Content Placeholder 4" descr="A picture containing text&#10;&#10;Description automatically generated">
-            <a:extLst>
-              <a:ext uri="{FF2B5EF4-FFF2-40B4-BE49-F238E27FC236}">
-                <a16:creationId xmlns:a16="http://schemas.microsoft.com/office/drawing/2014/main" id="{6FEE5F0A-1876-8661-883F-776CA401E53B}"/>
+          <p:cNvPr id="17" name="Graphic 16">
+            <a:extLst>
+              <a:ext uri="{FF2B5EF4-FFF2-40B4-BE49-F238E27FC236}">
+                <a16:creationId xmlns:a16="http://schemas.microsoft.com/office/drawing/2014/main" id="{6B6A7EC4-E344-D70D-A980-2F6E8BDAA938}"/>
               </a:ext>
             </a:extLst>
           </p:cNvPr>
           <p:cNvPicPr>
-            <a:picLocks noGrp="1" noChangeAspect="1"/>
+            <a:picLocks noChangeAspect="1"/>
           </p:cNvPicPr>
-          <p:nvPr>
-            <p:ph idx="1"/>
-          </p:nvPr>
+          <p:nvPr/>
         </p:nvPicPr>
         <p:blipFill>
           <a:blip r:embed="rId2">
             <a:extLst>
               <a:ext uri="{28A0092B-C50C-407E-A947-70E740481C1C}">
                 <a14:useLocalDpi xmlns:a14="http://schemas.microsoft.com/office/drawing/2010/main" val="0"/>
+              </a:ext>
+              <a:ext uri="{96DAC541-7B7A-43D3-8B79-37D633B846F1}">
+                <asvg:svgBlip xmlns:asvg="http://schemas.microsoft.com/office/drawing/2016/SVG/main" r:embed="rId3"/>
               </a:ext>
             </a:extLst>
           </a:blip>
@@ -3795,11 +3806,271 @@
         </p:blipFill>
         <p:spPr>
           <a:xfrm>
-            <a:off x="1522958" y="2858033"/>
-            <a:ext cx="9146084" cy="2286521"/>
+            <a:off x="8365360" y="1778371"/>
+            <a:ext cx="3600450" cy="3600450"/>
           </a:xfrm>
+          <a:prstGeom prst="rect">
+            <a:avLst/>
+          </a:prstGeom>
         </p:spPr>
       </p:pic>
+      <p:pic>
+        <p:nvPicPr>
+          <p:cNvPr id="19" name="Graphic 18">
+            <a:extLst>
+              <a:ext uri="{FF2B5EF4-FFF2-40B4-BE49-F238E27FC236}">
+                <a16:creationId xmlns:a16="http://schemas.microsoft.com/office/drawing/2014/main" id="{FF2E45FC-19AA-2F8C-02A1-01981CBA868D}"/>
+              </a:ext>
+            </a:extLst>
+          </p:cNvPr>
+          <p:cNvPicPr>
+            <a:picLocks noChangeAspect="1"/>
+          </p:cNvPicPr>
+          <p:nvPr/>
+        </p:nvPicPr>
+        <p:blipFill>
+          <a:blip r:embed="rId4">
+            <a:extLst>
+              <a:ext uri="{28A0092B-C50C-407E-A947-70E740481C1C}">
+                <a14:useLocalDpi xmlns:a14="http://schemas.microsoft.com/office/drawing/2010/main" val="0"/>
+              </a:ext>
+              <a:ext uri="{96DAC541-7B7A-43D3-8B79-37D633B846F1}">
+                <asvg:svgBlip xmlns:asvg="http://schemas.microsoft.com/office/drawing/2016/SVG/main" r:embed="rId5"/>
+              </a:ext>
+            </a:extLst>
+          </a:blip>
+          <a:stretch>
+            <a:fillRect/>
+          </a:stretch>
+        </p:blipFill>
+        <p:spPr>
+          <a:xfrm>
+            <a:off x="1962394" y="1778371"/>
+            <a:ext cx="3600450" cy="3600450"/>
+          </a:xfrm>
+          <a:prstGeom prst="rect">
+            <a:avLst/>
+          </a:prstGeom>
+        </p:spPr>
+      </p:pic>
+      <p:pic>
+        <p:nvPicPr>
+          <p:cNvPr id="21" name="Graphic 20">
+            <a:extLst>
+              <a:ext uri="{FF2B5EF4-FFF2-40B4-BE49-F238E27FC236}">
+                <a16:creationId xmlns:a16="http://schemas.microsoft.com/office/drawing/2014/main" id="{C7C65A71-EEBF-EE6D-AB9F-BBF82D086A68}"/>
+              </a:ext>
+            </a:extLst>
+          </p:cNvPr>
+          <p:cNvPicPr>
+            <a:picLocks noChangeAspect="1"/>
+          </p:cNvPicPr>
+          <p:nvPr/>
+        </p:nvPicPr>
+        <p:blipFill>
+          <a:blip r:embed="rId6">
+            <a:extLst>
+              <a:ext uri="{28A0092B-C50C-407E-A947-70E740481C1C}">
+                <a14:useLocalDpi xmlns:a14="http://schemas.microsoft.com/office/drawing/2010/main" val="0"/>
+              </a:ext>
+              <a:ext uri="{96DAC541-7B7A-43D3-8B79-37D633B846F1}">
+                <asvg:svgBlip xmlns:asvg="http://schemas.microsoft.com/office/drawing/2016/SVG/main" r:embed="rId7"/>
+              </a:ext>
+            </a:extLst>
+          </a:blip>
+          <a:stretch>
+            <a:fillRect/>
+          </a:stretch>
+        </p:blipFill>
+        <p:spPr>
+          <a:xfrm>
+            <a:off x="4944680" y="1778371"/>
+            <a:ext cx="3600450" cy="3600450"/>
+          </a:xfrm>
+          <a:prstGeom prst="rect">
+            <a:avLst/>
+          </a:prstGeom>
+        </p:spPr>
+      </p:pic>
+      <p:pic>
+        <p:nvPicPr>
+          <p:cNvPr id="23" name="Graphic 22">
+            <a:extLst>
+              <a:ext uri="{FF2B5EF4-FFF2-40B4-BE49-F238E27FC236}">
+                <a16:creationId xmlns:a16="http://schemas.microsoft.com/office/drawing/2014/main" id="{DFB69660-E895-CF59-B2F2-88ECF8EE942D}"/>
+              </a:ext>
+            </a:extLst>
+          </p:cNvPr>
+          <p:cNvPicPr>
+            <a:picLocks noChangeAspect="1"/>
+          </p:cNvPicPr>
+          <p:nvPr/>
+        </p:nvPicPr>
+        <p:blipFill>
+          <a:blip r:embed="rId8">
+            <a:extLst>
+              <a:ext uri="{28A0092B-C50C-407E-A947-70E740481C1C}">
+                <a14:useLocalDpi xmlns:a14="http://schemas.microsoft.com/office/drawing/2010/main" val="0"/>
+              </a:ext>
+              <a:ext uri="{96DAC541-7B7A-43D3-8B79-37D633B846F1}">
+                <asvg:svgBlip xmlns:asvg="http://schemas.microsoft.com/office/drawing/2016/SVG/main" r:embed="rId9"/>
+              </a:ext>
+            </a:extLst>
+          </a:blip>
+          <a:stretch>
+            <a:fillRect/>
+          </a:stretch>
+        </p:blipFill>
+        <p:spPr>
+          <a:xfrm>
+            <a:off x="-727638" y="1778371"/>
+            <a:ext cx="3600450" cy="3600450"/>
+          </a:xfrm>
+          <a:prstGeom prst="rect">
+            <a:avLst/>
+          </a:prstGeom>
+        </p:spPr>
+      </p:pic>
+      <p:sp>
+        <p:nvSpPr>
+          <p:cNvPr id="24" name="TextBox 23">
+            <a:extLst>
+              <a:ext uri="{FF2B5EF4-FFF2-40B4-BE49-F238E27FC236}">
+                <a16:creationId xmlns:a16="http://schemas.microsoft.com/office/drawing/2014/main" id="{545F19A2-FD97-1FB9-C407-5175E0A58A07}"/>
+              </a:ext>
+            </a:extLst>
+          </p:cNvPr>
+          <p:cNvSpPr txBox="1"/>
+          <p:nvPr/>
+        </p:nvSpPr>
+        <p:spPr>
+          <a:xfrm>
+            <a:off x="381965" y="5563487"/>
+            <a:ext cx="740587" cy="369332"/>
+          </a:xfrm>
+          <a:prstGeom prst="rect">
+            <a:avLst/>
+          </a:prstGeom>
+          <a:noFill/>
+        </p:spPr>
+        <p:txBody>
+          <a:bodyPr wrap="none" rtlCol="0">
+            <a:spAutoFit/>
+          </a:bodyPr>
+          <a:lstStyle/>
+          <a:p>
+            <a:r>
+              <a:rPr lang="en-US" dirty="0"/>
+              <a:t>Scalar</a:t>
+            </a:r>
+          </a:p>
+        </p:txBody>
+      </p:sp>
+      <p:sp>
+        <p:nvSpPr>
+          <p:cNvPr id="25" name="TextBox 24">
+            <a:extLst>
+              <a:ext uri="{FF2B5EF4-FFF2-40B4-BE49-F238E27FC236}">
+                <a16:creationId xmlns:a16="http://schemas.microsoft.com/office/drawing/2014/main" id="{D492F6B6-A61E-A6A1-9E8C-775ABE009ED9}"/>
+              </a:ext>
+            </a:extLst>
+          </p:cNvPr>
+          <p:cNvSpPr txBox="1"/>
+          <p:nvPr/>
+        </p:nvSpPr>
+        <p:spPr>
+          <a:xfrm>
+            <a:off x="2968106" y="5563487"/>
+            <a:ext cx="794513" cy="369332"/>
+          </a:xfrm>
+          <a:prstGeom prst="rect">
+            <a:avLst/>
+          </a:prstGeom>
+          <a:noFill/>
+        </p:spPr>
+        <p:txBody>
+          <a:bodyPr wrap="none" rtlCol="0">
+            <a:spAutoFit/>
+          </a:bodyPr>
+          <a:lstStyle/>
+          <a:p>
+            <a:r>
+              <a:rPr lang="en-US" dirty="0"/>
+              <a:t>Vector</a:t>
+            </a:r>
+          </a:p>
+        </p:txBody>
+      </p:sp>
+      <p:sp>
+        <p:nvSpPr>
+          <p:cNvPr id="26" name="TextBox 25">
+            <a:extLst>
+              <a:ext uri="{FF2B5EF4-FFF2-40B4-BE49-F238E27FC236}">
+                <a16:creationId xmlns:a16="http://schemas.microsoft.com/office/drawing/2014/main" id="{6708C89E-37F8-92E0-7DE0-F1EDC58C8B89}"/>
+              </a:ext>
+            </a:extLst>
+          </p:cNvPr>
+          <p:cNvSpPr txBox="1"/>
+          <p:nvPr/>
+        </p:nvSpPr>
+        <p:spPr>
+          <a:xfrm>
+            <a:off x="5893443" y="5563487"/>
+            <a:ext cx="799706" cy="369332"/>
+          </a:xfrm>
+          <a:prstGeom prst="rect">
+            <a:avLst/>
+          </a:prstGeom>
+          <a:noFill/>
+        </p:spPr>
+        <p:txBody>
+          <a:bodyPr wrap="none" rtlCol="0">
+            <a:spAutoFit/>
+          </a:bodyPr>
+          <a:lstStyle/>
+          <a:p>
+            <a:r>
+              <a:rPr lang="en-US" dirty="0"/>
+              <a:t>Matrix</a:t>
+            </a:r>
+          </a:p>
+        </p:txBody>
+      </p:sp>
+      <p:sp>
+        <p:nvSpPr>
+          <p:cNvPr id="27" name="TextBox 26">
+            <a:extLst>
+              <a:ext uri="{FF2B5EF4-FFF2-40B4-BE49-F238E27FC236}">
+                <a16:creationId xmlns:a16="http://schemas.microsoft.com/office/drawing/2014/main" id="{CFB5668A-62EF-EF47-372C-5F9ED5F62661}"/>
+              </a:ext>
+            </a:extLst>
+          </p:cNvPr>
+          <p:cNvSpPr txBox="1"/>
+          <p:nvPr/>
+        </p:nvSpPr>
+        <p:spPr>
+          <a:xfrm>
+            <a:off x="9604530" y="5563487"/>
+            <a:ext cx="805349" cy="369332"/>
+          </a:xfrm>
+          <a:prstGeom prst="rect">
+            <a:avLst/>
+          </a:prstGeom>
+          <a:noFill/>
+        </p:spPr>
+        <p:txBody>
+          <a:bodyPr wrap="none" rtlCol="0">
+            <a:spAutoFit/>
+          </a:bodyPr>
+          <a:lstStyle/>
+          <a:p>
+            <a:r>
+              <a:rPr lang="en-US" dirty="0"/>
+              <a:t>Tensor</a:t>
+            </a:r>
+          </a:p>
+        </p:txBody>
+      </p:sp>
     </p:spTree>
     <p:extLst>
       <p:ext uri="{BB962C8B-B14F-4D97-AF65-F5344CB8AC3E}">
@@ -3852,10 +4123,9 @@
           <a:lstStyle/>
           <a:p>
             <a:r>
-              <a:rPr lang="en-US" dirty="0" err="1"/>
+              <a:rPr lang="en-US" dirty="0"/>
               <a:t>Autograd</a:t>
             </a:r>
-            <a:endParaRPr lang="en-US" dirty="0"/>
           </a:p>
         </p:txBody>
       </p:sp>
@@ -3883,12 +4153,8 @@
           <a:lstStyle/>
           <a:p>
             <a:r>
-              <a:rPr lang="en-US" dirty="0" err="1"/>
-              <a:t>Autograd</a:t>
-            </a:r>
-            <a:r>
               <a:rPr lang="en-US" dirty="0"/>
-              <a:t> is an </a:t>
+              <a:t>Autograd is an </a:t>
             </a:r>
             <a:r>
               <a:rPr lang="en-US" b="1" dirty="0"/>

--- a/Slides_2.pptx
+++ b/Slides_2.pptx
@@ -108,6 +108,11 @@
       </a:defRPr>
     </a:lvl9pPr>
   </p:defaultTextStyle>
+  <p:extLst>
+    <p:ext uri="{EFAFB233-063F-42B5-8137-9DF3F51BA10A}">
+      <p15:sldGuideLst xmlns:p15="http://schemas.microsoft.com/office/powerpoint/2012/main"/>
+    </p:ext>
+  </p:extLst>
 </p:presentation>
 </file>
 
@@ -258,7 +263,7 @@
           <a:p>
             <a:fld id="{4F06803B-D602-4C3D-AD5C-468F46C70933}" type="datetimeFigureOut">
               <a:rPr lang="en-US" smtClean="0"/>
-              <a:t>1/3/2023</a:t>
+              <a:t>1/5/2023</a:t>
             </a:fld>
             <a:endParaRPr lang="en-US"/>
           </a:p>
@@ -456,7 +461,7 @@
           <a:p>
             <a:fld id="{4F06803B-D602-4C3D-AD5C-468F46C70933}" type="datetimeFigureOut">
               <a:rPr lang="en-US" smtClean="0"/>
-              <a:t>1/3/2023</a:t>
+              <a:t>1/5/2023</a:t>
             </a:fld>
             <a:endParaRPr lang="en-US"/>
           </a:p>
@@ -664,7 +669,7 @@
           <a:p>
             <a:fld id="{4F06803B-D602-4C3D-AD5C-468F46C70933}" type="datetimeFigureOut">
               <a:rPr lang="en-US" smtClean="0"/>
-              <a:t>1/3/2023</a:t>
+              <a:t>1/5/2023</a:t>
             </a:fld>
             <a:endParaRPr lang="en-US"/>
           </a:p>
@@ -862,7 +867,7 @@
           <a:p>
             <a:fld id="{4F06803B-D602-4C3D-AD5C-468F46C70933}" type="datetimeFigureOut">
               <a:rPr lang="en-US" smtClean="0"/>
-              <a:t>1/3/2023</a:t>
+              <a:t>1/5/2023</a:t>
             </a:fld>
             <a:endParaRPr lang="en-US"/>
           </a:p>
@@ -1137,7 +1142,7 @@
           <a:p>
             <a:fld id="{4F06803B-D602-4C3D-AD5C-468F46C70933}" type="datetimeFigureOut">
               <a:rPr lang="en-US" smtClean="0"/>
-              <a:t>1/3/2023</a:t>
+              <a:t>1/5/2023</a:t>
             </a:fld>
             <a:endParaRPr lang="en-US"/>
           </a:p>
@@ -1402,7 +1407,7 @@
           <a:p>
             <a:fld id="{4F06803B-D602-4C3D-AD5C-468F46C70933}" type="datetimeFigureOut">
               <a:rPr lang="en-US" smtClean="0"/>
-              <a:t>1/3/2023</a:t>
+              <a:t>1/5/2023</a:t>
             </a:fld>
             <a:endParaRPr lang="en-US"/>
           </a:p>
@@ -1814,7 +1819,7 @@
           <a:p>
             <a:fld id="{4F06803B-D602-4C3D-AD5C-468F46C70933}" type="datetimeFigureOut">
               <a:rPr lang="en-US" smtClean="0"/>
-              <a:t>1/3/2023</a:t>
+              <a:t>1/5/2023</a:t>
             </a:fld>
             <a:endParaRPr lang="en-US"/>
           </a:p>
@@ -1955,7 +1960,7 @@
           <a:p>
             <a:fld id="{4F06803B-D602-4C3D-AD5C-468F46C70933}" type="datetimeFigureOut">
               <a:rPr lang="en-US" smtClean="0"/>
-              <a:t>1/3/2023</a:t>
+              <a:t>1/5/2023</a:t>
             </a:fld>
             <a:endParaRPr lang="en-US"/>
           </a:p>
@@ -2068,7 +2073,7 @@
           <a:p>
             <a:fld id="{4F06803B-D602-4C3D-AD5C-468F46C70933}" type="datetimeFigureOut">
               <a:rPr lang="en-US" smtClean="0"/>
-              <a:t>1/3/2023</a:t>
+              <a:t>1/5/2023</a:t>
             </a:fld>
             <a:endParaRPr lang="en-US"/>
           </a:p>
@@ -2379,7 +2384,7 @@
           <a:p>
             <a:fld id="{4F06803B-D602-4C3D-AD5C-468F46C70933}" type="datetimeFigureOut">
               <a:rPr lang="en-US" smtClean="0"/>
-              <a:t>1/3/2023</a:t>
+              <a:t>1/5/2023</a:t>
             </a:fld>
             <a:endParaRPr lang="en-US"/>
           </a:p>
@@ -2667,7 +2672,7 @@
           <a:p>
             <a:fld id="{4F06803B-D602-4C3D-AD5C-468F46C70933}" type="datetimeFigureOut">
               <a:rPr lang="en-US" smtClean="0"/>
-              <a:t>1/3/2023</a:t>
+              <a:t>1/5/2023</a:t>
             </a:fld>
             <a:endParaRPr lang="en-US"/>
           </a:p>
@@ -2908,7 +2913,7 @@
           <a:p>
             <a:fld id="{4F06803B-D602-4C3D-AD5C-468F46C70933}" type="datetimeFigureOut">
               <a:rPr lang="en-US" smtClean="0"/>
-              <a:t>1/3/2023</a:t>
+              <a:t>1/5/2023</a:t>
             </a:fld>
             <a:endParaRPr lang="en-US"/>
           </a:p>
@@ -3708,12 +3713,15 @@
           <a:p>
             <a:r>
               <a:rPr lang="en-US" b="1" dirty="0"/>
-              <a:t>Dataset</a:t>
+              <a:t>Dataset/Dataloader</a:t>
             </a:r>
             <a:r>
               <a:rPr lang="en-US" dirty="0"/>
               <a:t>: A base class for our data</a:t>
             </a:r>
+          </a:p>
+          <a:p>
+            <a:endParaRPr lang="en-US" dirty="0"/>
           </a:p>
         </p:txBody>
       </p:sp>
@@ -4148,41 +4156,61 @@
         <p:spPr/>
         <p:txBody>
           <a:bodyPr>
-            <a:normAutofit lnSpcReduction="10000"/>
+            <a:normAutofit/>
           </a:bodyPr>
           <a:lstStyle/>
           <a:p>
             <a:r>
+              <a:rPr lang="en-US" b="1" dirty="0"/>
+              <a:t>Symbolic derivative </a:t>
+            </a:r>
+            <a:r>
               <a:rPr lang="en-US" dirty="0"/>
-              <a:t>Autograd is an </a:t>
+              <a:t>of a function is precise; however, as the function of interest become more complex, the symbolic derivative becomes increasingly </a:t>
             </a:r>
             <a:r>
               <a:rPr lang="en-US" b="1" dirty="0"/>
-              <a:t>Automatic Differentiation </a:t>
+              <a:t>difficult to determine</a:t>
             </a:r>
             <a:r>
               <a:rPr lang="en-US" dirty="0"/>
-              <a:t>system</a:t>
-            </a:r>
-          </a:p>
-          <a:p>
+              <a:t>. </a:t>
+            </a:r>
+          </a:p>
+          <a:p>
+            <a:r>
+              <a:rPr lang="en-US" b="1" dirty="0"/>
+              <a:t>Finite difference </a:t>
+            </a:r>
             <a:r>
               <a:rPr lang="en-US" dirty="0"/>
-              <a:t>The symbolic derivative of a function is precise; however as the function of interest become more complex, the symbolic derivative becomes increasingly difficult to determine. Numeric methods can be used to compute the derivative of such functions. The finite difference approach uses the definition of a derivative to estimate the derivative of a function; however, it suffers from low accuracy and instability.</a:t>
-            </a:r>
-          </a:p>
-          <a:p>
+              <a:t>approach uses the definition of a derivative to estimate the derivative of a function; however, it suffers from </a:t>
+            </a:r>
+            <a:r>
+              <a:rPr lang="en-US" b="1" dirty="0"/>
+              <a:t>low accuracy </a:t>
+            </a:r>
             <a:r>
               <a:rPr lang="en-US" dirty="0"/>
-              <a:t>AD is able to compute an approximation of the derivative of a function, </a:t>
-            </a:r>
+              <a:t>and instability.</a:t>
+            </a:r>
+          </a:p>
+          <a:p>
             <a:r>
               <a:rPr lang="en-US" b="1" dirty="0"/>
-              <a:t>without computing a symbolic expression</a:t>
+              <a:t>Automatic differentiation</a:t>
             </a:r>
             <a:r>
               <a:rPr lang="en-US" dirty="0"/>
-              <a:t> of the derivative and with </a:t>
+              <a:t> is using the </a:t>
+            </a:r>
+            <a:r>
+              <a:rPr lang="en-US" b="1" dirty="0"/>
+              <a:t>chain rule </a:t>
+            </a:r>
+            <a:r>
+              <a:rPr lang="en-US" dirty="0"/>
+              <a:t>to break the computation of the derivative. It achieves </a:t>
             </a:r>
             <a:r>
               <a:rPr lang="en-US" b="1" dirty="0"/>
@@ -4191,47 +4219,6 @@
             <a:r>
               <a:rPr lang="en-US" dirty="0"/>
               <a:t> accuracy.</a:t>
-            </a:r>
-          </a:p>
-        </p:txBody>
-      </p:sp>
-      <p:sp>
-        <p:nvSpPr>
-          <p:cNvPr id="4" name="TextBox 3">
-            <a:extLst>
-              <a:ext uri="{FF2B5EF4-FFF2-40B4-BE49-F238E27FC236}">
-                <a16:creationId xmlns:a16="http://schemas.microsoft.com/office/drawing/2014/main" id="{460A57AD-C192-4EAC-9CEA-E64C5B6D4361}"/>
-              </a:ext>
-            </a:extLst>
-          </p:cNvPr>
-          <p:cNvSpPr txBox="1"/>
-          <p:nvPr/>
-        </p:nvSpPr>
-        <p:spPr>
-          <a:xfrm>
-            <a:off x="5344160" y="843240"/>
-            <a:ext cx="5826210" cy="369332"/>
-          </a:xfrm>
-          <a:prstGeom prst="rect">
-            <a:avLst/>
-          </a:prstGeom>
-          <a:noFill/>
-        </p:spPr>
-        <p:txBody>
-          <a:bodyPr wrap="none" rtlCol="0">
-            <a:spAutoFit/>
-          </a:bodyPr>
-          <a:lstStyle/>
-          <a:p>
-            <a:r>
-              <a:rPr lang="en-US" dirty="0">
-                <a:hlinkClick r:id="rId2"/>
-              </a:rPr>
-              <a:t>https://autograd.readthedocs.io/en/latest/background.html</a:t>
-            </a:r>
-            <a:r>
-              <a:rPr lang="en-US" dirty="0"/>
-              <a:t> </a:t>
             </a:r>
           </a:p>
         </p:txBody>

--- a/Slides_2.pptx
+++ b/Slides_2.pptx
@@ -10,6 +10,9 @@
     <p:sldId id="333" r:id="rId4"/>
     <p:sldId id="334" r:id="rId5"/>
     <p:sldId id="335" r:id="rId6"/>
+    <p:sldId id="339" r:id="rId7"/>
+    <p:sldId id="342" r:id="rId8"/>
+    <p:sldId id="341" r:id="rId9"/>
   </p:sldIdLst>
   <p:sldSz cx="12192000" cy="6858000"/>
   <p:notesSz cx="6858000" cy="9144000"/>
@@ -4236,6 +4239,1238 @@
 </p:sld>
 </file>
 
+<file path=ppt/slides/slide6.xml><?xml version="1.0" encoding="utf-8"?>
+<p:sld xmlns:a="http://schemas.openxmlformats.org/drawingml/2006/main" xmlns:r="http://schemas.openxmlformats.org/officeDocument/2006/relationships" xmlns:p="http://schemas.openxmlformats.org/presentationml/2006/main">
+  <p:cSld>
+    <p:spTree>
+      <p:nvGrpSpPr>
+        <p:cNvPr id="1" name=""/>
+        <p:cNvGrpSpPr/>
+        <p:nvPr/>
+      </p:nvGrpSpPr>
+      <p:grpSpPr>
+        <a:xfrm>
+          <a:off x="0" y="0"/>
+          <a:ext cx="0" cy="0"/>
+          <a:chOff x="0" y="0"/>
+          <a:chExt cx="0" cy="0"/>
+        </a:xfrm>
+      </p:grpSpPr>
+      <p:sp>
+        <p:nvSpPr>
+          <p:cNvPr id="2" name="Title 1">
+            <a:extLst>
+              <a:ext uri="{FF2B5EF4-FFF2-40B4-BE49-F238E27FC236}">
+                <a16:creationId xmlns:a16="http://schemas.microsoft.com/office/drawing/2014/main" id="{D7C30C68-3E1C-3C35-53FA-84B86222F651}"/>
+              </a:ext>
+            </a:extLst>
+          </p:cNvPr>
+          <p:cNvSpPr>
+            <a:spLocks noGrp="1"/>
+          </p:cNvSpPr>
+          <p:nvPr>
+            <p:ph type="title"/>
+          </p:nvPr>
+        </p:nvSpPr>
+        <p:spPr/>
+        <p:txBody>
+          <a:bodyPr/>
+          <a:lstStyle/>
+          <a:p>
+            <a:r>
+              <a:rPr lang="en-US" dirty="0"/>
+              <a:t>Symbolic derivative</a:t>
+            </a:r>
+          </a:p>
+        </p:txBody>
+      </p:sp>
+      <mc:AlternateContent xmlns:mc="http://schemas.openxmlformats.org/markup-compatibility/2006">
+        <mc:Choice xmlns:a14="http://schemas.microsoft.com/office/drawing/2010/main" Requires="a14">
+          <p:sp>
+            <p:nvSpPr>
+              <p:cNvPr id="3" name="Content Placeholder 2">
+                <a:extLst>
+                  <a:ext uri="{FF2B5EF4-FFF2-40B4-BE49-F238E27FC236}">
+                    <a16:creationId xmlns:a16="http://schemas.microsoft.com/office/drawing/2014/main" id="{CBB6C876-67EE-8B31-923A-92F1171D92B1}"/>
+                  </a:ext>
+                </a:extLst>
+              </p:cNvPr>
+              <p:cNvSpPr>
+                <a:spLocks noGrp="1"/>
+              </p:cNvSpPr>
+              <p:nvPr>
+                <p:ph idx="1"/>
+              </p:nvPr>
+            </p:nvSpPr>
+            <p:spPr/>
+            <p:txBody>
+              <a:bodyPr/>
+              <a:lstStyle/>
+              <a:p>
+                <a:pPr marL="0" indent="0">
+                  <a:buNone/>
+                </a:pPr>
+                <a14:m>
+                  <m:oMathPara xmlns:m="http://schemas.openxmlformats.org/officeDocument/2006/math">
+                    <m:oMathParaPr>
+                      <m:jc m:val="center"/>
+                    </m:oMathParaPr>
+                    <m:oMath xmlns:m="http://schemas.openxmlformats.org/officeDocument/2006/math">
+                      <m:r>
+                        <a:rPr lang="en-US" b="0" i="1" smtClean="0">
+                          <a:latin typeface="Cambria Math" panose="02040503050406030204" pitchFamily="18" charset="0"/>
+                        </a:rPr>
+                        <m:t>𝑧</m:t>
+                      </m:r>
+                      <m:d>
+                        <m:dPr>
+                          <m:ctrlPr>
+                            <a:rPr lang="en-US" b="0" i="1" smtClean="0">
+                              <a:latin typeface="Cambria Math" panose="02040503050406030204" pitchFamily="18" charset="0"/>
+                            </a:rPr>
+                          </m:ctrlPr>
+                        </m:dPr>
+                        <m:e>
+                          <m:r>
+                            <a:rPr lang="en-US" b="0" i="1" smtClean="0">
+                              <a:latin typeface="Cambria Math" panose="02040503050406030204" pitchFamily="18" charset="0"/>
+                            </a:rPr>
+                            <m:t>𝑥</m:t>
+                          </m:r>
+                        </m:e>
+                      </m:d>
+                      <m:r>
+                        <a:rPr lang="en-US" b="0" i="1" smtClean="0">
+                          <a:latin typeface="Cambria Math" panose="02040503050406030204" pitchFamily="18" charset="0"/>
+                        </a:rPr>
+                        <m:t>= </m:t>
+                      </m:r>
+                      <m:f>
+                        <m:fPr>
+                          <m:ctrlPr>
+                            <a:rPr lang="en-US" b="0" i="1" smtClean="0">
+                              <a:latin typeface="Cambria Math" panose="02040503050406030204" pitchFamily="18" charset="0"/>
+                            </a:rPr>
+                          </m:ctrlPr>
+                        </m:fPr>
+                        <m:num>
+                          <m:sSup>
+                            <m:sSupPr>
+                              <m:ctrlPr>
+                                <a:rPr lang="en-US" b="0" i="1" smtClean="0">
+                                  <a:latin typeface="Cambria Math" panose="02040503050406030204" pitchFamily="18" charset="0"/>
+                                </a:rPr>
+                              </m:ctrlPr>
+                            </m:sSupPr>
+                            <m:e>
+                              <m:r>
+                                <a:rPr lang="en-US" b="0" i="1" smtClean="0">
+                                  <a:latin typeface="Cambria Math" panose="02040503050406030204" pitchFamily="18" charset="0"/>
+                                </a:rPr>
+                                <m:t>𝑥</m:t>
+                              </m:r>
+                            </m:e>
+                            <m:sup>
+                              <m:r>
+                                <a:rPr lang="en-US" b="0" i="1" smtClean="0">
+                                  <a:latin typeface="Cambria Math" panose="02040503050406030204" pitchFamily="18" charset="0"/>
+                                </a:rPr>
+                                <m:t>2</m:t>
+                              </m:r>
+                            </m:sup>
+                          </m:sSup>
+                        </m:num>
+                        <m:den>
+                          <m:r>
+                            <a:rPr lang="en-US" b="0" i="1" smtClean="0">
+                              <a:latin typeface="Cambria Math" panose="02040503050406030204" pitchFamily="18" charset="0"/>
+                            </a:rPr>
+                            <m:t>5</m:t>
+                          </m:r>
+                        </m:den>
+                      </m:f>
+                      <m:r>
+                        <a:rPr lang="en-US" b="0" i="1" smtClean="0">
+                          <a:latin typeface="Cambria Math" panose="02040503050406030204" pitchFamily="18" charset="0"/>
+                        </a:rPr>
+                        <m:t>+</m:t>
+                      </m:r>
+                      <m:func>
+                        <m:funcPr>
+                          <m:ctrlPr>
+                            <a:rPr lang="en-US" b="0" i="1" smtClean="0">
+                              <a:latin typeface="Cambria Math" panose="02040503050406030204" pitchFamily="18" charset="0"/>
+                            </a:rPr>
+                          </m:ctrlPr>
+                        </m:funcPr>
+                        <m:fName>
+                          <m:r>
+                            <m:rPr>
+                              <m:sty m:val="p"/>
+                            </m:rPr>
+                            <a:rPr lang="en-US" b="0" i="0" smtClean="0">
+                              <a:latin typeface="Cambria Math" panose="02040503050406030204" pitchFamily="18" charset="0"/>
+                            </a:rPr>
+                            <m:t>cos</m:t>
+                          </m:r>
+                        </m:fName>
+                        <m:e>
+                          <m:r>
+                            <a:rPr lang="en-US" b="0" i="1" smtClean="0">
+                              <a:latin typeface="Cambria Math" panose="02040503050406030204" pitchFamily="18" charset="0"/>
+                            </a:rPr>
+                            <m:t>𝑥</m:t>
+                          </m:r>
+                        </m:e>
+                      </m:func>
+                    </m:oMath>
+                  </m:oMathPara>
+                </a14:m>
+                <a:endParaRPr lang="en-US" dirty="0"/>
+              </a:p>
+              <a:p>
+                <a:pPr marL="0" indent="0">
+                  <a:buNone/>
+                </a:pPr>
+                <a:endParaRPr lang="en-US" i="1" dirty="0">
+                  <a:latin typeface="Cambria Math" panose="02040503050406030204" pitchFamily="18" charset="0"/>
+                </a:endParaRPr>
+              </a:p>
+              <a:p>
+                <a:pPr marL="0" indent="0">
+                  <a:buNone/>
+                </a:pPr>
+                <a:endParaRPr lang="en-US" i="1" dirty="0">
+                  <a:latin typeface="Cambria Math" panose="02040503050406030204" pitchFamily="18" charset="0"/>
+                </a:endParaRPr>
+              </a:p>
+              <a:p>
+                <a:pPr marL="0" indent="0">
+                  <a:buNone/>
+                </a:pPr>
+                <a14:m>
+                  <m:oMathPara xmlns:m="http://schemas.openxmlformats.org/officeDocument/2006/math">
+                    <m:oMathParaPr>
+                      <m:jc m:val="centerGroup"/>
+                    </m:oMathParaPr>
+                    <m:oMath xmlns:m="http://schemas.openxmlformats.org/officeDocument/2006/math">
+                      <m:sSup>
+                        <m:sSupPr>
+                          <m:ctrlPr>
+                            <a:rPr lang="en-US" b="0" i="1" smtClean="0">
+                              <a:latin typeface="Cambria Math" panose="02040503050406030204" pitchFamily="18" charset="0"/>
+                            </a:rPr>
+                          </m:ctrlPr>
+                        </m:sSupPr>
+                        <m:e>
+                          <m:r>
+                            <a:rPr lang="en-US" b="0" i="1" smtClean="0">
+                              <a:latin typeface="Cambria Math" panose="02040503050406030204" pitchFamily="18" charset="0"/>
+                            </a:rPr>
+                            <m:t>𝑧</m:t>
+                          </m:r>
+                        </m:e>
+                        <m:sup>
+                          <m:r>
+                            <a:rPr lang="en-US" b="0" i="1" smtClean="0">
+                              <a:latin typeface="Cambria Math" panose="02040503050406030204" pitchFamily="18" charset="0"/>
+                            </a:rPr>
+                            <m:t>′</m:t>
+                          </m:r>
+                        </m:sup>
+                      </m:sSup>
+                      <m:d>
+                        <m:dPr>
+                          <m:ctrlPr>
+                            <a:rPr lang="en-US" b="0" i="1" smtClean="0">
+                              <a:latin typeface="Cambria Math" panose="02040503050406030204" pitchFamily="18" charset="0"/>
+                            </a:rPr>
+                          </m:ctrlPr>
+                        </m:dPr>
+                        <m:e>
+                          <m:r>
+                            <a:rPr lang="en-US" b="0" i="1" smtClean="0">
+                              <a:latin typeface="Cambria Math" panose="02040503050406030204" pitchFamily="18" charset="0"/>
+                            </a:rPr>
+                            <m:t>𝑥</m:t>
+                          </m:r>
+                        </m:e>
+                      </m:d>
+                      <m:r>
+                        <a:rPr lang="en-US" i="1">
+                          <a:latin typeface="Cambria Math" panose="02040503050406030204" pitchFamily="18" charset="0"/>
+                        </a:rPr>
+                        <m:t>=</m:t>
+                      </m:r>
+                      <m:r>
+                        <a:rPr lang="en-US" b="0" i="1" smtClean="0">
+                          <a:latin typeface="Cambria Math" panose="02040503050406030204" pitchFamily="18" charset="0"/>
+                        </a:rPr>
+                        <m:t>−</m:t>
+                      </m:r>
+                      <m:func>
+                        <m:funcPr>
+                          <m:ctrlPr>
+                            <a:rPr lang="en-US" b="0" i="1" smtClean="0">
+                              <a:latin typeface="Cambria Math" panose="02040503050406030204" pitchFamily="18" charset="0"/>
+                            </a:rPr>
+                          </m:ctrlPr>
+                        </m:funcPr>
+                        <m:fName>
+                          <m:r>
+                            <m:rPr>
+                              <m:sty m:val="p"/>
+                            </m:rPr>
+                            <a:rPr lang="en-US" b="0" i="0" smtClean="0">
+                              <a:latin typeface="Cambria Math" panose="02040503050406030204" pitchFamily="18" charset="0"/>
+                            </a:rPr>
+                            <m:t>sin</m:t>
+                          </m:r>
+                        </m:fName>
+                        <m:e>
+                          <m:r>
+                            <a:rPr lang="en-US" b="0" i="1" smtClean="0">
+                              <a:latin typeface="Cambria Math" panose="02040503050406030204" pitchFamily="18" charset="0"/>
+                            </a:rPr>
+                            <m:t>𝑥</m:t>
+                          </m:r>
+                        </m:e>
+                      </m:func>
+                      <m:r>
+                        <a:rPr lang="en-US" b="0" i="1" smtClean="0">
+                          <a:latin typeface="Cambria Math" panose="02040503050406030204" pitchFamily="18" charset="0"/>
+                        </a:rPr>
+                        <m:t>+</m:t>
+                      </m:r>
+                      <m:f>
+                        <m:fPr>
+                          <m:ctrlPr>
+                            <a:rPr lang="en-US" i="1">
+                              <a:latin typeface="Cambria Math" panose="02040503050406030204" pitchFamily="18" charset="0"/>
+                            </a:rPr>
+                          </m:ctrlPr>
+                        </m:fPr>
+                        <m:num>
+                          <m:r>
+                            <a:rPr lang="en-US" b="0" i="1" smtClean="0">
+                              <a:latin typeface="Cambria Math" panose="02040503050406030204" pitchFamily="18" charset="0"/>
+                            </a:rPr>
+                            <m:t>2</m:t>
+                          </m:r>
+                        </m:num>
+                        <m:den>
+                          <m:r>
+                            <a:rPr lang="en-US" b="0" i="1" smtClean="0">
+                              <a:latin typeface="Cambria Math" panose="02040503050406030204" pitchFamily="18" charset="0"/>
+                            </a:rPr>
+                            <m:t>5</m:t>
+                          </m:r>
+                        </m:den>
+                      </m:f>
+                      <m:r>
+                        <a:rPr lang="en-US" b="0" i="1" smtClean="0">
+                          <a:latin typeface="Cambria Math" panose="02040503050406030204" pitchFamily="18" charset="0"/>
+                        </a:rPr>
+                        <m:t>𝑥</m:t>
+                      </m:r>
+                    </m:oMath>
+                  </m:oMathPara>
+                </a14:m>
+                <a:endParaRPr lang="en-US" i="1" dirty="0">
+                  <a:latin typeface="Cambria Math" panose="02040503050406030204" pitchFamily="18" charset="0"/>
+                </a:endParaRPr>
+              </a:p>
+              <a:p>
+                <a:pPr marL="0" indent="0">
+                  <a:buNone/>
+                </a:pPr>
+                <a:endParaRPr lang="en-US" i="1" dirty="0">
+                  <a:latin typeface="Cambria Math" panose="02040503050406030204" pitchFamily="18" charset="0"/>
+                </a:endParaRPr>
+              </a:p>
+            </p:txBody>
+          </p:sp>
+        </mc:Choice>
+        <mc:Fallback>
+          <p:sp>
+            <p:nvSpPr>
+              <p:cNvPr id="3" name="Content Placeholder 2">
+                <a:extLst>
+                  <a:ext uri="{FF2B5EF4-FFF2-40B4-BE49-F238E27FC236}">
+                    <a16:creationId xmlns:a16="http://schemas.microsoft.com/office/drawing/2014/main" id="{CBB6C876-67EE-8B31-923A-92F1171D92B1}"/>
+                  </a:ext>
+                </a:extLst>
+              </p:cNvPr>
+              <p:cNvSpPr>
+                <a:spLocks noGrp="1" noRot="1" noChangeAspect="1" noMove="1" noResize="1" noEditPoints="1" noAdjustHandles="1" noChangeArrowheads="1" noChangeShapeType="1" noTextEdit="1"/>
+              </p:cNvSpPr>
+              <p:nvPr>
+                <p:ph idx="1"/>
+              </p:nvPr>
+            </p:nvSpPr>
+            <p:spPr>
+              <a:blipFill>
+                <a:blip r:embed="rId2"/>
+                <a:stretch>
+                  <a:fillRect/>
+                </a:stretch>
+              </a:blipFill>
+            </p:spPr>
+            <p:txBody>
+              <a:bodyPr/>
+              <a:lstStyle/>
+              <a:p>
+                <a:r>
+                  <a:rPr lang="en-US">
+                    <a:noFill/>
+                  </a:rPr>
+                  <a:t> </a:t>
+                </a:r>
+              </a:p>
+            </p:txBody>
+          </p:sp>
+        </mc:Fallback>
+      </mc:AlternateContent>
+    </p:spTree>
+    <p:extLst>
+      <p:ext uri="{BB962C8B-B14F-4D97-AF65-F5344CB8AC3E}">
+        <p14:creationId xmlns:p14="http://schemas.microsoft.com/office/powerpoint/2010/main" val="250182602"/>
+      </p:ext>
+    </p:extLst>
+  </p:cSld>
+  <p:clrMapOvr>
+    <a:masterClrMapping/>
+  </p:clrMapOvr>
+</p:sld>
+</file>
+
+<file path=ppt/slides/slide7.xml><?xml version="1.0" encoding="utf-8"?>
+<p:sld xmlns:a="http://schemas.openxmlformats.org/drawingml/2006/main" xmlns:r="http://schemas.openxmlformats.org/officeDocument/2006/relationships" xmlns:p="http://schemas.openxmlformats.org/presentationml/2006/main">
+  <p:cSld>
+    <p:spTree>
+      <p:nvGrpSpPr>
+        <p:cNvPr id="1" name=""/>
+        <p:cNvGrpSpPr/>
+        <p:nvPr/>
+      </p:nvGrpSpPr>
+      <p:grpSpPr>
+        <a:xfrm>
+          <a:off x="0" y="0"/>
+          <a:ext cx="0" cy="0"/>
+          <a:chOff x="0" y="0"/>
+          <a:chExt cx="0" cy="0"/>
+        </a:xfrm>
+      </p:grpSpPr>
+      <p:sp>
+        <p:nvSpPr>
+          <p:cNvPr id="2" name="Title 1">
+            <a:extLst>
+              <a:ext uri="{FF2B5EF4-FFF2-40B4-BE49-F238E27FC236}">
+                <a16:creationId xmlns:a16="http://schemas.microsoft.com/office/drawing/2014/main" id="{D7C30C68-3E1C-3C35-53FA-84B86222F651}"/>
+              </a:ext>
+            </a:extLst>
+          </p:cNvPr>
+          <p:cNvSpPr>
+            <a:spLocks noGrp="1"/>
+          </p:cNvSpPr>
+          <p:nvPr>
+            <p:ph type="title"/>
+          </p:nvPr>
+        </p:nvSpPr>
+        <p:spPr/>
+        <p:txBody>
+          <a:bodyPr/>
+          <a:lstStyle/>
+          <a:p>
+            <a:r>
+              <a:rPr lang="en-US" dirty="0"/>
+              <a:t>Finite difference</a:t>
+            </a:r>
+          </a:p>
+        </p:txBody>
+      </p:sp>
+      <mc:AlternateContent xmlns:mc="http://schemas.openxmlformats.org/markup-compatibility/2006">
+        <mc:Choice xmlns:a14="http://schemas.microsoft.com/office/drawing/2010/main" Requires="a14">
+          <p:sp>
+            <p:nvSpPr>
+              <p:cNvPr id="3" name="Content Placeholder 2">
+                <a:extLst>
+                  <a:ext uri="{FF2B5EF4-FFF2-40B4-BE49-F238E27FC236}">
+                    <a16:creationId xmlns:a16="http://schemas.microsoft.com/office/drawing/2014/main" id="{CBB6C876-67EE-8B31-923A-92F1171D92B1}"/>
+                  </a:ext>
+                </a:extLst>
+              </p:cNvPr>
+              <p:cNvSpPr>
+                <a:spLocks noGrp="1"/>
+              </p:cNvSpPr>
+              <p:nvPr>
+                <p:ph idx="1"/>
+              </p:nvPr>
+            </p:nvSpPr>
+            <p:spPr/>
+            <p:txBody>
+              <a:bodyPr/>
+              <a:lstStyle/>
+              <a:p>
+                <a:pPr marL="0" indent="0">
+                  <a:buNone/>
+                </a:pPr>
+                <a14:m>
+                  <m:oMathPara xmlns:m="http://schemas.openxmlformats.org/officeDocument/2006/math">
+                    <m:oMathParaPr>
+                      <m:jc m:val="center"/>
+                    </m:oMathParaPr>
+                    <m:oMath xmlns:m="http://schemas.openxmlformats.org/officeDocument/2006/math">
+                      <m:r>
+                        <a:rPr lang="en-US" b="0" i="1" smtClean="0">
+                          <a:latin typeface="Cambria Math" panose="02040503050406030204" pitchFamily="18" charset="0"/>
+                        </a:rPr>
+                        <m:t>𝑧</m:t>
+                      </m:r>
+                      <m:d>
+                        <m:dPr>
+                          <m:ctrlPr>
+                            <a:rPr lang="en-US" b="0" i="1" smtClean="0">
+                              <a:latin typeface="Cambria Math" panose="02040503050406030204" pitchFamily="18" charset="0"/>
+                            </a:rPr>
+                          </m:ctrlPr>
+                        </m:dPr>
+                        <m:e>
+                          <m:r>
+                            <a:rPr lang="en-US" b="0" i="1" smtClean="0">
+                              <a:latin typeface="Cambria Math" panose="02040503050406030204" pitchFamily="18" charset="0"/>
+                            </a:rPr>
+                            <m:t>𝑥</m:t>
+                          </m:r>
+                        </m:e>
+                      </m:d>
+                      <m:r>
+                        <a:rPr lang="en-US" b="0" i="1" smtClean="0">
+                          <a:latin typeface="Cambria Math" panose="02040503050406030204" pitchFamily="18" charset="0"/>
+                        </a:rPr>
+                        <m:t>= </m:t>
+                      </m:r>
+                      <m:f>
+                        <m:fPr>
+                          <m:ctrlPr>
+                            <a:rPr lang="en-US" b="0" i="1" smtClean="0">
+                              <a:latin typeface="Cambria Math" panose="02040503050406030204" pitchFamily="18" charset="0"/>
+                            </a:rPr>
+                          </m:ctrlPr>
+                        </m:fPr>
+                        <m:num>
+                          <m:sSup>
+                            <m:sSupPr>
+                              <m:ctrlPr>
+                                <a:rPr lang="en-US" b="0" i="1" smtClean="0">
+                                  <a:latin typeface="Cambria Math" panose="02040503050406030204" pitchFamily="18" charset="0"/>
+                                </a:rPr>
+                              </m:ctrlPr>
+                            </m:sSupPr>
+                            <m:e>
+                              <m:r>
+                                <a:rPr lang="en-US" b="0" i="1" smtClean="0">
+                                  <a:latin typeface="Cambria Math" panose="02040503050406030204" pitchFamily="18" charset="0"/>
+                                </a:rPr>
+                                <m:t>𝑥</m:t>
+                              </m:r>
+                            </m:e>
+                            <m:sup>
+                              <m:r>
+                                <a:rPr lang="en-US" b="0" i="1" smtClean="0">
+                                  <a:latin typeface="Cambria Math" panose="02040503050406030204" pitchFamily="18" charset="0"/>
+                                </a:rPr>
+                                <m:t>2</m:t>
+                              </m:r>
+                            </m:sup>
+                          </m:sSup>
+                        </m:num>
+                        <m:den>
+                          <m:r>
+                            <a:rPr lang="en-US" b="0" i="1" smtClean="0">
+                              <a:latin typeface="Cambria Math" panose="02040503050406030204" pitchFamily="18" charset="0"/>
+                            </a:rPr>
+                            <m:t>5</m:t>
+                          </m:r>
+                        </m:den>
+                      </m:f>
+                      <m:r>
+                        <a:rPr lang="en-US" b="0" i="1" smtClean="0">
+                          <a:latin typeface="Cambria Math" panose="02040503050406030204" pitchFamily="18" charset="0"/>
+                        </a:rPr>
+                        <m:t>+</m:t>
+                      </m:r>
+                      <m:func>
+                        <m:funcPr>
+                          <m:ctrlPr>
+                            <a:rPr lang="en-US" b="0" i="1" smtClean="0">
+                              <a:latin typeface="Cambria Math" panose="02040503050406030204" pitchFamily="18" charset="0"/>
+                            </a:rPr>
+                          </m:ctrlPr>
+                        </m:funcPr>
+                        <m:fName>
+                          <m:r>
+                            <m:rPr>
+                              <m:sty m:val="p"/>
+                            </m:rPr>
+                            <a:rPr lang="en-US" b="0" i="0" smtClean="0">
+                              <a:latin typeface="Cambria Math" panose="02040503050406030204" pitchFamily="18" charset="0"/>
+                            </a:rPr>
+                            <m:t>cos</m:t>
+                          </m:r>
+                        </m:fName>
+                        <m:e>
+                          <m:r>
+                            <a:rPr lang="en-US" b="0" i="1" smtClean="0">
+                              <a:latin typeface="Cambria Math" panose="02040503050406030204" pitchFamily="18" charset="0"/>
+                            </a:rPr>
+                            <m:t>𝑥</m:t>
+                          </m:r>
+                        </m:e>
+                      </m:func>
+                    </m:oMath>
+                  </m:oMathPara>
+                </a14:m>
+                <a:endParaRPr lang="en-US" dirty="0"/>
+              </a:p>
+              <a:p>
+                <a:pPr marL="0" indent="0">
+                  <a:buNone/>
+                </a:pPr>
+                <a:endParaRPr lang="en-US" i="1" dirty="0">
+                  <a:latin typeface="Cambria Math" panose="02040503050406030204" pitchFamily="18" charset="0"/>
+                </a:endParaRPr>
+              </a:p>
+              <a:p>
+                <a:pPr marL="0" indent="0">
+                  <a:buNone/>
+                </a:pPr>
+                <a:endParaRPr lang="en-US" i="1" dirty="0">
+                  <a:latin typeface="Cambria Math" panose="02040503050406030204" pitchFamily="18" charset="0"/>
+                </a:endParaRPr>
+              </a:p>
+              <a:p>
+                <a:pPr marL="0" indent="0">
+                  <a:buNone/>
+                </a:pPr>
+                <a14:m>
+                  <m:oMathPara xmlns:m="http://schemas.openxmlformats.org/officeDocument/2006/math">
+                    <m:oMathParaPr>
+                      <m:jc m:val="centerGroup"/>
+                    </m:oMathParaPr>
+                    <m:oMath xmlns:m="http://schemas.openxmlformats.org/officeDocument/2006/math">
+                      <m:sSup>
+                        <m:sSupPr>
+                          <m:ctrlPr>
+                            <a:rPr lang="en-US" b="0" i="1" smtClean="0">
+                              <a:latin typeface="Cambria Math" panose="02040503050406030204" pitchFamily="18" charset="0"/>
+                            </a:rPr>
+                          </m:ctrlPr>
+                        </m:sSupPr>
+                        <m:e>
+                          <m:r>
+                            <a:rPr lang="en-US" b="0" i="1" smtClean="0">
+                              <a:latin typeface="Cambria Math" panose="02040503050406030204" pitchFamily="18" charset="0"/>
+                            </a:rPr>
+                            <m:t>𝑧</m:t>
+                          </m:r>
+                        </m:e>
+                        <m:sup>
+                          <m:r>
+                            <a:rPr lang="en-US" b="0" i="1" smtClean="0">
+                              <a:latin typeface="Cambria Math" panose="02040503050406030204" pitchFamily="18" charset="0"/>
+                            </a:rPr>
+                            <m:t>′</m:t>
+                          </m:r>
+                        </m:sup>
+                      </m:sSup>
+                      <m:d>
+                        <m:dPr>
+                          <m:ctrlPr>
+                            <a:rPr lang="en-US" b="0" i="1" smtClean="0">
+                              <a:latin typeface="Cambria Math" panose="02040503050406030204" pitchFamily="18" charset="0"/>
+                            </a:rPr>
+                          </m:ctrlPr>
+                        </m:dPr>
+                        <m:e>
+                          <m:r>
+                            <a:rPr lang="en-US" b="0" i="1" smtClean="0">
+                              <a:latin typeface="Cambria Math" panose="02040503050406030204" pitchFamily="18" charset="0"/>
+                            </a:rPr>
+                            <m:t>𝑥</m:t>
+                          </m:r>
+                        </m:e>
+                      </m:d>
+                      <m:r>
+                        <a:rPr lang="en-US" i="1">
+                          <a:latin typeface="Cambria Math" panose="02040503050406030204" pitchFamily="18" charset="0"/>
+                        </a:rPr>
+                        <m:t>=</m:t>
+                      </m:r>
+                      <m:f>
+                        <m:fPr>
+                          <m:ctrlPr>
+                            <a:rPr lang="en-US" i="1">
+                              <a:latin typeface="Cambria Math" panose="02040503050406030204" pitchFamily="18" charset="0"/>
+                            </a:rPr>
+                          </m:ctrlPr>
+                        </m:fPr>
+                        <m:num>
+                          <m:r>
+                            <a:rPr lang="en-US" b="0" i="1" smtClean="0">
+                              <a:latin typeface="Cambria Math" panose="02040503050406030204" pitchFamily="18" charset="0"/>
+                            </a:rPr>
+                            <m:t>𝑧</m:t>
+                          </m:r>
+                          <m:d>
+                            <m:dPr>
+                              <m:ctrlPr>
+                                <a:rPr lang="en-US" b="0" i="1" smtClean="0">
+                                  <a:latin typeface="Cambria Math" panose="02040503050406030204" pitchFamily="18" charset="0"/>
+                                </a:rPr>
+                              </m:ctrlPr>
+                            </m:dPr>
+                            <m:e>
+                              <m:r>
+                                <a:rPr lang="en-US" b="0" i="1" smtClean="0">
+                                  <a:latin typeface="Cambria Math" panose="02040503050406030204" pitchFamily="18" charset="0"/>
+                                </a:rPr>
+                                <m:t>𝑥</m:t>
+                              </m:r>
+                              <m:r>
+                                <a:rPr lang="en-US" b="0" i="1" smtClean="0">
+                                  <a:latin typeface="Cambria Math" panose="02040503050406030204" pitchFamily="18" charset="0"/>
+                                </a:rPr>
+                                <m:t>+</m:t>
+                              </m:r>
+                              <m:r>
+                                <a:rPr lang="en-US" b="0" i="1" smtClean="0">
+                                  <a:latin typeface="Cambria Math" panose="02040503050406030204" pitchFamily="18" charset="0"/>
+                                </a:rPr>
+                                <m:t>𝜖</m:t>
+                              </m:r>
+                            </m:e>
+                          </m:d>
+                          <m:r>
+                            <a:rPr lang="en-US" b="0" i="1" smtClean="0">
+                              <a:latin typeface="Cambria Math" panose="02040503050406030204" pitchFamily="18" charset="0"/>
+                            </a:rPr>
+                            <m:t>−</m:t>
+                          </m:r>
+                          <m:r>
+                            <a:rPr lang="en-US" b="0" i="1" smtClean="0">
+                              <a:latin typeface="Cambria Math" panose="02040503050406030204" pitchFamily="18" charset="0"/>
+                            </a:rPr>
+                            <m:t>𝑧</m:t>
+                          </m:r>
+                          <m:r>
+                            <a:rPr lang="en-US" b="0" i="1" smtClean="0">
+                              <a:latin typeface="Cambria Math" panose="02040503050406030204" pitchFamily="18" charset="0"/>
+                            </a:rPr>
+                            <m:t>(</m:t>
+                          </m:r>
+                          <m:r>
+                            <a:rPr lang="en-US" b="0" i="1" smtClean="0">
+                              <a:latin typeface="Cambria Math" panose="02040503050406030204" pitchFamily="18" charset="0"/>
+                            </a:rPr>
+                            <m:t>𝑥</m:t>
+                          </m:r>
+                          <m:r>
+                            <a:rPr lang="en-US" b="0" i="1" smtClean="0">
+                              <a:latin typeface="Cambria Math" panose="02040503050406030204" pitchFamily="18" charset="0"/>
+                            </a:rPr>
+                            <m:t>−</m:t>
+                          </m:r>
+                          <m:r>
+                            <a:rPr lang="en-US" b="0" i="1" smtClean="0">
+                              <a:latin typeface="Cambria Math" panose="02040503050406030204" pitchFamily="18" charset="0"/>
+                            </a:rPr>
+                            <m:t>𝜖</m:t>
+                          </m:r>
+                          <m:r>
+                            <a:rPr lang="en-US" b="0" i="1" smtClean="0">
+                              <a:latin typeface="Cambria Math" panose="02040503050406030204" pitchFamily="18" charset="0"/>
+                            </a:rPr>
+                            <m:t>)</m:t>
+                          </m:r>
+                        </m:num>
+                        <m:den>
+                          <m:r>
+                            <a:rPr lang="en-US" b="0" i="1" smtClean="0">
+                              <a:latin typeface="Cambria Math" panose="02040503050406030204" pitchFamily="18" charset="0"/>
+                            </a:rPr>
+                            <m:t>2 </m:t>
+                          </m:r>
+                          <m:r>
+                            <a:rPr lang="en-US" b="0" i="1" smtClean="0">
+                              <a:latin typeface="Cambria Math" panose="02040503050406030204" pitchFamily="18" charset="0"/>
+                            </a:rPr>
+                            <m:t>𝜖</m:t>
+                          </m:r>
+                        </m:den>
+                      </m:f>
+                    </m:oMath>
+                  </m:oMathPara>
+                </a14:m>
+                <a:endParaRPr lang="en-US" i="1" dirty="0">
+                  <a:latin typeface="Cambria Math" panose="02040503050406030204" pitchFamily="18" charset="0"/>
+                </a:endParaRPr>
+              </a:p>
+              <a:p>
+                <a:pPr marL="0" indent="0">
+                  <a:buNone/>
+                </a:pPr>
+                <a:endParaRPr lang="en-US" i="1" dirty="0">
+                  <a:latin typeface="Cambria Math" panose="02040503050406030204" pitchFamily="18" charset="0"/>
+                </a:endParaRPr>
+              </a:p>
+            </p:txBody>
+          </p:sp>
+        </mc:Choice>
+        <mc:Fallback>
+          <p:sp>
+            <p:nvSpPr>
+              <p:cNvPr id="3" name="Content Placeholder 2">
+                <a:extLst>
+                  <a:ext uri="{FF2B5EF4-FFF2-40B4-BE49-F238E27FC236}">
+                    <a16:creationId xmlns:a16="http://schemas.microsoft.com/office/drawing/2014/main" id="{CBB6C876-67EE-8B31-923A-92F1171D92B1}"/>
+                  </a:ext>
+                </a:extLst>
+              </p:cNvPr>
+              <p:cNvSpPr>
+                <a:spLocks noGrp="1" noRot="1" noChangeAspect="1" noMove="1" noResize="1" noEditPoints="1" noAdjustHandles="1" noChangeArrowheads="1" noChangeShapeType="1" noTextEdit="1"/>
+              </p:cNvSpPr>
+              <p:nvPr>
+                <p:ph idx="1"/>
+              </p:nvPr>
+            </p:nvSpPr>
+            <p:spPr>
+              <a:blipFill>
+                <a:blip r:embed="rId2"/>
+                <a:stretch>
+                  <a:fillRect/>
+                </a:stretch>
+              </a:blipFill>
+            </p:spPr>
+            <p:txBody>
+              <a:bodyPr/>
+              <a:lstStyle/>
+              <a:p>
+                <a:r>
+                  <a:rPr lang="en-US">
+                    <a:noFill/>
+                  </a:rPr>
+                  <a:t> </a:t>
+                </a:r>
+              </a:p>
+            </p:txBody>
+          </p:sp>
+        </mc:Fallback>
+      </mc:AlternateContent>
+    </p:spTree>
+    <p:extLst>
+      <p:ext uri="{BB962C8B-B14F-4D97-AF65-F5344CB8AC3E}">
+        <p14:creationId xmlns:p14="http://schemas.microsoft.com/office/powerpoint/2010/main" val="851261191"/>
+      </p:ext>
+    </p:extLst>
+  </p:cSld>
+  <p:clrMapOvr>
+    <a:masterClrMapping/>
+  </p:clrMapOvr>
+</p:sld>
+</file>
+
+<file path=ppt/slides/slide8.xml><?xml version="1.0" encoding="utf-8"?>
+<p:sld xmlns:a="http://schemas.openxmlformats.org/drawingml/2006/main" xmlns:r="http://schemas.openxmlformats.org/officeDocument/2006/relationships" xmlns:p="http://schemas.openxmlformats.org/presentationml/2006/main">
+  <p:cSld>
+    <p:spTree>
+      <p:nvGrpSpPr>
+        <p:cNvPr id="1" name=""/>
+        <p:cNvGrpSpPr/>
+        <p:nvPr/>
+      </p:nvGrpSpPr>
+      <p:grpSpPr>
+        <a:xfrm>
+          <a:off x="0" y="0"/>
+          <a:ext cx="0" cy="0"/>
+          <a:chOff x="0" y="0"/>
+          <a:chExt cx="0" cy="0"/>
+        </a:xfrm>
+      </p:grpSpPr>
+      <p:sp>
+        <p:nvSpPr>
+          <p:cNvPr id="6" name="TextBox 5">
+            <a:extLst>
+              <a:ext uri="{FF2B5EF4-FFF2-40B4-BE49-F238E27FC236}">
+                <a16:creationId xmlns:a16="http://schemas.microsoft.com/office/drawing/2014/main" id="{EAC638F7-CBED-B6C3-B9D5-0BBBEC331D9B}"/>
+              </a:ext>
+            </a:extLst>
+          </p:cNvPr>
+          <p:cNvSpPr txBox="1"/>
+          <p:nvPr/>
+        </p:nvSpPr>
+        <p:spPr>
+          <a:xfrm>
+            <a:off x="1092266" y="1951672"/>
+            <a:ext cx="5974713" cy="923330"/>
+          </a:xfrm>
+          <a:prstGeom prst="rect">
+            <a:avLst/>
+          </a:prstGeom>
+          <a:solidFill>
+            <a:schemeClr val="tx1"/>
+          </a:solidFill>
+        </p:spPr>
+        <p:txBody>
+          <a:bodyPr wrap="none" rtlCol="0">
+            <a:spAutoFit/>
+          </a:bodyPr>
+          <a:lstStyle/>
+          <a:p>
+            <a:r>
+              <a:rPr lang="en-US" b="0" dirty="0">
+                <a:solidFill>
+                  <a:srgbClr val="D4D4D4"/>
+                </a:solidFill>
+                <a:effectLst/>
+                <a:latin typeface="Courier New" panose="02070309020205020404" pitchFamily="49" charset="0"/>
+              </a:rPr>
+              <a:t>x = </a:t>
+            </a:r>
+            <a:r>
+              <a:rPr lang="en-US" b="0" dirty="0" err="1">
+                <a:solidFill>
+                  <a:srgbClr val="D4D4D4"/>
+                </a:solidFill>
+                <a:effectLst/>
+                <a:latin typeface="Courier New" panose="02070309020205020404" pitchFamily="49" charset="0"/>
+              </a:rPr>
+              <a:t>torch.tensor</a:t>
+            </a:r>
+            <a:r>
+              <a:rPr lang="en-US" b="0" dirty="0">
+                <a:solidFill>
+                  <a:srgbClr val="DCDCDC"/>
+                </a:solidFill>
+                <a:effectLst/>
+                <a:latin typeface="Courier New" panose="02070309020205020404" pitchFamily="49" charset="0"/>
+              </a:rPr>
+              <a:t>(</a:t>
+            </a:r>
+            <a:r>
+              <a:rPr lang="en-US" b="0" dirty="0">
+                <a:solidFill>
+                  <a:srgbClr val="B5CEA8"/>
+                </a:solidFill>
+                <a:effectLst/>
+                <a:latin typeface="Courier New" panose="02070309020205020404" pitchFamily="49" charset="0"/>
+              </a:rPr>
+              <a:t>1.0</a:t>
+            </a:r>
+            <a:r>
+              <a:rPr lang="en-US" b="0" dirty="0">
+                <a:solidFill>
+                  <a:srgbClr val="DCDCDC"/>
+                </a:solidFill>
+                <a:effectLst/>
+                <a:latin typeface="Courier New" panose="02070309020205020404" pitchFamily="49" charset="0"/>
+              </a:rPr>
+              <a:t>,</a:t>
+            </a:r>
+            <a:r>
+              <a:rPr lang="en-US" b="0" dirty="0">
+                <a:solidFill>
+                  <a:srgbClr val="D4D4D4"/>
+                </a:solidFill>
+                <a:effectLst/>
+                <a:latin typeface="Courier New" panose="02070309020205020404" pitchFamily="49" charset="0"/>
+              </a:rPr>
+              <a:t> </a:t>
+            </a:r>
+            <a:r>
+              <a:rPr lang="en-US" b="0" dirty="0" err="1">
+                <a:solidFill>
+                  <a:srgbClr val="D4D4D4"/>
+                </a:solidFill>
+                <a:effectLst/>
+                <a:latin typeface="Courier New" panose="02070309020205020404" pitchFamily="49" charset="0"/>
+              </a:rPr>
+              <a:t>requires_grad</a:t>
+            </a:r>
+            <a:r>
+              <a:rPr lang="en-US" b="0" dirty="0">
+                <a:solidFill>
+                  <a:srgbClr val="D4D4D4"/>
+                </a:solidFill>
+                <a:effectLst/>
+                <a:latin typeface="Courier New" panose="02070309020205020404" pitchFamily="49" charset="0"/>
+              </a:rPr>
+              <a:t>=</a:t>
+            </a:r>
+            <a:r>
+              <a:rPr lang="en-US" b="0" dirty="0">
+                <a:solidFill>
+                  <a:srgbClr val="569CD6"/>
+                </a:solidFill>
+                <a:effectLst/>
+                <a:latin typeface="Courier New" panose="02070309020205020404" pitchFamily="49" charset="0"/>
+              </a:rPr>
+              <a:t>True</a:t>
+            </a:r>
+            <a:r>
+              <a:rPr lang="en-US" b="0" dirty="0">
+                <a:solidFill>
+                  <a:srgbClr val="DCDCDC"/>
+                </a:solidFill>
+                <a:effectLst/>
+                <a:latin typeface="Courier New" panose="02070309020205020404" pitchFamily="49" charset="0"/>
+              </a:rPr>
+              <a:t>)</a:t>
+            </a:r>
+            <a:endParaRPr lang="en-US" b="0" dirty="0">
+              <a:solidFill>
+                <a:srgbClr val="D4D4D4"/>
+              </a:solidFill>
+              <a:effectLst/>
+              <a:latin typeface="Courier New" panose="02070309020205020404" pitchFamily="49" charset="0"/>
+            </a:endParaRPr>
+          </a:p>
+          <a:p>
+            <a:br>
+              <a:rPr lang="en-US" b="0" dirty="0">
+                <a:solidFill>
+                  <a:srgbClr val="D4D4D4"/>
+                </a:solidFill>
+                <a:effectLst/>
+                <a:latin typeface="Courier New" panose="02070309020205020404" pitchFamily="49" charset="0"/>
+              </a:rPr>
+            </a:br>
+            <a:r>
+              <a:rPr lang="en-US" b="0" dirty="0">
+                <a:solidFill>
+                  <a:srgbClr val="D4D4D4"/>
+                </a:solidFill>
+                <a:effectLst/>
+                <a:latin typeface="Courier New" panose="02070309020205020404" pitchFamily="49" charset="0"/>
+              </a:rPr>
+              <a:t>z = </a:t>
+            </a:r>
+            <a:r>
+              <a:rPr lang="en-US" b="0" dirty="0">
+                <a:solidFill>
+                  <a:srgbClr val="DCDCDC"/>
+                </a:solidFill>
+                <a:effectLst/>
+                <a:latin typeface="Courier New" panose="02070309020205020404" pitchFamily="49" charset="0"/>
+              </a:rPr>
+              <a:t>((</a:t>
+            </a:r>
+            <a:r>
+              <a:rPr lang="en-US" b="0" dirty="0">
+                <a:solidFill>
+                  <a:srgbClr val="D4D4D4"/>
+                </a:solidFill>
+                <a:effectLst/>
+                <a:latin typeface="Courier New" panose="02070309020205020404" pitchFamily="49" charset="0"/>
+              </a:rPr>
+              <a:t>x**2)/5</a:t>
+            </a:r>
+            <a:r>
+              <a:rPr lang="en-US" b="0" dirty="0">
+                <a:solidFill>
+                  <a:srgbClr val="DCDCDC"/>
+                </a:solidFill>
+                <a:effectLst/>
+                <a:latin typeface="Courier New" panose="02070309020205020404" pitchFamily="49" charset="0"/>
+              </a:rPr>
+              <a:t>)</a:t>
+            </a:r>
+            <a:r>
+              <a:rPr lang="en-US" b="0" dirty="0">
+                <a:solidFill>
+                  <a:srgbClr val="D4D4D4"/>
+                </a:solidFill>
+                <a:effectLst/>
+                <a:latin typeface="Courier New" panose="02070309020205020404" pitchFamily="49" charset="0"/>
+              </a:rPr>
+              <a:t> + </a:t>
+            </a:r>
+            <a:r>
+              <a:rPr lang="en-US" b="0" dirty="0" err="1">
+                <a:solidFill>
+                  <a:srgbClr val="D4D4D4"/>
+                </a:solidFill>
+                <a:effectLst/>
+                <a:latin typeface="Courier New" panose="02070309020205020404" pitchFamily="49" charset="0"/>
+              </a:rPr>
+              <a:t>torch.cos</a:t>
+            </a:r>
+            <a:r>
+              <a:rPr lang="en-US" b="0" dirty="0">
+                <a:solidFill>
+                  <a:srgbClr val="DCDCDC"/>
+                </a:solidFill>
+                <a:effectLst/>
+                <a:latin typeface="Courier New" panose="02070309020205020404" pitchFamily="49" charset="0"/>
+              </a:rPr>
+              <a:t>(</a:t>
+            </a:r>
+            <a:r>
+              <a:rPr lang="en-US" b="0" dirty="0">
+                <a:solidFill>
+                  <a:srgbClr val="D4D4D4"/>
+                </a:solidFill>
+                <a:effectLst/>
+                <a:latin typeface="Courier New" panose="02070309020205020404" pitchFamily="49" charset="0"/>
+              </a:rPr>
+              <a:t>x</a:t>
+            </a:r>
+            <a:r>
+              <a:rPr lang="en-US" b="0" dirty="0">
+                <a:solidFill>
+                  <a:srgbClr val="DCDCDC"/>
+                </a:solidFill>
+                <a:effectLst/>
+                <a:latin typeface="Courier New" panose="02070309020205020404" pitchFamily="49" charset="0"/>
+              </a:rPr>
+              <a:t>)</a:t>
+            </a:r>
+            <a:endParaRPr lang="en-US" b="0" dirty="0">
+              <a:solidFill>
+                <a:srgbClr val="D4D4D4"/>
+              </a:solidFill>
+              <a:effectLst/>
+              <a:latin typeface="Courier New" panose="02070309020205020404" pitchFamily="49" charset="0"/>
+            </a:endParaRPr>
+          </a:p>
+        </p:txBody>
+      </p:sp>
+      <p:sp>
+        <p:nvSpPr>
+          <p:cNvPr id="7" name="Arc 6">
+            <a:extLst>
+              <a:ext uri="{FF2B5EF4-FFF2-40B4-BE49-F238E27FC236}">
+                <a16:creationId xmlns:a16="http://schemas.microsoft.com/office/drawing/2014/main" id="{44422F9F-BCCD-496A-4EBC-80DD021E37D0}"/>
+              </a:ext>
+            </a:extLst>
+          </p:cNvPr>
+          <p:cNvSpPr/>
+          <p:nvPr/>
+        </p:nvSpPr>
+        <p:spPr>
+          <a:xfrm>
+            <a:off x="3515360" y="264160"/>
+            <a:ext cx="7853680" cy="4927600"/>
+          </a:xfrm>
+          <a:prstGeom prst="arc">
+            <a:avLst>
+              <a:gd name="adj1" fmla="val 5750370"/>
+              <a:gd name="adj2" fmla="val 10328801"/>
+            </a:avLst>
+          </a:prstGeom>
+          <a:ln w="76200">
+            <a:headEnd type="arrow" w="med" len="med"/>
+            <a:tailEnd type="none" w="med" len="med"/>
+          </a:ln>
+        </p:spPr>
+        <p:style>
+          <a:lnRef idx="1">
+            <a:schemeClr val="accent1"/>
+          </a:lnRef>
+          <a:fillRef idx="0">
+            <a:schemeClr val="accent1"/>
+          </a:fillRef>
+          <a:effectRef idx="0">
+            <a:schemeClr val="accent1"/>
+          </a:effectRef>
+          <a:fontRef idx="minor">
+            <a:schemeClr val="tx1"/>
+          </a:fontRef>
+        </p:style>
+        <p:txBody>
+          <a:bodyPr rtlCol="0" anchor="ctr"/>
+          <a:lstStyle/>
+          <a:p>
+            <a:pPr algn="ctr"/>
+            <a:endParaRPr lang="en-US"/>
+          </a:p>
+        </p:txBody>
+      </p:sp>
+      <p:pic>
+        <p:nvPicPr>
+          <p:cNvPr id="18" name="Content Placeholder 17">
+            <a:extLst>
+              <a:ext uri="{FF2B5EF4-FFF2-40B4-BE49-F238E27FC236}">
+                <a16:creationId xmlns:a16="http://schemas.microsoft.com/office/drawing/2014/main" id="{CBD3DD86-1420-BF58-0244-E7B324454B03}"/>
+              </a:ext>
+            </a:extLst>
+          </p:cNvPr>
+          <p:cNvPicPr>
+            <a:picLocks noGrp="1" noChangeAspect="1"/>
+          </p:cNvPicPr>
+          <p:nvPr>
+            <p:ph idx="1"/>
+          </p:nvPr>
+        </p:nvPicPr>
+        <p:blipFill>
+          <a:blip r:embed="rId2"/>
+          <a:stretch>
+            <a:fillRect/>
+          </a:stretch>
+        </p:blipFill>
+        <p:spPr>
+          <a:xfrm>
+            <a:off x="7594600" y="618610"/>
+            <a:ext cx="4437547" cy="5874265"/>
+          </a:xfrm>
+        </p:spPr>
+      </p:pic>
+      <p:sp>
+        <p:nvSpPr>
+          <p:cNvPr id="2" name="Title 1">
+            <a:extLst>
+              <a:ext uri="{FF2B5EF4-FFF2-40B4-BE49-F238E27FC236}">
+                <a16:creationId xmlns:a16="http://schemas.microsoft.com/office/drawing/2014/main" id="{EC612E8E-8866-72B6-8794-6E8EA545AC3F}"/>
+              </a:ext>
+            </a:extLst>
+          </p:cNvPr>
+          <p:cNvSpPr>
+            <a:spLocks noGrp="1"/>
+          </p:cNvSpPr>
+          <p:nvPr>
+            <p:ph type="title"/>
+          </p:nvPr>
+        </p:nvSpPr>
+        <p:spPr>
+          <a:xfrm>
+            <a:off x="309880" y="365125"/>
+            <a:ext cx="10515600" cy="1325563"/>
+          </a:xfrm>
+        </p:spPr>
+        <p:txBody>
+          <a:bodyPr/>
+          <a:lstStyle/>
+          <a:p>
+            <a:r>
+              <a:rPr lang="en-US" dirty="0"/>
+              <a:t>Autograd (automatic differentiation)</a:t>
+            </a:r>
+          </a:p>
+        </p:txBody>
+      </p:sp>
+    </p:spTree>
+    <p:extLst>
+      <p:ext uri="{BB962C8B-B14F-4D97-AF65-F5344CB8AC3E}">
+        <p14:creationId xmlns:p14="http://schemas.microsoft.com/office/powerpoint/2010/main" val="2974508663"/>
+      </p:ext>
+    </p:extLst>
+  </p:cSld>
+  <p:clrMapOvr>
+    <a:masterClrMapping/>
+  </p:clrMapOvr>
+</p:sld>
+</file>
+
 <file path=ppt/theme/theme1.xml><?xml version="1.0" encoding="utf-8"?>
 <a:theme xmlns:a="http://schemas.openxmlformats.org/drawingml/2006/main" name="Office Theme">
   <a:themeElements>

--- a/Slides_2.pptx
+++ b/Slides_2.pptx
@@ -13,6 +13,9 @@
     <p:sldId id="339" r:id="rId7"/>
     <p:sldId id="342" r:id="rId8"/>
     <p:sldId id="341" r:id="rId9"/>
+    <p:sldId id="340" r:id="rId10"/>
+    <p:sldId id="344" r:id="rId11"/>
+    <p:sldId id="336" r:id="rId12"/>
   </p:sldIdLst>
   <p:sldSz cx="12192000" cy="6858000"/>
   <p:notesSz cx="6858000" cy="9144000"/>
@@ -3408,6 +3411,1308 @@
 </p:sld>
 </file>
 
+<file path=ppt/slides/slide10.xml><?xml version="1.0" encoding="utf-8"?>
+<p:sld xmlns:a="http://schemas.openxmlformats.org/drawingml/2006/main" xmlns:r="http://schemas.openxmlformats.org/officeDocument/2006/relationships" xmlns:p="http://schemas.openxmlformats.org/presentationml/2006/main">
+  <p:cSld>
+    <p:spTree>
+      <p:nvGrpSpPr>
+        <p:cNvPr id="1" name=""/>
+        <p:cNvGrpSpPr/>
+        <p:nvPr/>
+      </p:nvGrpSpPr>
+      <p:grpSpPr>
+        <a:xfrm>
+          <a:off x="0" y="0"/>
+          <a:ext cx="0" cy="0"/>
+          <a:chOff x="0" y="0"/>
+          <a:chExt cx="0" cy="0"/>
+        </a:xfrm>
+      </p:grpSpPr>
+      <p:sp>
+        <p:nvSpPr>
+          <p:cNvPr id="2" name="Title 1">
+            <a:extLst>
+              <a:ext uri="{FF2B5EF4-FFF2-40B4-BE49-F238E27FC236}">
+                <a16:creationId xmlns:a16="http://schemas.microsoft.com/office/drawing/2014/main" id="{D7C30C68-3E1C-3C35-53FA-84B86222F651}"/>
+              </a:ext>
+            </a:extLst>
+          </p:cNvPr>
+          <p:cNvSpPr>
+            <a:spLocks noGrp="1"/>
+          </p:cNvSpPr>
+          <p:nvPr>
+            <p:ph type="title"/>
+          </p:nvPr>
+        </p:nvSpPr>
+        <p:spPr/>
+        <p:txBody>
+          <a:bodyPr/>
+          <a:lstStyle/>
+          <a:p>
+            <a:r>
+              <a:rPr lang="en-US" dirty="0"/>
+              <a:t>Finite differences</a:t>
+            </a:r>
+          </a:p>
+        </p:txBody>
+      </p:sp>
+      <mc:AlternateContent xmlns:mc="http://schemas.openxmlformats.org/markup-compatibility/2006">
+        <mc:Choice xmlns:a14="http://schemas.microsoft.com/office/drawing/2010/main" Requires="a14">
+          <p:sp>
+            <p:nvSpPr>
+              <p:cNvPr id="3" name="Content Placeholder 2">
+                <a:extLst>
+                  <a:ext uri="{FF2B5EF4-FFF2-40B4-BE49-F238E27FC236}">
+                    <a16:creationId xmlns:a16="http://schemas.microsoft.com/office/drawing/2014/main" id="{CBB6C876-67EE-8B31-923A-92F1171D92B1}"/>
+                  </a:ext>
+                </a:extLst>
+              </p:cNvPr>
+              <p:cNvSpPr>
+                <a:spLocks noGrp="1"/>
+              </p:cNvSpPr>
+              <p:nvPr>
+                <p:ph idx="1"/>
+              </p:nvPr>
+            </p:nvSpPr>
+            <p:spPr/>
+            <p:txBody>
+              <a:bodyPr>
+                <a:normAutofit/>
+              </a:bodyPr>
+              <a:lstStyle/>
+              <a:p>
+                <a:pPr marL="0" indent="0">
+                  <a:buNone/>
+                </a:pPr>
+                <a14:m>
+                  <m:oMathPara xmlns:m="http://schemas.openxmlformats.org/officeDocument/2006/math">
+                    <m:oMathParaPr>
+                      <m:jc m:val="center"/>
+                    </m:oMathParaPr>
+                    <m:oMath xmlns:m="http://schemas.openxmlformats.org/officeDocument/2006/math">
+                      <m:r>
+                        <a:rPr lang="en-US" b="0" i="1" smtClean="0">
+                          <a:latin typeface="Cambria Math" panose="02040503050406030204" pitchFamily="18" charset="0"/>
+                        </a:rPr>
+                        <m:t>𝑧</m:t>
+                      </m:r>
+                      <m:d>
+                        <m:dPr>
+                          <m:ctrlPr>
+                            <a:rPr lang="en-US" b="0" i="1" smtClean="0">
+                              <a:latin typeface="Cambria Math" panose="02040503050406030204" pitchFamily="18" charset="0"/>
+                            </a:rPr>
+                          </m:ctrlPr>
+                        </m:dPr>
+                        <m:e>
+                          <m:r>
+                            <a:rPr lang="en-US" b="0" i="1" smtClean="0">
+                              <a:latin typeface="Cambria Math" panose="02040503050406030204" pitchFamily="18" charset="0"/>
+                            </a:rPr>
+                            <m:t>𝑥</m:t>
+                          </m:r>
+                          <m:r>
+                            <a:rPr lang="en-US" b="0" i="1" smtClean="0">
+                              <a:latin typeface="Cambria Math" panose="02040503050406030204" pitchFamily="18" charset="0"/>
+                            </a:rPr>
+                            <m:t>,</m:t>
+                          </m:r>
+                          <m:r>
+                            <a:rPr lang="en-US" b="0" i="1" smtClean="0">
+                              <a:latin typeface="Cambria Math" panose="02040503050406030204" pitchFamily="18" charset="0"/>
+                            </a:rPr>
+                            <m:t>𝑦</m:t>
+                          </m:r>
+                        </m:e>
+                      </m:d>
+                      <m:r>
+                        <a:rPr lang="en-US" b="0" i="1" smtClean="0">
+                          <a:latin typeface="Cambria Math" panose="02040503050406030204" pitchFamily="18" charset="0"/>
+                        </a:rPr>
+                        <m:t>= </m:t>
+                      </m:r>
+                      <m:f>
+                        <m:fPr>
+                          <m:ctrlPr>
+                            <a:rPr lang="en-US" b="0" i="1" smtClean="0">
+                              <a:latin typeface="Cambria Math" panose="02040503050406030204" pitchFamily="18" charset="0"/>
+                            </a:rPr>
+                          </m:ctrlPr>
+                        </m:fPr>
+                        <m:num>
+                          <m:r>
+                            <a:rPr lang="en-US" b="0" i="1" smtClean="0">
+                              <a:latin typeface="Cambria Math" panose="02040503050406030204" pitchFamily="18" charset="0"/>
+                            </a:rPr>
+                            <m:t>𝑥</m:t>
+                          </m:r>
+                        </m:num>
+                        <m:den>
+                          <m:r>
+                            <a:rPr lang="en-US" b="0" i="1" smtClean="0">
+                              <a:latin typeface="Cambria Math" panose="02040503050406030204" pitchFamily="18" charset="0"/>
+                            </a:rPr>
+                            <m:t>𝑦</m:t>
+                          </m:r>
+                        </m:den>
+                      </m:f>
+                      <m:r>
+                        <a:rPr lang="en-US" b="0" i="1" smtClean="0">
+                          <a:latin typeface="Cambria Math" panose="02040503050406030204" pitchFamily="18" charset="0"/>
+                        </a:rPr>
+                        <m:t>+(</m:t>
+                      </m:r>
+                      <m:func>
+                        <m:funcPr>
+                          <m:ctrlPr>
+                            <a:rPr lang="en-US" b="0" i="1" smtClean="0">
+                              <a:latin typeface="Cambria Math" panose="02040503050406030204" pitchFamily="18" charset="0"/>
+                            </a:rPr>
+                          </m:ctrlPr>
+                        </m:funcPr>
+                        <m:fName>
+                          <m:r>
+                            <m:rPr>
+                              <m:sty m:val="p"/>
+                            </m:rPr>
+                            <a:rPr lang="en-US" b="0" i="0" smtClean="0">
+                              <a:latin typeface="Cambria Math" panose="02040503050406030204" pitchFamily="18" charset="0"/>
+                            </a:rPr>
+                            <m:t>cos</m:t>
+                          </m:r>
+                        </m:fName>
+                        <m:e>
+                          <m:r>
+                            <a:rPr lang="en-US" b="0" i="1" smtClean="0">
+                              <a:latin typeface="Cambria Math" panose="02040503050406030204" pitchFamily="18" charset="0"/>
+                            </a:rPr>
+                            <m:t>𝑥</m:t>
+                          </m:r>
+                        </m:e>
+                      </m:func>
+                      <m:r>
+                        <a:rPr lang="en-US" b="0" i="1" smtClean="0">
+                          <a:latin typeface="Cambria Math" panose="02040503050406030204" pitchFamily="18" charset="0"/>
+                        </a:rPr>
+                        <m:t>∗</m:t>
+                      </m:r>
+                      <m:func>
+                        <m:funcPr>
+                          <m:ctrlPr>
+                            <a:rPr lang="en-US" b="0" i="1" smtClean="0">
+                              <a:latin typeface="Cambria Math" panose="02040503050406030204" pitchFamily="18" charset="0"/>
+                            </a:rPr>
+                          </m:ctrlPr>
+                        </m:funcPr>
+                        <m:fName>
+                          <m:r>
+                            <m:rPr>
+                              <m:sty m:val="p"/>
+                            </m:rPr>
+                            <a:rPr lang="en-US" b="0" i="0" smtClean="0">
+                              <a:latin typeface="Cambria Math" panose="02040503050406030204" pitchFamily="18" charset="0"/>
+                            </a:rPr>
+                            <m:t>sin</m:t>
+                          </m:r>
+                        </m:fName>
+                        <m:e>
+                          <m:r>
+                            <a:rPr lang="en-US" b="0" i="1" smtClean="0">
+                              <a:latin typeface="Cambria Math" panose="02040503050406030204" pitchFamily="18" charset="0"/>
+                            </a:rPr>
+                            <m:t>𝑥</m:t>
+                          </m:r>
+                        </m:e>
+                      </m:func>
+                      <m:r>
+                        <a:rPr lang="en-US" b="0" i="1" smtClean="0">
+                          <a:latin typeface="Cambria Math" panose="02040503050406030204" pitchFamily="18" charset="0"/>
+                        </a:rPr>
+                        <m:t>)</m:t>
+                      </m:r>
+                    </m:oMath>
+                  </m:oMathPara>
+                </a14:m>
+                <a:endParaRPr lang="en-US" dirty="0"/>
+              </a:p>
+              <a:p>
+                <a:pPr marL="0" indent="0">
+                  <a:buNone/>
+                </a:pPr>
+                <a:endParaRPr lang="en-US" i="1" dirty="0">
+                  <a:latin typeface="Cambria Math" panose="02040503050406030204" pitchFamily="18" charset="0"/>
+                </a:endParaRPr>
+              </a:p>
+              <a:p>
+                <a:pPr marL="0" indent="0">
+                  <a:buNone/>
+                </a:pPr>
+                <a14:m>
+                  <m:oMathPara xmlns:m="http://schemas.openxmlformats.org/officeDocument/2006/math">
+                    <m:oMathParaPr>
+                      <m:jc m:val="centerGroup"/>
+                    </m:oMathParaPr>
+                    <m:oMath xmlns:m="http://schemas.openxmlformats.org/officeDocument/2006/math">
+                      <m:f>
+                        <m:fPr>
+                          <m:ctrlPr>
+                            <a:rPr lang="en-US" i="1">
+                              <a:latin typeface="Cambria Math" panose="02040503050406030204" pitchFamily="18" charset="0"/>
+                            </a:rPr>
+                          </m:ctrlPr>
+                        </m:fPr>
+                        <m:num>
+                          <m:r>
+                            <a:rPr lang="en-US" i="1">
+                              <a:latin typeface="Cambria Math" panose="02040503050406030204" pitchFamily="18" charset="0"/>
+                            </a:rPr>
+                            <m:t>𝜕</m:t>
+                          </m:r>
+                          <m:r>
+                            <a:rPr lang="en-US" i="1">
+                              <a:latin typeface="Cambria Math" panose="02040503050406030204" pitchFamily="18" charset="0"/>
+                            </a:rPr>
+                            <m:t>𝑧</m:t>
+                          </m:r>
+                        </m:num>
+                        <m:den>
+                          <m:r>
+                            <a:rPr lang="en-US" i="1">
+                              <a:latin typeface="Cambria Math" panose="02040503050406030204" pitchFamily="18" charset="0"/>
+                            </a:rPr>
+                            <m:t>𝜕</m:t>
+                          </m:r>
+                          <m:r>
+                            <a:rPr lang="en-US" i="1">
+                              <a:latin typeface="Cambria Math" panose="02040503050406030204" pitchFamily="18" charset="0"/>
+                            </a:rPr>
+                            <m:t>𝑥</m:t>
+                          </m:r>
+                        </m:den>
+                      </m:f>
+                      <m:r>
+                        <a:rPr lang="en-US" i="1">
+                          <a:latin typeface="Cambria Math" panose="02040503050406030204" pitchFamily="18" charset="0"/>
+                        </a:rPr>
+                        <m:t>(</m:t>
+                      </m:r>
+                      <m:r>
+                        <a:rPr lang="en-US" i="1">
+                          <a:latin typeface="Cambria Math" panose="02040503050406030204" pitchFamily="18" charset="0"/>
+                        </a:rPr>
+                        <m:t>𝑥</m:t>
+                      </m:r>
+                      <m:r>
+                        <a:rPr lang="en-US" i="1">
+                          <a:latin typeface="Cambria Math" panose="02040503050406030204" pitchFamily="18" charset="0"/>
+                        </a:rPr>
+                        <m:t>,</m:t>
+                      </m:r>
+                      <m:r>
+                        <a:rPr lang="en-US" i="1">
+                          <a:latin typeface="Cambria Math" panose="02040503050406030204" pitchFamily="18" charset="0"/>
+                        </a:rPr>
+                        <m:t>𝑦</m:t>
+                      </m:r>
+                      <m:r>
+                        <a:rPr lang="en-US" i="1">
+                          <a:latin typeface="Cambria Math" panose="02040503050406030204" pitchFamily="18" charset="0"/>
+                        </a:rPr>
+                        <m:t>)= </m:t>
+                      </m:r>
+                      <m:f>
+                        <m:fPr>
+                          <m:ctrlPr>
+                            <a:rPr lang="en-US" i="1">
+                              <a:latin typeface="Cambria Math" panose="02040503050406030204" pitchFamily="18" charset="0"/>
+                            </a:rPr>
+                          </m:ctrlPr>
+                        </m:fPr>
+                        <m:num>
+                          <m:r>
+                            <a:rPr lang="en-US" i="1">
+                              <a:latin typeface="Cambria Math" panose="02040503050406030204" pitchFamily="18" charset="0"/>
+                            </a:rPr>
+                            <m:t>𝑧</m:t>
+                          </m:r>
+                          <m:d>
+                            <m:dPr>
+                              <m:ctrlPr>
+                                <a:rPr lang="en-US" i="1">
+                                  <a:latin typeface="Cambria Math" panose="02040503050406030204" pitchFamily="18" charset="0"/>
+                                </a:rPr>
+                              </m:ctrlPr>
+                            </m:dPr>
+                            <m:e>
+                              <m:r>
+                                <a:rPr lang="en-US" i="1">
+                                  <a:latin typeface="Cambria Math" panose="02040503050406030204" pitchFamily="18" charset="0"/>
+                                </a:rPr>
+                                <m:t>𝑥</m:t>
+                              </m:r>
+                              <m:r>
+                                <a:rPr lang="en-US" i="1">
+                                  <a:latin typeface="Cambria Math" panose="02040503050406030204" pitchFamily="18" charset="0"/>
+                                </a:rPr>
+                                <m:t>+</m:t>
+                              </m:r>
+                              <m:r>
+                                <a:rPr lang="en-US" i="1">
+                                  <a:latin typeface="Cambria Math" panose="02040503050406030204" pitchFamily="18" charset="0"/>
+                                </a:rPr>
+                                <m:t>𝜖</m:t>
+                              </m:r>
+                              <m:r>
+                                <a:rPr lang="en-US" i="1">
+                                  <a:latin typeface="Cambria Math" panose="02040503050406030204" pitchFamily="18" charset="0"/>
+                                </a:rPr>
+                                <m:t>,</m:t>
+                              </m:r>
+                              <m:r>
+                                <a:rPr lang="en-US" i="1">
+                                  <a:latin typeface="Cambria Math" panose="02040503050406030204" pitchFamily="18" charset="0"/>
+                                </a:rPr>
+                                <m:t>𝑦</m:t>
+                              </m:r>
+                            </m:e>
+                          </m:d>
+                          <m:r>
+                            <a:rPr lang="en-US" i="1">
+                              <a:latin typeface="Cambria Math" panose="02040503050406030204" pitchFamily="18" charset="0"/>
+                            </a:rPr>
+                            <m:t>−</m:t>
+                          </m:r>
+                          <m:r>
+                            <a:rPr lang="en-US" i="1">
+                              <a:latin typeface="Cambria Math" panose="02040503050406030204" pitchFamily="18" charset="0"/>
+                            </a:rPr>
+                            <m:t>𝑧</m:t>
+                          </m:r>
+                          <m:r>
+                            <a:rPr lang="en-US" i="1">
+                              <a:latin typeface="Cambria Math" panose="02040503050406030204" pitchFamily="18" charset="0"/>
+                            </a:rPr>
+                            <m:t>(</m:t>
+                          </m:r>
+                          <m:r>
+                            <a:rPr lang="en-US" i="1">
+                              <a:latin typeface="Cambria Math" panose="02040503050406030204" pitchFamily="18" charset="0"/>
+                            </a:rPr>
+                            <m:t>𝑥</m:t>
+                          </m:r>
+                          <m:r>
+                            <a:rPr lang="en-US" i="1">
+                              <a:latin typeface="Cambria Math" panose="02040503050406030204" pitchFamily="18" charset="0"/>
+                            </a:rPr>
+                            <m:t>−</m:t>
+                          </m:r>
+                          <m:r>
+                            <a:rPr lang="en-US" i="1">
+                              <a:latin typeface="Cambria Math" panose="02040503050406030204" pitchFamily="18" charset="0"/>
+                            </a:rPr>
+                            <m:t>𝜖</m:t>
+                          </m:r>
+                          <m:r>
+                            <a:rPr lang="en-US" i="1">
+                              <a:latin typeface="Cambria Math" panose="02040503050406030204" pitchFamily="18" charset="0"/>
+                            </a:rPr>
+                            <m:t>,</m:t>
+                          </m:r>
+                          <m:r>
+                            <a:rPr lang="en-US" i="1">
+                              <a:latin typeface="Cambria Math" panose="02040503050406030204" pitchFamily="18" charset="0"/>
+                            </a:rPr>
+                            <m:t>𝑦</m:t>
+                          </m:r>
+                          <m:r>
+                            <a:rPr lang="en-US" i="1">
+                              <a:latin typeface="Cambria Math" panose="02040503050406030204" pitchFamily="18" charset="0"/>
+                            </a:rPr>
+                            <m:t>)</m:t>
+                          </m:r>
+                        </m:num>
+                        <m:den>
+                          <m:r>
+                            <a:rPr lang="en-US" i="1">
+                              <a:latin typeface="Cambria Math" panose="02040503050406030204" pitchFamily="18" charset="0"/>
+                            </a:rPr>
+                            <m:t>2</m:t>
+                          </m:r>
+                          <m:r>
+                            <a:rPr lang="en-US" i="1">
+                              <a:latin typeface="Cambria Math" panose="02040503050406030204" pitchFamily="18" charset="0"/>
+                            </a:rPr>
+                            <m:t>𝜖</m:t>
+                          </m:r>
+                        </m:den>
+                      </m:f>
+                    </m:oMath>
+                  </m:oMathPara>
+                </a14:m>
+                <a:endParaRPr lang="en-US" i="1" dirty="0">
+                  <a:latin typeface="Cambria Math" panose="02040503050406030204" pitchFamily="18" charset="0"/>
+                </a:endParaRPr>
+              </a:p>
+              <a:p>
+                <a:pPr marL="0" indent="0">
+                  <a:buNone/>
+                </a:pPr>
+                <a:endParaRPr lang="en-US" i="1" dirty="0">
+                  <a:latin typeface="Cambria Math" panose="02040503050406030204" pitchFamily="18" charset="0"/>
+                </a:endParaRPr>
+              </a:p>
+              <a:p>
+                <a:pPr marL="0" indent="0">
+                  <a:buNone/>
+                </a:pPr>
+                <a14:m>
+                  <m:oMathPara xmlns:m="http://schemas.openxmlformats.org/officeDocument/2006/math">
+                    <m:oMathParaPr>
+                      <m:jc m:val="centerGroup"/>
+                    </m:oMathParaPr>
+                    <m:oMath xmlns:m="http://schemas.openxmlformats.org/officeDocument/2006/math">
+                      <m:f>
+                        <m:fPr>
+                          <m:ctrlPr>
+                            <a:rPr lang="en-US" i="1" smtClean="0">
+                              <a:latin typeface="Cambria Math" panose="02040503050406030204" pitchFamily="18" charset="0"/>
+                            </a:rPr>
+                          </m:ctrlPr>
+                        </m:fPr>
+                        <m:num>
+                          <m:r>
+                            <a:rPr lang="en-US" i="1">
+                              <a:latin typeface="Cambria Math" panose="02040503050406030204" pitchFamily="18" charset="0"/>
+                            </a:rPr>
+                            <m:t>𝜕</m:t>
+                          </m:r>
+                          <m:r>
+                            <a:rPr lang="en-US" i="1">
+                              <a:latin typeface="Cambria Math" panose="02040503050406030204" pitchFamily="18" charset="0"/>
+                            </a:rPr>
+                            <m:t>𝑧</m:t>
+                          </m:r>
+                        </m:num>
+                        <m:den>
+                          <m:r>
+                            <a:rPr lang="en-US" i="1">
+                              <a:latin typeface="Cambria Math" panose="02040503050406030204" pitchFamily="18" charset="0"/>
+                            </a:rPr>
+                            <m:t>𝜕</m:t>
+                          </m:r>
+                          <m:r>
+                            <a:rPr lang="en-US" i="1">
+                              <a:latin typeface="Cambria Math" panose="02040503050406030204" pitchFamily="18" charset="0"/>
+                            </a:rPr>
+                            <m:t>𝑥</m:t>
+                          </m:r>
+                        </m:den>
+                      </m:f>
+                      <m:r>
+                        <a:rPr lang="en-US" b="0" i="1" smtClean="0">
+                          <a:latin typeface="Cambria Math" panose="02040503050406030204" pitchFamily="18" charset="0"/>
+                        </a:rPr>
+                        <m:t>(</m:t>
+                      </m:r>
+                      <m:r>
+                        <a:rPr lang="en-US" b="0" i="1" smtClean="0">
+                          <a:latin typeface="Cambria Math" panose="02040503050406030204" pitchFamily="18" charset="0"/>
+                        </a:rPr>
+                        <m:t>𝑥</m:t>
+                      </m:r>
+                      <m:r>
+                        <a:rPr lang="en-US" b="0" i="1" smtClean="0">
+                          <a:latin typeface="Cambria Math" panose="02040503050406030204" pitchFamily="18" charset="0"/>
+                        </a:rPr>
+                        <m:t>,</m:t>
+                      </m:r>
+                      <m:r>
+                        <a:rPr lang="en-US" b="0" i="1" smtClean="0">
+                          <a:latin typeface="Cambria Math" panose="02040503050406030204" pitchFamily="18" charset="0"/>
+                        </a:rPr>
+                        <m:t>𝑦</m:t>
+                      </m:r>
+                      <m:r>
+                        <a:rPr lang="en-US" b="0" i="1" smtClean="0">
+                          <a:latin typeface="Cambria Math" panose="02040503050406030204" pitchFamily="18" charset="0"/>
+                        </a:rPr>
+                        <m:t>)= </m:t>
+                      </m:r>
+                      <m:f>
+                        <m:fPr>
+                          <m:ctrlPr>
+                            <a:rPr lang="en-US" i="1">
+                              <a:latin typeface="Cambria Math" panose="02040503050406030204" pitchFamily="18" charset="0"/>
+                            </a:rPr>
+                          </m:ctrlPr>
+                        </m:fPr>
+                        <m:num>
+                          <m:r>
+                            <a:rPr lang="en-US" i="1" smtClean="0">
+                              <a:latin typeface="Cambria Math" panose="02040503050406030204" pitchFamily="18" charset="0"/>
+                            </a:rPr>
+                            <m:t>𝑧</m:t>
+                          </m:r>
+                          <m:d>
+                            <m:dPr>
+                              <m:ctrlPr>
+                                <a:rPr lang="en-US" b="0" i="1" smtClean="0">
+                                  <a:latin typeface="Cambria Math" panose="02040503050406030204" pitchFamily="18" charset="0"/>
+                                </a:rPr>
+                              </m:ctrlPr>
+                            </m:dPr>
+                            <m:e>
+                              <m:r>
+                                <a:rPr lang="en-US" b="0" i="1" smtClean="0">
+                                  <a:latin typeface="Cambria Math" panose="02040503050406030204" pitchFamily="18" charset="0"/>
+                                </a:rPr>
+                                <m:t>𝑥</m:t>
+                              </m:r>
+                              <m:r>
+                                <a:rPr lang="en-US" b="0" i="1" smtClean="0">
+                                  <a:latin typeface="Cambria Math" panose="02040503050406030204" pitchFamily="18" charset="0"/>
+                                </a:rPr>
+                                <m:t>,</m:t>
+                              </m:r>
+                              <m:r>
+                                <a:rPr lang="en-US" b="0" i="1" smtClean="0">
+                                  <a:latin typeface="Cambria Math" panose="02040503050406030204" pitchFamily="18" charset="0"/>
+                                </a:rPr>
+                                <m:t>𝑦</m:t>
+                              </m:r>
+                              <m:r>
+                                <a:rPr lang="en-US" b="0" i="1" smtClean="0">
+                                  <a:latin typeface="Cambria Math" panose="02040503050406030204" pitchFamily="18" charset="0"/>
+                                </a:rPr>
+                                <m:t>+</m:t>
+                              </m:r>
+                              <m:r>
+                                <a:rPr lang="en-US" b="0" i="1" smtClean="0">
+                                  <a:latin typeface="Cambria Math" panose="02040503050406030204" pitchFamily="18" charset="0"/>
+                                </a:rPr>
+                                <m:t>𝜖</m:t>
+                              </m:r>
+                            </m:e>
+                          </m:d>
+                          <m:r>
+                            <a:rPr lang="en-US" b="0" i="1" smtClean="0">
+                              <a:latin typeface="Cambria Math" panose="02040503050406030204" pitchFamily="18" charset="0"/>
+                            </a:rPr>
+                            <m:t>−</m:t>
+                          </m:r>
+                          <m:r>
+                            <a:rPr lang="en-US" b="0" i="1" smtClean="0">
+                              <a:latin typeface="Cambria Math" panose="02040503050406030204" pitchFamily="18" charset="0"/>
+                            </a:rPr>
+                            <m:t>𝑧</m:t>
+                          </m:r>
+                          <m:r>
+                            <a:rPr lang="en-US" b="0" i="1" smtClean="0">
+                              <a:latin typeface="Cambria Math" panose="02040503050406030204" pitchFamily="18" charset="0"/>
+                            </a:rPr>
+                            <m:t>(</m:t>
+                          </m:r>
+                          <m:r>
+                            <a:rPr lang="en-US" b="0" i="1" smtClean="0">
+                              <a:latin typeface="Cambria Math" panose="02040503050406030204" pitchFamily="18" charset="0"/>
+                            </a:rPr>
+                            <m:t>𝑥</m:t>
+                          </m:r>
+                          <m:r>
+                            <a:rPr lang="en-US" b="0" i="1" smtClean="0">
+                              <a:latin typeface="Cambria Math" panose="02040503050406030204" pitchFamily="18" charset="0"/>
+                            </a:rPr>
+                            <m:t>,</m:t>
+                          </m:r>
+                          <m:r>
+                            <a:rPr lang="en-US" b="0" i="1" smtClean="0">
+                              <a:latin typeface="Cambria Math" panose="02040503050406030204" pitchFamily="18" charset="0"/>
+                            </a:rPr>
+                            <m:t>𝑦</m:t>
+                          </m:r>
+                          <m:r>
+                            <a:rPr lang="en-US" b="0" i="1" smtClean="0">
+                              <a:latin typeface="Cambria Math" panose="02040503050406030204" pitchFamily="18" charset="0"/>
+                            </a:rPr>
+                            <m:t>−</m:t>
+                          </m:r>
+                          <m:r>
+                            <a:rPr lang="en-US" b="0" i="1" smtClean="0">
+                              <a:latin typeface="Cambria Math" panose="02040503050406030204" pitchFamily="18" charset="0"/>
+                            </a:rPr>
+                            <m:t>𝜖</m:t>
+                          </m:r>
+                          <m:r>
+                            <a:rPr lang="en-US" b="0" i="1" smtClean="0">
+                              <a:latin typeface="Cambria Math" panose="02040503050406030204" pitchFamily="18" charset="0"/>
+                            </a:rPr>
+                            <m:t>)</m:t>
+                          </m:r>
+                        </m:num>
+                        <m:den>
+                          <m:r>
+                            <a:rPr lang="en-US" b="0" i="1" smtClean="0">
+                              <a:latin typeface="Cambria Math" panose="02040503050406030204" pitchFamily="18" charset="0"/>
+                            </a:rPr>
+                            <m:t>2</m:t>
+                          </m:r>
+                          <m:r>
+                            <a:rPr lang="en-US" b="0" i="1" smtClean="0">
+                              <a:latin typeface="Cambria Math" panose="02040503050406030204" pitchFamily="18" charset="0"/>
+                            </a:rPr>
+                            <m:t>𝜖</m:t>
+                          </m:r>
+                        </m:den>
+                      </m:f>
+                    </m:oMath>
+                  </m:oMathPara>
+                </a14:m>
+                <a:endParaRPr lang="en-US" i="1" dirty="0">
+                  <a:latin typeface="Cambria Math" panose="02040503050406030204" pitchFamily="18" charset="0"/>
+                </a:endParaRPr>
+              </a:p>
+            </p:txBody>
+          </p:sp>
+        </mc:Choice>
+        <mc:Fallback>
+          <p:sp>
+            <p:nvSpPr>
+              <p:cNvPr id="3" name="Content Placeholder 2">
+                <a:extLst>
+                  <a:ext uri="{FF2B5EF4-FFF2-40B4-BE49-F238E27FC236}">
+                    <a16:creationId xmlns:a16="http://schemas.microsoft.com/office/drawing/2014/main" id="{CBB6C876-67EE-8B31-923A-92F1171D92B1}"/>
+                  </a:ext>
+                </a:extLst>
+              </p:cNvPr>
+              <p:cNvSpPr>
+                <a:spLocks noGrp="1" noRot="1" noChangeAspect="1" noMove="1" noResize="1" noEditPoints="1" noAdjustHandles="1" noChangeArrowheads="1" noChangeShapeType="1" noTextEdit="1"/>
+              </p:cNvSpPr>
+              <p:nvPr>
+                <p:ph idx="1"/>
+              </p:nvPr>
+            </p:nvSpPr>
+            <p:spPr>
+              <a:blipFill>
+                <a:blip r:embed="rId2"/>
+                <a:stretch>
+                  <a:fillRect/>
+                </a:stretch>
+              </a:blipFill>
+            </p:spPr>
+            <p:txBody>
+              <a:bodyPr/>
+              <a:lstStyle/>
+              <a:p>
+                <a:r>
+                  <a:rPr lang="en-US">
+                    <a:noFill/>
+                  </a:rPr>
+                  <a:t> </a:t>
+                </a:r>
+              </a:p>
+            </p:txBody>
+          </p:sp>
+        </mc:Fallback>
+      </mc:AlternateContent>
+    </p:spTree>
+    <p:extLst>
+      <p:ext uri="{BB962C8B-B14F-4D97-AF65-F5344CB8AC3E}">
+        <p14:creationId xmlns:p14="http://schemas.microsoft.com/office/powerpoint/2010/main" val="1418695213"/>
+      </p:ext>
+    </p:extLst>
+  </p:cSld>
+  <p:clrMapOvr>
+    <a:masterClrMapping/>
+  </p:clrMapOvr>
+</p:sld>
+</file>
+
+<file path=ppt/slides/slide11.xml><?xml version="1.0" encoding="utf-8"?>
+<p:sld xmlns:a="http://schemas.openxmlformats.org/drawingml/2006/main" xmlns:r="http://schemas.openxmlformats.org/officeDocument/2006/relationships" xmlns:p="http://schemas.openxmlformats.org/presentationml/2006/main">
+  <p:cSld>
+    <p:spTree>
+      <p:nvGrpSpPr>
+        <p:cNvPr id="1" name=""/>
+        <p:cNvGrpSpPr/>
+        <p:nvPr/>
+      </p:nvGrpSpPr>
+      <p:grpSpPr>
+        <a:xfrm>
+          <a:off x="0" y="0"/>
+          <a:ext cx="0" cy="0"/>
+          <a:chOff x="0" y="0"/>
+          <a:chExt cx="0" cy="0"/>
+        </a:xfrm>
+      </p:grpSpPr>
+      <p:sp>
+        <p:nvSpPr>
+          <p:cNvPr id="2" name="Title 1">
+            <a:extLst>
+              <a:ext uri="{FF2B5EF4-FFF2-40B4-BE49-F238E27FC236}">
+                <a16:creationId xmlns:a16="http://schemas.microsoft.com/office/drawing/2014/main" id="{EC612E8E-8866-72B6-8794-6E8EA545AC3F}"/>
+              </a:ext>
+            </a:extLst>
+          </p:cNvPr>
+          <p:cNvSpPr>
+            <a:spLocks noGrp="1"/>
+          </p:cNvSpPr>
+          <p:nvPr>
+            <p:ph type="title"/>
+          </p:nvPr>
+        </p:nvSpPr>
+        <p:spPr/>
+        <p:txBody>
+          <a:bodyPr/>
+          <a:lstStyle/>
+          <a:p>
+            <a:r>
+              <a:rPr lang="en-US" dirty="0"/>
+              <a:t>Autograd</a:t>
+            </a:r>
+          </a:p>
+        </p:txBody>
+      </p:sp>
+      <p:pic>
+        <p:nvPicPr>
+          <p:cNvPr id="5" name="Content Placeholder 4" descr="Diagram&#10;&#10;Description automatically generated">
+            <a:extLst>
+              <a:ext uri="{FF2B5EF4-FFF2-40B4-BE49-F238E27FC236}">
+                <a16:creationId xmlns:a16="http://schemas.microsoft.com/office/drawing/2014/main" id="{9B564142-3C68-8652-A448-B323EA2FEFB4}"/>
+              </a:ext>
+            </a:extLst>
+          </p:cNvPr>
+          <p:cNvPicPr>
+            <a:picLocks noGrp="1" noChangeAspect="1"/>
+          </p:cNvPicPr>
+          <p:nvPr>
+            <p:ph idx="1"/>
+          </p:nvPr>
+        </p:nvPicPr>
+        <p:blipFill>
+          <a:blip r:embed="rId2">
+            <a:extLst>
+              <a:ext uri="{28A0092B-C50C-407E-A947-70E740481C1C}">
+                <a14:useLocalDpi xmlns:a14="http://schemas.microsoft.com/office/drawing/2010/main" val="0"/>
+              </a:ext>
+            </a:extLst>
+          </a:blip>
+          <a:stretch>
+            <a:fillRect/>
+          </a:stretch>
+        </p:blipFill>
+        <p:spPr>
+          <a:xfrm>
+            <a:off x="6096000" y="1951672"/>
+            <a:ext cx="5945301" cy="4351338"/>
+          </a:xfrm>
+        </p:spPr>
+      </p:pic>
+      <p:sp>
+        <p:nvSpPr>
+          <p:cNvPr id="6" name="TextBox 5">
+            <a:extLst>
+              <a:ext uri="{FF2B5EF4-FFF2-40B4-BE49-F238E27FC236}">
+                <a16:creationId xmlns:a16="http://schemas.microsoft.com/office/drawing/2014/main" id="{EAC638F7-CBED-B6C3-B9D5-0BBBEC331D9B}"/>
+              </a:ext>
+            </a:extLst>
+          </p:cNvPr>
+          <p:cNvSpPr txBox="1"/>
+          <p:nvPr/>
+        </p:nvSpPr>
+        <p:spPr>
+          <a:xfrm>
+            <a:off x="259146" y="1951672"/>
+            <a:ext cx="5836854" cy="1200329"/>
+          </a:xfrm>
+          <a:prstGeom prst="rect">
+            <a:avLst/>
+          </a:prstGeom>
+          <a:solidFill>
+            <a:schemeClr val="tx1"/>
+          </a:solidFill>
+        </p:spPr>
+        <p:txBody>
+          <a:bodyPr wrap="none" rtlCol="0">
+            <a:spAutoFit/>
+          </a:bodyPr>
+          <a:lstStyle/>
+          <a:p>
+            <a:r>
+              <a:rPr lang="en-US" b="0" dirty="0">
+                <a:solidFill>
+                  <a:srgbClr val="D4D4D4"/>
+                </a:solidFill>
+                <a:effectLst/>
+                <a:latin typeface="Courier New" panose="02070309020205020404" pitchFamily="49" charset="0"/>
+              </a:rPr>
+              <a:t>x = </a:t>
+            </a:r>
+            <a:r>
+              <a:rPr lang="en-US" b="0" dirty="0" err="1">
+                <a:solidFill>
+                  <a:srgbClr val="D4D4D4"/>
+                </a:solidFill>
+                <a:effectLst/>
+                <a:latin typeface="Courier New" panose="02070309020205020404" pitchFamily="49" charset="0"/>
+              </a:rPr>
+              <a:t>torch.tensor</a:t>
+            </a:r>
+            <a:r>
+              <a:rPr lang="en-US" b="0" dirty="0">
+                <a:solidFill>
+                  <a:srgbClr val="DCDCDC"/>
+                </a:solidFill>
+                <a:effectLst/>
+                <a:latin typeface="Courier New" panose="02070309020205020404" pitchFamily="49" charset="0"/>
+              </a:rPr>
+              <a:t>(</a:t>
+            </a:r>
+            <a:r>
+              <a:rPr lang="en-US" b="0" dirty="0">
+                <a:solidFill>
+                  <a:srgbClr val="B5CEA8"/>
+                </a:solidFill>
+                <a:effectLst/>
+                <a:latin typeface="Courier New" panose="02070309020205020404" pitchFamily="49" charset="0"/>
+              </a:rPr>
+              <a:t>1.0</a:t>
+            </a:r>
+            <a:r>
+              <a:rPr lang="en-US" b="0" dirty="0">
+                <a:solidFill>
+                  <a:srgbClr val="DCDCDC"/>
+                </a:solidFill>
+                <a:effectLst/>
+                <a:latin typeface="Courier New" panose="02070309020205020404" pitchFamily="49" charset="0"/>
+              </a:rPr>
+              <a:t>,</a:t>
+            </a:r>
+            <a:r>
+              <a:rPr lang="en-US" b="0" dirty="0">
+                <a:solidFill>
+                  <a:srgbClr val="D4D4D4"/>
+                </a:solidFill>
+                <a:effectLst/>
+                <a:latin typeface="Courier New" panose="02070309020205020404" pitchFamily="49" charset="0"/>
+              </a:rPr>
+              <a:t> </a:t>
+            </a:r>
+            <a:r>
+              <a:rPr lang="en-US" b="0" dirty="0" err="1">
+                <a:solidFill>
+                  <a:srgbClr val="D4D4D4"/>
+                </a:solidFill>
+                <a:effectLst/>
+                <a:latin typeface="Courier New" panose="02070309020205020404" pitchFamily="49" charset="0"/>
+              </a:rPr>
+              <a:t>requires_grad</a:t>
+            </a:r>
+            <a:r>
+              <a:rPr lang="en-US" b="0" dirty="0">
+                <a:solidFill>
+                  <a:srgbClr val="D4D4D4"/>
+                </a:solidFill>
+                <a:effectLst/>
+                <a:latin typeface="Courier New" panose="02070309020205020404" pitchFamily="49" charset="0"/>
+              </a:rPr>
+              <a:t>=</a:t>
+            </a:r>
+            <a:r>
+              <a:rPr lang="en-US" b="0" dirty="0">
+                <a:solidFill>
+                  <a:srgbClr val="569CD6"/>
+                </a:solidFill>
+                <a:effectLst/>
+                <a:latin typeface="Courier New" panose="02070309020205020404" pitchFamily="49" charset="0"/>
+              </a:rPr>
+              <a:t>True</a:t>
+            </a:r>
+            <a:r>
+              <a:rPr lang="en-US" b="0" dirty="0">
+                <a:solidFill>
+                  <a:srgbClr val="DCDCDC"/>
+                </a:solidFill>
+                <a:effectLst/>
+                <a:latin typeface="Courier New" panose="02070309020205020404" pitchFamily="49" charset="0"/>
+              </a:rPr>
+              <a:t>)</a:t>
+            </a:r>
+            <a:endParaRPr lang="en-US" b="0" dirty="0">
+              <a:solidFill>
+                <a:srgbClr val="D4D4D4"/>
+              </a:solidFill>
+              <a:effectLst/>
+              <a:latin typeface="Courier New" panose="02070309020205020404" pitchFamily="49" charset="0"/>
+            </a:endParaRPr>
+          </a:p>
+          <a:p>
+            <a:r>
+              <a:rPr lang="en-US" b="0" dirty="0">
+                <a:solidFill>
+                  <a:srgbClr val="D4D4D4"/>
+                </a:solidFill>
+                <a:effectLst/>
+                <a:latin typeface="Courier New" panose="02070309020205020404" pitchFamily="49" charset="0"/>
+              </a:rPr>
+              <a:t>y = </a:t>
+            </a:r>
+            <a:r>
+              <a:rPr lang="en-US" b="0" dirty="0" err="1">
+                <a:solidFill>
+                  <a:srgbClr val="D4D4D4"/>
+                </a:solidFill>
+                <a:effectLst/>
+                <a:latin typeface="Courier New" panose="02070309020205020404" pitchFamily="49" charset="0"/>
+              </a:rPr>
+              <a:t>torch.tensor</a:t>
+            </a:r>
+            <a:r>
+              <a:rPr lang="en-US" b="0" dirty="0">
+                <a:solidFill>
+                  <a:srgbClr val="DCDCDC"/>
+                </a:solidFill>
+                <a:effectLst/>
+                <a:latin typeface="Courier New" panose="02070309020205020404" pitchFamily="49" charset="0"/>
+              </a:rPr>
+              <a:t>(</a:t>
+            </a:r>
+            <a:r>
+              <a:rPr lang="en-US" b="0" dirty="0">
+                <a:solidFill>
+                  <a:srgbClr val="B5CEA8"/>
+                </a:solidFill>
+                <a:effectLst/>
+                <a:latin typeface="Courier New" panose="02070309020205020404" pitchFamily="49" charset="0"/>
+              </a:rPr>
+              <a:t>5.0</a:t>
+            </a:r>
+            <a:r>
+              <a:rPr lang="en-US" b="0" dirty="0">
+                <a:solidFill>
+                  <a:srgbClr val="DCDCDC"/>
+                </a:solidFill>
+                <a:effectLst/>
+                <a:latin typeface="Courier New" panose="02070309020205020404" pitchFamily="49" charset="0"/>
+              </a:rPr>
+              <a:t>,</a:t>
+            </a:r>
+            <a:r>
+              <a:rPr lang="en-US" b="0" dirty="0">
+                <a:solidFill>
+                  <a:srgbClr val="D4D4D4"/>
+                </a:solidFill>
+                <a:effectLst/>
+                <a:latin typeface="Courier New" panose="02070309020205020404" pitchFamily="49" charset="0"/>
+              </a:rPr>
+              <a:t> </a:t>
+            </a:r>
+            <a:r>
+              <a:rPr lang="en-US" b="0" dirty="0" err="1">
+                <a:solidFill>
+                  <a:srgbClr val="D4D4D4"/>
+                </a:solidFill>
+                <a:effectLst/>
+                <a:latin typeface="Courier New" panose="02070309020205020404" pitchFamily="49" charset="0"/>
+              </a:rPr>
+              <a:t>requires_grad</a:t>
+            </a:r>
+            <a:r>
+              <a:rPr lang="en-US" b="0" dirty="0">
+                <a:solidFill>
+                  <a:srgbClr val="D4D4D4"/>
+                </a:solidFill>
+                <a:effectLst/>
+                <a:latin typeface="Courier New" panose="02070309020205020404" pitchFamily="49" charset="0"/>
+              </a:rPr>
+              <a:t>=</a:t>
+            </a:r>
+            <a:r>
+              <a:rPr lang="en-US" b="0" dirty="0">
+                <a:solidFill>
+                  <a:srgbClr val="569CD6"/>
+                </a:solidFill>
+                <a:effectLst/>
+                <a:latin typeface="Courier New" panose="02070309020205020404" pitchFamily="49" charset="0"/>
+              </a:rPr>
+              <a:t>True</a:t>
+            </a:r>
+            <a:r>
+              <a:rPr lang="en-US" b="0" dirty="0">
+                <a:solidFill>
+                  <a:srgbClr val="DCDCDC"/>
+                </a:solidFill>
+                <a:effectLst/>
+                <a:latin typeface="Courier New" panose="02070309020205020404" pitchFamily="49" charset="0"/>
+              </a:rPr>
+              <a:t>)</a:t>
+            </a:r>
+            <a:endParaRPr lang="en-US" b="0" dirty="0">
+              <a:solidFill>
+                <a:srgbClr val="D4D4D4"/>
+              </a:solidFill>
+              <a:effectLst/>
+              <a:latin typeface="Courier New" panose="02070309020205020404" pitchFamily="49" charset="0"/>
+            </a:endParaRPr>
+          </a:p>
+          <a:p>
+            <a:br>
+              <a:rPr lang="en-US" b="0" dirty="0">
+                <a:solidFill>
+                  <a:srgbClr val="D4D4D4"/>
+                </a:solidFill>
+                <a:effectLst/>
+                <a:latin typeface="Courier New" panose="02070309020205020404" pitchFamily="49" charset="0"/>
+              </a:rPr>
+            </a:br>
+            <a:r>
+              <a:rPr lang="en-US" b="0" dirty="0">
+                <a:solidFill>
+                  <a:srgbClr val="D4D4D4"/>
+                </a:solidFill>
+                <a:effectLst/>
+                <a:latin typeface="Courier New" panose="02070309020205020404" pitchFamily="49" charset="0"/>
+              </a:rPr>
+              <a:t>z = </a:t>
+            </a:r>
+            <a:r>
+              <a:rPr lang="en-US" b="0" dirty="0">
+                <a:solidFill>
+                  <a:srgbClr val="DCDCDC"/>
+                </a:solidFill>
+                <a:effectLst/>
+                <a:latin typeface="Courier New" panose="02070309020205020404" pitchFamily="49" charset="0"/>
+              </a:rPr>
+              <a:t>(</a:t>
+            </a:r>
+            <a:r>
+              <a:rPr lang="en-US" b="0" dirty="0">
+                <a:solidFill>
+                  <a:srgbClr val="D4D4D4"/>
+                </a:solidFill>
+                <a:effectLst/>
+                <a:latin typeface="Courier New" panose="02070309020205020404" pitchFamily="49" charset="0"/>
+              </a:rPr>
+              <a:t>x/y</a:t>
+            </a:r>
+            <a:r>
+              <a:rPr lang="en-US" b="0" dirty="0">
+                <a:solidFill>
+                  <a:srgbClr val="DCDCDC"/>
+                </a:solidFill>
+                <a:effectLst/>
+                <a:latin typeface="Courier New" panose="02070309020205020404" pitchFamily="49" charset="0"/>
+              </a:rPr>
+              <a:t>)</a:t>
+            </a:r>
+            <a:r>
+              <a:rPr lang="en-US" b="0" dirty="0">
+                <a:solidFill>
+                  <a:srgbClr val="D4D4D4"/>
+                </a:solidFill>
+                <a:effectLst/>
+                <a:latin typeface="Courier New" panose="02070309020205020404" pitchFamily="49" charset="0"/>
+              </a:rPr>
+              <a:t> + </a:t>
+            </a:r>
+            <a:r>
+              <a:rPr lang="en-US" b="0" dirty="0" err="1">
+                <a:solidFill>
+                  <a:srgbClr val="D4D4D4"/>
+                </a:solidFill>
+                <a:effectLst/>
+                <a:latin typeface="Courier New" panose="02070309020205020404" pitchFamily="49" charset="0"/>
+              </a:rPr>
+              <a:t>torch.cos</a:t>
+            </a:r>
+            <a:r>
+              <a:rPr lang="en-US" b="0" dirty="0">
+                <a:solidFill>
+                  <a:srgbClr val="DCDCDC"/>
+                </a:solidFill>
+                <a:effectLst/>
+                <a:latin typeface="Courier New" panose="02070309020205020404" pitchFamily="49" charset="0"/>
+              </a:rPr>
+              <a:t>(</a:t>
+            </a:r>
+            <a:r>
+              <a:rPr lang="en-US" b="0" dirty="0">
+                <a:solidFill>
+                  <a:srgbClr val="D4D4D4"/>
+                </a:solidFill>
+                <a:effectLst/>
+                <a:latin typeface="Courier New" panose="02070309020205020404" pitchFamily="49" charset="0"/>
+              </a:rPr>
+              <a:t>x</a:t>
+            </a:r>
+            <a:r>
+              <a:rPr lang="en-US" b="0" dirty="0">
+                <a:solidFill>
+                  <a:srgbClr val="DCDCDC"/>
+                </a:solidFill>
+                <a:effectLst/>
+                <a:latin typeface="Courier New" panose="02070309020205020404" pitchFamily="49" charset="0"/>
+              </a:rPr>
+              <a:t>)</a:t>
+            </a:r>
+            <a:r>
+              <a:rPr lang="en-US" b="0" dirty="0">
+                <a:solidFill>
+                  <a:srgbClr val="D4D4D4"/>
+                </a:solidFill>
+                <a:effectLst/>
+                <a:latin typeface="Courier New" panose="02070309020205020404" pitchFamily="49" charset="0"/>
+              </a:rPr>
+              <a:t>*</a:t>
+            </a:r>
+            <a:r>
+              <a:rPr lang="en-US" b="0" dirty="0" err="1">
+                <a:solidFill>
+                  <a:srgbClr val="D4D4D4"/>
+                </a:solidFill>
+                <a:effectLst/>
+                <a:latin typeface="Courier New" panose="02070309020205020404" pitchFamily="49" charset="0"/>
+              </a:rPr>
+              <a:t>torch.sin</a:t>
+            </a:r>
+            <a:r>
+              <a:rPr lang="en-US" b="0" dirty="0">
+                <a:solidFill>
+                  <a:srgbClr val="DCDCDC"/>
+                </a:solidFill>
+                <a:effectLst/>
+                <a:latin typeface="Courier New" panose="02070309020205020404" pitchFamily="49" charset="0"/>
+              </a:rPr>
+              <a:t>(</a:t>
+            </a:r>
+            <a:r>
+              <a:rPr lang="en-US" b="0" dirty="0">
+                <a:solidFill>
+                  <a:srgbClr val="D4D4D4"/>
+                </a:solidFill>
+                <a:effectLst/>
+                <a:latin typeface="Courier New" panose="02070309020205020404" pitchFamily="49" charset="0"/>
+              </a:rPr>
+              <a:t>y</a:t>
+            </a:r>
+            <a:r>
+              <a:rPr lang="en-US" b="0" dirty="0">
+                <a:solidFill>
+                  <a:srgbClr val="DCDCDC"/>
+                </a:solidFill>
+                <a:effectLst/>
+                <a:latin typeface="Courier New" panose="02070309020205020404" pitchFamily="49" charset="0"/>
+              </a:rPr>
+              <a:t>)</a:t>
+            </a:r>
+            <a:endParaRPr lang="en-US" b="0" dirty="0">
+              <a:solidFill>
+                <a:srgbClr val="D4D4D4"/>
+              </a:solidFill>
+              <a:effectLst/>
+              <a:latin typeface="Courier New" panose="02070309020205020404" pitchFamily="49" charset="0"/>
+            </a:endParaRPr>
+          </a:p>
+        </p:txBody>
+      </p:sp>
+      <p:sp>
+        <p:nvSpPr>
+          <p:cNvPr id="7" name="Arc 6">
+            <a:extLst>
+              <a:ext uri="{FF2B5EF4-FFF2-40B4-BE49-F238E27FC236}">
+                <a16:creationId xmlns:a16="http://schemas.microsoft.com/office/drawing/2014/main" id="{44422F9F-BCCD-496A-4EBC-80DD021E37D0}"/>
+              </a:ext>
+            </a:extLst>
+          </p:cNvPr>
+          <p:cNvSpPr/>
+          <p:nvPr/>
+        </p:nvSpPr>
+        <p:spPr>
+          <a:xfrm>
+            <a:off x="2682240" y="264160"/>
+            <a:ext cx="6675120" cy="4917439"/>
+          </a:xfrm>
+          <a:prstGeom prst="arc">
+            <a:avLst>
+              <a:gd name="adj1" fmla="val 5750370"/>
+              <a:gd name="adj2" fmla="val 10328801"/>
+            </a:avLst>
+          </a:prstGeom>
+          <a:ln w="76200">
+            <a:headEnd type="arrow" w="med" len="med"/>
+            <a:tailEnd type="none" w="med" len="med"/>
+          </a:ln>
+        </p:spPr>
+        <p:style>
+          <a:lnRef idx="1">
+            <a:schemeClr val="accent1"/>
+          </a:lnRef>
+          <a:fillRef idx="0">
+            <a:schemeClr val="accent1"/>
+          </a:fillRef>
+          <a:effectRef idx="0">
+            <a:schemeClr val="accent1"/>
+          </a:effectRef>
+          <a:fontRef idx="minor">
+            <a:schemeClr val="tx1"/>
+          </a:fontRef>
+        </p:style>
+        <p:txBody>
+          <a:bodyPr rtlCol="0" anchor="ctr"/>
+          <a:lstStyle/>
+          <a:p>
+            <a:pPr algn="ctr"/>
+            <a:endParaRPr lang="en-US"/>
+          </a:p>
+        </p:txBody>
+      </p:sp>
+      <p:sp>
+        <p:nvSpPr>
+          <p:cNvPr id="8" name="TextBox 7">
+            <a:extLst>
+              <a:ext uri="{FF2B5EF4-FFF2-40B4-BE49-F238E27FC236}">
+                <a16:creationId xmlns:a16="http://schemas.microsoft.com/office/drawing/2014/main" id="{515561AF-1DDB-05B1-1DD3-13E82D393962}"/>
+              </a:ext>
+            </a:extLst>
+          </p:cNvPr>
+          <p:cNvSpPr txBox="1"/>
+          <p:nvPr/>
+        </p:nvSpPr>
+        <p:spPr>
+          <a:xfrm>
+            <a:off x="2682240" y="4490720"/>
+            <a:ext cx="1215589" cy="369332"/>
+          </a:xfrm>
+          <a:prstGeom prst="rect">
+            <a:avLst/>
+          </a:prstGeom>
+          <a:noFill/>
+        </p:spPr>
+        <p:txBody>
+          <a:bodyPr wrap="none" rtlCol="0">
+            <a:spAutoFit/>
+          </a:bodyPr>
+          <a:lstStyle/>
+          <a:p>
+            <a:r>
+              <a:rPr lang="en-US" dirty="0"/>
+              <a:t>(Internally)</a:t>
+            </a:r>
+          </a:p>
+        </p:txBody>
+      </p:sp>
+    </p:spTree>
+    <p:extLst>
+      <p:ext uri="{BB962C8B-B14F-4D97-AF65-F5344CB8AC3E}">
+        <p14:creationId xmlns:p14="http://schemas.microsoft.com/office/powerpoint/2010/main" val="2298014278"/>
+      </p:ext>
+    </p:extLst>
+  </p:cSld>
+  <p:clrMapOvr>
+    <a:masterClrMapping/>
+  </p:clrMapOvr>
+</p:sld>
+</file>
+
 <file path=ppt/slides/slide2.xml><?xml version="1.0" encoding="utf-8"?>
 <p:sld xmlns:a="http://schemas.openxmlformats.org/drawingml/2006/main" xmlns:r="http://schemas.openxmlformats.org/officeDocument/2006/relationships" xmlns:p="http://schemas.openxmlformats.org/presentationml/2006/main">
   <p:cSld>
@@ -4684,7 +5989,7 @@
           <a:p>
             <a:r>
               <a:rPr lang="en-US" dirty="0"/>
-              <a:t>Finite difference</a:t>
+              <a:t>Finite differences</a:t>
             </a:r>
           </a:p>
         </p:txBody>
@@ -5462,6 +6767,704 @@
     <p:extLst>
       <p:ext uri="{BB962C8B-B14F-4D97-AF65-F5344CB8AC3E}">
         <p14:creationId xmlns:p14="http://schemas.microsoft.com/office/powerpoint/2010/main" val="2974508663"/>
+      </p:ext>
+    </p:extLst>
+  </p:cSld>
+  <p:clrMapOvr>
+    <a:masterClrMapping/>
+  </p:clrMapOvr>
+</p:sld>
+</file>
+
+<file path=ppt/slides/slide9.xml><?xml version="1.0" encoding="utf-8"?>
+<p:sld xmlns:a="http://schemas.openxmlformats.org/drawingml/2006/main" xmlns:r="http://schemas.openxmlformats.org/officeDocument/2006/relationships" xmlns:p="http://schemas.openxmlformats.org/presentationml/2006/main">
+  <p:cSld>
+    <p:spTree>
+      <p:nvGrpSpPr>
+        <p:cNvPr id="1" name=""/>
+        <p:cNvGrpSpPr/>
+        <p:nvPr/>
+      </p:nvGrpSpPr>
+      <p:grpSpPr>
+        <a:xfrm>
+          <a:off x="0" y="0"/>
+          <a:ext cx="0" cy="0"/>
+          <a:chOff x="0" y="0"/>
+          <a:chExt cx="0" cy="0"/>
+        </a:xfrm>
+      </p:grpSpPr>
+      <p:sp>
+        <p:nvSpPr>
+          <p:cNvPr id="2" name="Title 1">
+            <a:extLst>
+              <a:ext uri="{FF2B5EF4-FFF2-40B4-BE49-F238E27FC236}">
+                <a16:creationId xmlns:a16="http://schemas.microsoft.com/office/drawing/2014/main" id="{D7C30C68-3E1C-3C35-53FA-84B86222F651}"/>
+              </a:ext>
+            </a:extLst>
+          </p:cNvPr>
+          <p:cNvSpPr>
+            <a:spLocks noGrp="1"/>
+          </p:cNvSpPr>
+          <p:nvPr>
+            <p:ph type="title"/>
+          </p:nvPr>
+        </p:nvSpPr>
+        <p:spPr/>
+        <p:txBody>
+          <a:bodyPr/>
+          <a:lstStyle/>
+          <a:p>
+            <a:r>
+              <a:rPr lang="en-US" dirty="0"/>
+              <a:t>Symbolic derivative</a:t>
+            </a:r>
+          </a:p>
+        </p:txBody>
+      </p:sp>
+      <mc:AlternateContent xmlns:mc="http://schemas.openxmlformats.org/markup-compatibility/2006">
+        <mc:Choice xmlns:a14="http://schemas.microsoft.com/office/drawing/2010/main" Requires="a14">
+          <p:sp>
+            <p:nvSpPr>
+              <p:cNvPr id="3" name="Content Placeholder 2">
+                <a:extLst>
+                  <a:ext uri="{FF2B5EF4-FFF2-40B4-BE49-F238E27FC236}">
+                    <a16:creationId xmlns:a16="http://schemas.microsoft.com/office/drawing/2014/main" id="{CBB6C876-67EE-8B31-923A-92F1171D92B1}"/>
+                  </a:ext>
+                </a:extLst>
+              </p:cNvPr>
+              <p:cNvSpPr>
+                <a:spLocks noGrp="1"/>
+              </p:cNvSpPr>
+              <p:nvPr>
+                <p:ph idx="1"/>
+              </p:nvPr>
+            </p:nvSpPr>
+            <p:spPr/>
+            <p:txBody>
+              <a:bodyPr/>
+              <a:lstStyle/>
+              <a:p>
+                <a:pPr marL="0" indent="0">
+                  <a:buNone/>
+                </a:pPr>
+                <a14:m>
+                  <m:oMathPara xmlns:m="http://schemas.openxmlformats.org/officeDocument/2006/math">
+                    <m:oMathParaPr>
+                      <m:jc m:val="center"/>
+                    </m:oMathParaPr>
+                    <m:oMath xmlns:m="http://schemas.openxmlformats.org/officeDocument/2006/math">
+                      <m:r>
+                        <a:rPr lang="en-US" b="0" i="1" smtClean="0">
+                          <a:latin typeface="Cambria Math" panose="02040503050406030204" pitchFamily="18" charset="0"/>
+                        </a:rPr>
+                        <m:t>𝑧</m:t>
+                      </m:r>
+                      <m:d>
+                        <m:dPr>
+                          <m:ctrlPr>
+                            <a:rPr lang="en-US" b="0" i="1" smtClean="0">
+                              <a:latin typeface="Cambria Math" panose="02040503050406030204" pitchFamily="18" charset="0"/>
+                            </a:rPr>
+                          </m:ctrlPr>
+                        </m:dPr>
+                        <m:e>
+                          <m:r>
+                            <a:rPr lang="en-US" b="0" i="1" smtClean="0">
+                              <a:latin typeface="Cambria Math" panose="02040503050406030204" pitchFamily="18" charset="0"/>
+                            </a:rPr>
+                            <m:t>𝑥</m:t>
+                          </m:r>
+                          <m:r>
+                            <a:rPr lang="en-US" b="0" i="1" smtClean="0">
+                              <a:latin typeface="Cambria Math" panose="02040503050406030204" pitchFamily="18" charset="0"/>
+                            </a:rPr>
+                            <m:t>,</m:t>
+                          </m:r>
+                          <m:r>
+                            <a:rPr lang="en-US" b="0" i="1" smtClean="0">
+                              <a:latin typeface="Cambria Math" panose="02040503050406030204" pitchFamily="18" charset="0"/>
+                            </a:rPr>
+                            <m:t>𝑦</m:t>
+                          </m:r>
+                        </m:e>
+                      </m:d>
+                      <m:r>
+                        <a:rPr lang="en-US" b="0" i="1" smtClean="0">
+                          <a:latin typeface="Cambria Math" panose="02040503050406030204" pitchFamily="18" charset="0"/>
+                        </a:rPr>
+                        <m:t>= </m:t>
+                      </m:r>
+                      <m:f>
+                        <m:fPr>
+                          <m:ctrlPr>
+                            <a:rPr lang="en-US" b="0" i="1" smtClean="0">
+                              <a:latin typeface="Cambria Math" panose="02040503050406030204" pitchFamily="18" charset="0"/>
+                            </a:rPr>
+                          </m:ctrlPr>
+                        </m:fPr>
+                        <m:num>
+                          <m:r>
+                            <a:rPr lang="en-US" b="0" i="1" smtClean="0">
+                              <a:latin typeface="Cambria Math" panose="02040503050406030204" pitchFamily="18" charset="0"/>
+                            </a:rPr>
+                            <m:t>𝑥</m:t>
+                          </m:r>
+                        </m:num>
+                        <m:den>
+                          <m:r>
+                            <a:rPr lang="en-US" b="0" i="1" smtClean="0">
+                              <a:latin typeface="Cambria Math" panose="02040503050406030204" pitchFamily="18" charset="0"/>
+                            </a:rPr>
+                            <m:t>𝑦</m:t>
+                          </m:r>
+                        </m:den>
+                      </m:f>
+                      <m:r>
+                        <a:rPr lang="en-US" b="0" i="1" smtClean="0">
+                          <a:latin typeface="Cambria Math" panose="02040503050406030204" pitchFamily="18" charset="0"/>
+                        </a:rPr>
+                        <m:t>+(</m:t>
+                      </m:r>
+                      <m:func>
+                        <m:funcPr>
+                          <m:ctrlPr>
+                            <a:rPr lang="en-US" b="0" i="1" smtClean="0">
+                              <a:latin typeface="Cambria Math" panose="02040503050406030204" pitchFamily="18" charset="0"/>
+                            </a:rPr>
+                          </m:ctrlPr>
+                        </m:funcPr>
+                        <m:fName>
+                          <m:r>
+                            <m:rPr>
+                              <m:sty m:val="p"/>
+                            </m:rPr>
+                            <a:rPr lang="en-US" b="0" i="0" smtClean="0">
+                              <a:latin typeface="Cambria Math" panose="02040503050406030204" pitchFamily="18" charset="0"/>
+                            </a:rPr>
+                            <m:t>cos</m:t>
+                          </m:r>
+                        </m:fName>
+                        <m:e>
+                          <m:r>
+                            <a:rPr lang="en-US" b="0" i="1" smtClean="0">
+                              <a:latin typeface="Cambria Math" panose="02040503050406030204" pitchFamily="18" charset="0"/>
+                            </a:rPr>
+                            <m:t>𝑥</m:t>
+                          </m:r>
+                        </m:e>
+                      </m:func>
+                      <m:r>
+                        <a:rPr lang="en-US" b="0" i="1" smtClean="0">
+                          <a:latin typeface="Cambria Math" panose="02040503050406030204" pitchFamily="18" charset="0"/>
+                        </a:rPr>
+                        <m:t>∗</m:t>
+                      </m:r>
+                      <m:func>
+                        <m:funcPr>
+                          <m:ctrlPr>
+                            <a:rPr lang="en-US" b="0" i="1" smtClean="0">
+                              <a:latin typeface="Cambria Math" panose="02040503050406030204" pitchFamily="18" charset="0"/>
+                            </a:rPr>
+                          </m:ctrlPr>
+                        </m:funcPr>
+                        <m:fName>
+                          <m:r>
+                            <m:rPr>
+                              <m:sty m:val="p"/>
+                            </m:rPr>
+                            <a:rPr lang="en-US" b="0" i="0" smtClean="0">
+                              <a:latin typeface="Cambria Math" panose="02040503050406030204" pitchFamily="18" charset="0"/>
+                            </a:rPr>
+                            <m:t>sin</m:t>
+                          </m:r>
+                        </m:fName>
+                        <m:e>
+                          <m:r>
+                            <a:rPr lang="en-US" b="0" i="1" smtClean="0">
+                              <a:latin typeface="Cambria Math" panose="02040503050406030204" pitchFamily="18" charset="0"/>
+                            </a:rPr>
+                            <m:t>𝑥</m:t>
+                          </m:r>
+                        </m:e>
+                      </m:func>
+                      <m:r>
+                        <a:rPr lang="en-US" b="0" i="1" smtClean="0">
+                          <a:latin typeface="Cambria Math" panose="02040503050406030204" pitchFamily="18" charset="0"/>
+                        </a:rPr>
+                        <m:t>)</m:t>
+                      </m:r>
+                    </m:oMath>
+                  </m:oMathPara>
+                </a14:m>
+                <a:endParaRPr lang="en-US" dirty="0"/>
+              </a:p>
+              <a:p>
+                <a:pPr marL="0" indent="0">
+                  <a:buNone/>
+                </a:pPr>
+                <a:endParaRPr lang="en-US" i="1" dirty="0">
+                  <a:latin typeface="Cambria Math" panose="02040503050406030204" pitchFamily="18" charset="0"/>
+                </a:endParaRPr>
+              </a:p>
+              <a:p>
+                <a:pPr marL="0" indent="0">
+                  <a:buNone/>
+                </a:pPr>
+                <a14:m>
+                  <m:oMathPara xmlns:m="http://schemas.openxmlformats.org/officeDocument/2006/math">
+                    <m:oMathParaPr>
+                      <m:jc m:val="centerGroup"/>
+                    </m:oMathParaPr>
+                    <m:oMath xmlns:m="http://schemas.openxmlformats.org/officeDocument/2006/math">
+                      <m:f>
+                        <m:fPr>
+                          <m:ctrlPr>
+                            <a:rPr lang="en-US" i="1">
+                              <a:latin typeface="Cambria Math" panose="02040503050406030204" pitchFamily="18" charset="0"/>
+                            </a:rPr>
+                          </m:ctrlPr>
+                        </m:fPr>
+                        <m:num>
+                          <m:r>
+                            <a:rPr lang="en-US" i="1">
+                              <a:latin typeface="Cambria Math" panose="02040503050406030204" pitchFamily="18" charset="0"/>
+                            </a:rPr>
+                            <m:t>𝜕</m:t>
+                          </m:r>
+                          <m:r>
+                            <a:rPr lang="en-US" i="1">
+                              <a:latin typeface="Cambria Math" panose="02040503050406030204" pitchFamily="18" charset="0"/>
+                            </a:rPr>
+                            <m:t>𝑧</m:t>
+                          </m:r>
+                        </m:num>
+                        <m:den>
+                          <m:r>
+                            <a:rPr lang="en-US" i="1">
+                              <a:latin typeface="Cambria Math" panose="02040503050406030204" pitchFamily="18" charset="0"/>
+                            </a:rPr>
+                            <m:t>𝜕</m:t>
+                          </m:r>
+                          <m:r>
+                            <a:rPr lang="en-US" i="1">
+                              <a:latin typeface="Cambria Math" panose="02040503050406030204" pitchFamily="18" charset="0"/>
+                            </a:rPr>
+                            <m:t>𝑥</m:t>
+                          </m:r>
+                        </m:den>
+                      </m:f>
+                      <m:r>
+                        <a:rPr lang="en-US" b="0" i="1" smtClean="0">
+                          <a:latin typeface="Cambria Math" panose="02040503050406030204" pitchFamily="18" charset="0"/>
+                        </a:rPr>
+                        <m:t>(</m:t>
+                      </m:r>
+                      <m:r>
+                        <a:rPr lang="en-US" b="0" i="1" smtClean="0">
+                          <a:latin typeface="Cambria Math" panose="02040503050406030204" pitchFamily="18" charset="0"/>
+                        </a:rPr>
+                        <m:t>𝑥</m:t>
+                      </m:r>
+                      <m:r>
+                        <a:rPr lang="en-US" b="0" i="1" smtClean="0">
+                          <a:latin typeface="Cambria Math" panose="02040503050406030204" pitchFamily="18" charset="0"/>
+                        </a:rPr>
+                        <m:t>,</m:t>
+                      </m:r>
+                      <m:r>
+                        <a:rPr lang="en-US" b="0" i="1" smtClean="0">
+                          <a:latin typeface="Cambria Math" panose="02040503050406030204" pitchFamily="18" charset="0"/>
+                        </a:rPr>
+                        <m:t>𝑦</m:t>
+                      </m:r>
+                      <m:r>
+                        <a:rPr lang="en-US" b="0" i="1" smtClean="0">
+                          <a:latin typeface="Cambria Math" panose="02040503050406030204" pitchFamily="18" charset="0"/>
+                        </a:rPr>
+                        <m:t>)= </m:t>
+                      </m:r>
+                      <m:f>
+                        <m:fPr>
+                          <m:ctrlPr>
+                            <a:rPr lang="en-US" i="1">
+                              <a:latin typeface="Cambria Math" panose="02040503050406030204" pitchFamily="18" charset="0"/>
+                            </a:rPr>
+                          </m:ctrlPr>
+                        </m:fPr>
+                        <m:num>
+                          <m:r>
+                            <a:rPr lang="en-US" i="1">
+                              <a:latin typeface="Cambria Math" panose="02040503050406030204" pitchFamily="18" charset="0"/>
+                            </a:rPr>
+                            <m:t>−</m:t>
+                          </m:r>
+                          <m:r>
+                            <a:rPr lang="en-US" i="1">
+                              <a:latin typeface="Cambria Math" panose="02040503050406030204" pitchFamily="18" charset="0"/>
+                            </a:rPr>
+                            <m:t>𝑦</m:t>
+                          </m:r>
+                          <m:r>
+                            <a:rPr lang="en-US" i="1">
+                              <a:latin typeface="Cambria Math" panose="02040503050406030204" pitchFamily="18" charset="0"/>
+                            </a:rPr>
+                            <m:t>∗</m:t>
+                          </m:r>
+                          <m:func>
+                            <m:funcPr>
+                              <m:ctrlPr>
+                                <a:rPr lang="en-US" i="1">
+                                  <a:latin typeface="Cambria Math" panose="02040503050406030204" pitchFamily="18" charset="0"/>
+                                </a:rPr>
+                              </m:ctrlPr>
+                            </m:funcPr>
+                            <m:fName>
+                              <m:r>
+                                <m:rPr>
+                                  <m:sty m:val="p"/>
+                                </m:rPr>
+                                <a:rPr lang="en-US">
+                                  <a:latin typeface="Cambria Math" panose="02040503050406030204" pitchFamily="18" charset="0"/>
+                                </a:rPr>
+                                <m:t>sin</m:t>
+                              </m:r>
+                            </m:fName>
+                            <m:e>
+                              <m:r>
+                                <a:rPr lang="en-US" i="1">
+                                  <a:latin typeface="Cambria Math" panose="02040503050406030204" pitchFamily="18" charset="0"/>
+                                </a:rPr>
+                                <m:t>𝑥</m:t>
+                              </m:r>
+                            </m:e>
+                          </m:func>
+                          <m:r>
+                            <a:rPr lang="en-US" b="0" i="1" smtClean="0">
+                              <a:latin typeface="Cambria Math" panose="02040503050406030204" pitchFamily="18" charset="0"/>
+                            </a:rPr>
+                            <m:t>∗</m:t>
+                          </m:r>
+                          <m:func>
+                            <m:funcPr>
+                              <m:ctrlPr>
+                                <a:rPr lang="en-US" i="1">
+                                  <a:latin typeface="Cambria Math" panose="02040503050406030204" pitchFamily="18" charset="0"/>
+                                </a:rPr>
+                              </m:ctrlPr>
+                            </m:funcPr>
+                            <m:fName>
+                              <m:r>
+                                <m:rPr>
+                                  <m:sty m:val="p"/>
+                                </m:rPr>
+                                <a:rPr lang="en-US">
+                                  <a:latin typeface="Cambria Math" panose="02040503050406030204" pitchFamily="18" charset="0"/>
+                                </a:rPr>
+                                <m:t>sin</m:t>
+                              </m:r>
+                            </m:fName>
+                            <m:e>
+                              <m:r>
+                                <a:rPr lang="en-US" i="1">
+                                  <a:latin typeface="Cambria Math" panose="02040503050406030204" pitchFamily="18" charset="0"/>
+                                </a:rPr>
+                                <m:t>𝑦</m:t>
+                              </m:r>
+                            </m:e>
+                          </m:func>
+                          <m:r>
+                            <a:rPr lang="en-US" i="1">
+                              <a:latin typeface="Cambria Math" panose="02040503050406030204" pitchFamily="18" charset="0"/>
+                            </a:rPr>
+                            <m:t>+1</m:t>
+                          </m:r>
+                        </m:num>
+                        <m:den>
+                          <m:r>
+                            <a:rPr lang="en-US" i="1">
+                              <a:latin typeface="Cambria Math" panose="02040503050406030204" pitchFamily="18" charset="0"/>
+                            </a:rPr>
+                            <m:t>𝑦</m:t>
+                          </m:r>
+                        </m:den>
+                      </m:f>
+                    </m:oMath>
+                  </m:oMathPara>
+                </a14:m>
+                <a:endParaRPr lang="en-US" i="1" dirty="0">
+                  <a:latin typeface="Cambria Math" panose="02040503050406030204" pitchFamily="18" charset="0"/>
+                </a:endParaRPr>
+              </a:p>
+              <a:p>
+                <a:pPr marL="0" indent="0">
+                  <a:buNone/>
+                </a:pPr>
+                <a:endParaRPr lang="en-US" i="1" dirty="0">
+                  <a:latin typeface="Cambria Math" panose="02040503050406030204" pitchFamily="18" charset="0"/>
+                </a:endParaRPr>
+              </a:p>
+              <a:p>
+                <a:pPr marL="0" indent="0">
+                  <a:buNone/>
+                </a:pPr>
+                <a14:m>
+                  <m:oMathPara xmlns:m="http://schemas.openxmlformats.org/officeDocument/2006/math">
+                    <m:oMathParaPr>
+                      <m:jc m:val="centerGroup"/>
+                    </m:oMathParaPr>
+                    <m:oMath xmlns:m="http://schemas.openxmlformats.org/officeDocument/2006/math">
+                      <m:f>
+                        <m:fPr>
+                          <m:ctrlPr>
+                            <a:rPr lang="en-US" i="1">
+                              <a:latin typeface="Cambria Math" panose="02040503050406030204" pitchFamily="18" charset="0"/>
+                            </a:rPr>
+                          </m:ctrlPr>
+                        </m:fPr>
+                        <m:num>
+                          <m:r>
+                            <a:rPr lang="en-US" i="1">
+                              <a:latin typeface="Cambria Math" panose="02040503050406030204" pitchFamily="18" charset="0"/>
+                            </a:rPr>
+                            <m:t>𝜕</m:t>
+                          </m:r>
+                          <m:r>
+                            <a:rPr lang="en-US" i="1">
+                              <a:latin typeface="Cambria Math" panose="02040503050406030204" pitchFamily="18" charset="0"/>
+                            </a:rPr>
+                            <m:t>𝑧</m:t>
+                          </m:r>
+                        </m:num>
+                        <m:den>
+                          <m:r>
+                            <a:rPr lang="en-US" i="1">
+                              <a:latin typeface="Cambria Math" panose="02040503050406030204" pitchFamily="18" charset="0"/>
+                            </a:rPr>
+                            <m:t>𝜕</m:t>
+                          </m:r>
+                          <m:r>
+                            <a:rPr lang="en-US" b="0" i="1" smtClean="0">
+                              <a:latin typeface="Cambria Math" panose="02040503050406030204" pitchFamily="18" charset="0"/>
+                            </a:rPr>
+                            <m:t>𝑦</m:t>
+                          </m:r>
+                        </m:den>
+                      </m:f>
+                      <m:r>
+                        <a:rPr lang="en-US" b="0" i="1" smtClean="0">
+                          <a:latin typeface="Cambria Math" panose="02040503050406030204" pitchFamily="18" charset="0"/>
+                        </a:rPr>
+                        <m:t>(</m:t>
+                      </m:r>
+                      <m:r>
+                        <a:rPr lang="en-US" b="0" i="1" smtClean="0">
+                          <a:latin typeface="Cambria Math" panose="02040503050406030204" pitchFamily="18" charset="0"/>
+                        </a:rPr>
+                        <m:t>𝑥</m:t>
+                      </m:r>
+                      <m:r>
+                        <a:rPr lang="en-US" b="0" i="1" smtClean="0">
+                          <a:latin typeface="Cambria Math" panose="02040503050406030204" pitchFamily="18" charset="0"/>
+                        </a:rPr>
+                        <m:t>,</m:t>
+                      </m:r>
+                      <m:r>
+                        <a:rPr lang="en-US" b="0" i="1" smtClean="0">
+                          <a:latin typeface="Cambria Math" panose="02040503050406030204" pitchFamily="18" charset="0"/>
+                        </a:rPr>
+                        <m:t>𝑦</m:t>
+                      </m:r>
+                      <m:r>
+                        <a:rPr lang="en-US" b="0" i="1" smtClean="0">
+                          <a:latin typeface="Cambria Math" panose="02040503050406030204" pitchFamily="18" charset="0"/>
+                        </a:rPr>
+                        <m:t>)= </m:t>
+                      </m:r>
+                      <m:f>
+                        <m:fPr>
+                          <m:ctrlPr>
+                            <a:rPr lang="en-US" i="1">
+                              <a:latin typeface="Cambria Math" panose="02040503050406030204" pitchFamily="18" charset="0"/>
+                            </a:rPr>
+                          </m:ctrlPr>
+                        </m:fPr>
+                        <m:num>
+                          <m:sSup>
+                            <m:sSupPr>
+                              <m:ctrlPr>
+                                <a:rPr lang="en-US" b="0" i="1" smtClean="0">
+                                  <a:latin typeface="Cambria Math" panose="02040503050406030204" pitchFamily="18" charset="0"/>
+                                </a:rPr>
+                              </m:ctrlPr>
+                            </m:sSupPr>
+                            <m:e>
+                              <m:r>
+                                <a:rPr lang="en-US" i="1">
+                                  <a:latin typeface="Cambria Math" panose="02040503050406030204" pitchFamily="18" charset="0"/>
+                                </a:rPr>
+                                <m:t>𝑦</m:t>
+                              </m:r>
+                            </m:e>
+                            <m:sup>
+                              <m:r>
+                                <a:rPr lang="en-US" b="0" i="1" smtClean="0">
+                                  <a:latin typeface="Cambria Math" panose="02040503050406030204" pitchFamily="18" charset="0"/>
+                                </a:rPr>
+                                <m:t>2</m:t>
+                              </m:r>
+                            </m:sup>
+                          </m:sSup>
+                          <m:r>
+                            <a:rPr lang="en-US" i="1">
+                              <a:latin typeface="Cambria Math" panose="02040503050406030204" pitchFamily="18" charset="0"/>
+                            </a:rPr>
+                            <m:t>∗</m:t>
+                          </m:r>
+                          <m:func>
+                            <m:funcPr>
+                              <m:ctrlPr>
+                                <a:rPr lang="en-US" i="1" smtClean="0">
+                                  <a:latin typeface="Cambria Math" panose="02040503050406030204" pitchFamily="18" charset="0"/>
+                                </a:rPr>
+                              </m:ctrlPr>
+                            </m:funcPr>
+                            <m:fName>
+                              <m:r>
+                                <m:rPr>
+                                  <m:sty m:val="p"/>
+                                </m:rPr>
+                                <a:rPr lang="en-US" i="0" smtClean="0">
+                                  <a:latin typeface="Cambria Math" panose="02040503050406030204" pitchFamily="18" charset="0"/>
+                                </a:rPr>
+                                <m:t>cos</m:t>
+                              </m:r>
+                            </m:fName>
+                            <m:e>
+                              <m:r>
+                                <a:rPr lang="en-US" b="0" i="1" smtClean="0">
+                                  <a:latin typeface="Cambria Math" panose="02040503050406030204" pitchFamily="18" charset="0"/>
+                                </a:rPr>
+                                <m:t>𝑥</m:t>
+                              </m:r>
+                            </m:e>
+                          </m:func>
+                          <m:r>
+                            <a:rPr lang="en-US" b="0" i="1" smtClean="0">
+                              <a:latin typeface="Cambria Math" panose="02040503050406030204" pitchFamily="18" charset="0"/>
+                            </a:rPr>
+                            <m:t>∗</m:t>
+                          </m:r>
+                          <m:func>
+                            <m:funcPr>
+                              <m:ctrlPr>
+                                <a:rPr lang="en-US" b="0" i="1" smtClean="0">
+                                  <a:latin typeface="Cambria Math" panose="02040503050406030204" pitchFamily="18" charset="0"/>
+                                </a:rPr>
+                              </m:ctrlPr>
+                            </m:funcPr>
+                            <m:fName>
+                              <m:r>
+                                <m:rPr>
+                                  <m:sty m:val="p"/>
+                                </m:rPr>
+                                <a:rPr lang="en-US" b="0" i="0" smtClean="0">
+                                  <a:latin typeface="Cambria Math" panose="02040503050406030204" pitchFamily="18" charset="0"/>
+                                </a:rPr>
+                                <m:t>cos</m:t>
+                              </m:r>
+                            </m:fName>
+                            <m:e>
+                              <m:r>
+                                <a:rPr lang="en-US" b="0" i="1" smtClean="0">
+                                  <a:latin typeface="Cambria Math" panose="02040503050406030204" pitchFamily="18" charset="0"/>
+                                </a:rPr>
+                                <m:t>𝑦</m:t>
+                              </m:r>
+                            </m:e>
+                          </m:func>
+                          <m:r>
+                            <a:rPr lang="en-US" b="0" i="1" smtClean="0">
+                              <a:latin typeface="Cambria Math" panose="02040503050406030204" pitchFamily="18" charset="0"/>
+                            </a:rPr>
+                            <m:t>−</m:t>
+                          </m:r>
+                          <m:r>
+                            <a:rPr lang="en-US" b="0" i="1" smtClean="0">
+                              <a:latin typeface="Cambria Math" panose="02040503050406030204" pitchFamily="18" charset="0"/>
+                            </a:rPr>
+                            <m:t>𝑥</m:t>
+                          </m:r>
+                        </m:num>
+                        <m:den>
+                          <m:r>
+                            <a:rPr lang="en-US" i="1">
+                              <a:latin typeface="Cambria Math" panose="02040503050406030204" pitchFamily="18" charset="0"/>
+                            </a:rPr>
+                            <m:t>𝑦</m:t>
+                          </m:r>
+                          <m:r>
+                            <a:rPr lang="en-US" b="0" i="1" smtClean="0">
+                              <a:latin typeface="Cambria Math" panose="02040503050406030204" pitchFamily="18" charset="0"/>
+                            </a:rPr>
+                            <m:t>²</m:t>
+                          </m:r>
+                        </m:den>
+                      </m:f>
+                    </m:oMath>
+                  </m:oMathPara>
+                </a14:m>
+                <a:endParaRPr lang="en-US" dirty="0"/>
+              </a:p>
+              <a:p>
+                <a:endParaRPr lang="en-US" dirty="0"/>
+              </a:p>
+            </p:txBody>
+          </p:sp>
+        </mc:Choice>
+        <mc:Fallback>
+          <p:sp>
+            <p:nvSpPr>
+              <p:cNvPr id="3" name="Content Placeholder 2">
+                <a:extLst>
+                  <a:ext uri="{FF2B5EF4-FFF2-40B4-BE49-F238E27FC236}">
+                    <a16:creationId xmlns:a16="http://schemas.microsoft.com/office/drawing/2014/main" id="{CBB6C876-67EE-8B31-923A-92F1171D92B1}"/>
+                  </a:ext>
+                </a:extLst>
+              </p:cNvPr>
+              <p:cNvSpPr>
+                <a:spLocks noGrp="1" noRot="1" noChangeAspect="1" noMove="1" noResize="1" noEditPoints="1" noAdjustHandles="1" noChangeArrowheads="1" noChangeShapeType="1" noTextEdit="1"/>
+              </p:cNvSpPr>
+              <p:nvPr>
+                <p:ph idx="1"/>
+              </p:nvPr>
+            </p:nvSpPr>
+            <p:spPr>
+              <a:blipFill>
+                <a:blip r:embed="rId2"/>
+                <a:stretch>
+                  <a:fillRect/>
+                </a:stretch>
+              </a:blipFill>
+            </p:spPr>
+            <p:txBody>
+              <a:bodyPr/>
+              <a:lstStyle/>
+              <a:p>
+                <a:r>
+                  <a:rPr lang="en-US">
+                    <a:noFill/>
+                  </a:rPr>
+                  <a:t> </a:t>
+                </a:r>
+              </a:p>
+            </p:txBody>
+          </p:sp>
+        </mc:Fallback>
+      </mc:AlternateContent>
+    </p:spTree>
+    <p:extLst>
+      <p:ext uri="{BB962C8B-B14F-4D97-AF65-F5344CB8AC3E}">
+        <p14:creationId xmlns:p14="http://schemas.microsoft.com/office/powerpoint/2010/main" val="1480223171"/>
       </p:ext>
     </p:extLst>
   </p:cSld>

--- a/Slides_2.pptx
+++ b/Slides_2.pptx
@@ -16,6 +16,8 @@
     <p:sldId id="340" r:id="rId10"/>
     <p:sldId id="344" r:id="rId11"/>
     <p:sldId id="336" r:id="rId12"/>
+    <p:sldId id="337" r:id="rId13"/>
+    <p:sldId id="338" r:id="rId14"/>
   </p:sldIdLst>
   <p:sldSz cx="12192000" cy="6858000"/>
   <p:notesSz cx="6858000" cy="9144000"/>
@@ -4704,6 +4706,1671 @@
     <p:extLst>
       <p:ext uri="{BB962C8B-B14F-4D97-AF65-F5344CB8AC3E}">
         <p14:creationId xmlns:p14="http://schemas.microsoft.com/office/powerpoint/2010/main" val="2298014278"/>
+      </p:ext>
+    </p:extLst>
+  </p:cSld>
+  <p:clrMapOvr>
+    <a:masterClrMapping/>
+  </p:clrMapOvr>
+</p:sld>
+</file>
+
+<file path=ppt/slides/slide12.xml><?xml version="1.0" encoding="utf-8"?>
+<p:sld xmlns:a="http://schemas.openxmlformats.org/drawingml/2006/main" xmlns:r="http://schemas.openxmlformats.org/officeDocument/2006/relationships" xmlns:p="http://schemas.openxmlformats.org/presentationml/2006/main">
+  <p:cSld>
+    <p:spTree>
+      <p:nvGrpSpPr>
+        <p:cNvPr id="1" name=""/>
+        <p:cNvGrpSpPr/>
+        <p:nvPr/>
+      </p:nvGrpSpPr>
+      <p:grpSpPr>
+        <a:xfrm>
+          <a:off x="0" y="0"/>
+          <a:ext cx="0" cy="0"/>
+          <a:chOff x="0" y="0"/>
+          <a:chExt cx="0" cy="0"/>
+        </a:xfrm>
+      </p:grpSpPr>
+      <p:sp>
+        <p:nvSpPr>
+          <p:cNvPr id="2" name="Title 1">
+            <a:extLst>
+              <a:ext uri="{FF2B5EF4-FFF2-40B4-BE49-F238E27FC236}">
+                <a16:creationId xmlns:a16="http://schemas.microsoft.com/office/drawing/2014/main" id="{52CD9344-69B5-7D3A-ED92-381863D5C0EF}"/>
+              </a:ext>
+            </a:extLst>
+          </p:cNvPr>
+          <p:cNvSpPr>
+            <a:spLocks noGrp="1"/>
+          </p:cNvSpPr>
+          <p:nvPr>
+            <p:ph type="title"/>
+          </p:nvPr>
+        </p:nvSpPr>
+        <p:spPr/>
+        <p:txBody>
+          <a:bodyPr/>
+          <a:lstStyle/>
+          <a:p>
+            <a:r>
+              <a:rPr lang="en-US" dirty="0"/>
+              <a:t>Neural network module class</a:t>
+            </a:r>
+          </a:p>
+        </p:txBody>
+      </p:sp>
+      <p:sp>
+        <p:nvSpPr>
+          <p:cNvPr id="3" name="Content Placeholder 2">
+            <a:extLst>
+              <a:ext uri="{FF2B5EF4-FFF2-40B4-BE49-F238E27FC236}">
+                <a16:creationId xmlns:a16="http://schemas.microsoft.com/office/drawing/2014/main" id="{164C61E3-41F3-DB08-F9D5-E6742382278D}"/>
+              </a:ext>
+            </a:extLst>
+          </p:cNvPr>
+          <p:cNvSpPr>
+            <a:spLocks noGrp="1"/>
+          </p:cNvSpPr>
+          <p:nvPr>
+            <p:ph idx="1"/>
+          </p:nvPr>
+        </p:nvSpPr>
+        <p:spPr>
+          <a:solidFill>
+            <a:schemeClr val="tx1"/>
+          </a:solidFill>
+        </p:spPr>
+        <p:txBody>
+          <a:bodyPr>
+            <a:normAutofit fontScale="85000" lnSpcReduction="20000"/>
+          </a:bodyPr>
+          <a:lstStyle/>
+          <a:p>
+            <a:pPr marL="0" indent="0">
+              <a:buNone/>
+            </a:pPr>
+            <a:r>
+              <a:rPr lang="en-US" b="0" dirty="0">
+                <a:solidFill>
+                  <a:srgbClr val="569CD6"/>
+                </a:solidFill>
+                <a:effectLst/>
+                <a:latin typeface="Courier New" panose="02070309020205020404" pitchFamily="49" charset="0"/>
+              </a:rPr>
+              <a:t>class</a:t>
+            </a:r>
+            <a:r>
+              <a:rPr lang="en-US" b="0" dirty="0">
+                <a:solidFill>
+                  <a:srgbClr val="D4D4D4"/>
+                </a:solidFill>
+                <a:effectLst/>
+                <a:latin typeface="Courier New" panose="02070309020205020404" pitchFamily="49" charset="0"/>
+              </a:rPr>
+              <a:t> </a:t>
+            </a:r>
+            <a:r>
+              <a:rPr lang="en-US" b="0" dirty="0" err="1">
+                <a:solidFill>
+                  <a:srgbClr val="4EC9B0"/>
+                </a:solidFill>
+                <a:effectLst/>
+                <a:latin typeface="Courier New" panose="02070309020205020404" pitchFamily="49" charset="0"/>
+              </a:rPr>
+              <a:t>ManualLinearRegression</a:t>
+            </a:r>
+            <a:r>
+              <a:rPr lang="en-US" b="0" dirty="0">
+                <a:solidFill>
+                  <a:srgbClr val="D4D4D4"/>
+                </a:solidFill>
+                <a:effectLst/>
+                <a:latin typeface="Courier New" panose="02070309020205020404" pitchFamily="49" charset="0"/>
+              </a:rPr>
+              <a:t>(</a:t>
+            </a:r>
+            <a:r>
+              <a:rPr lang="en-US" b="0" dirty="0" err="1">
+                <a:solidFill>
+                  <a:srgbClr val="4EC9B0"/>
+                </a:solidFill>
+                <a:effectLst/>
+                <a:latin typeface="Courier New" panose="02070309020205020404" pitchFamily="49" charset="0"/>
+              </a:rPr>
+              <a:t>nn</a:t>
+            </a:r>
+            <a:r>
+              <a:rPr lang="en-US" b="0" dirty="0" err="1">
+                <a:solidFill>
+                  <a:srgbClr val="D4D4D4"/>
+                </a:solidFill>
+                <a:effectLst/>
+                <a:latin typeface="Courier New" panose="02070309020205020404" pitchFamily="49" charset="0"/>
+              </a:rPr>
+              <a:t>.</a:t>
+            </a:r>
+            <a:r>
+              <a:rPr lang="en-US" b="0" dirty="0" err="1">
+                <a:solidFill>
+                  <a:srgbClr val="4EC9B0"/>
+                </a:solidFill>
+                <a:effectLst/>
+                <a:latin typeface="Courier New" panose="02070309020205020404" pitchFamily="49" charset="0"/>
+              </a:rPr>
+              <a:t>Module</a:t>
+            </a:r>
+            <a:r>
+              <a:rPr lang="en-US" b="0" dirty="0">
+                <a:solidFill>
+                  <a:srgbClr val="D4D4D4"/>
+                </a:solidFill>
+                <a:effectLst/>
+                <a:latin typeface="Courier New" panose="02070309020205020404" pitchFamily="49" charset="0"/>
+              </a:rPr>
+              <a:t>)</a:t>
+            </a:r>
+            <a:r>
+              <a:rPr lang="en-US" b="0" dirty="0">
+                <a:solidFill>
+                  <a:srgbClr val="DCDCDC"/>
+                </a:solidFill>
+                <a:effectLst/>
+                <a:latin typeface="Courier New" panose="02070309020205020404" pitchFamily="49" charset="0"/>
+              </a:rPr>
+              <a:t>:</a:t>
+            </a:r>
+            <a:endParaRPr lang="en-US" b="0" dirty="0">
+              <a:solidFill>
+                <a:srgbClr val="D4D4D4"/>
+              </a:solidFill>
+              <a:effectLst/>
+              <a:latin typeface="Courier New" panose="02070309020205020404" pitchFamily="49" charset="0"/>
+            </a:endParaRPr>
+          </a:p>
+          <a:p>
+            <a:pPr marL="0" indent="0">
+              <a:buNone/>
+            </a:pPr>
+            <a:r>
+              <a:rPr lang="en-US" b="0" dirty="0">
+                <a:solidFill>
+                  <a:srgbClr val="D4D4D4"/>
+                </a:solidFill>
+                <a:effectLst/>
+                <a:latin typeface="Courier New" panose="02070309020205020404" pitchFamily="49" charset="0"/>
+              </a:rPr>
+              <a:t>    </a:t>
+            </a:r>
+            <a:r>
+              <a:rPr lang="en-US" b="0" dirty="0">
+                <a:solidFill>
+                  <a:srgbClr val="569CD6"/>
+                </a:solidFill>
+                <a:effectLst/>
+                <a:latin typeface="Courier New" panose="02070309020205020404" pitchFamily="49" charset="0"/>
+              </a:rPr>
+              <a:t>def</a:t>
+            </a:r>
+            <a:r>
+              <a:rPr lang="en-US" b="0" dirty="0">
+                <a:solidFill>
+                  <a:srgbClr val="D4D4D4"/>
+                </a:solidFill>
+                <a:effectLst/>
+                <a:latin typeface="Courier New" panose="02070309020205020404" pitchFamily="49" charset="0"/>
+              </a:rPr>
+              <a:t> </a:t>
+            </a:r>
+            <a:r>
+              <a:rPr lang="en-US" b="0" dirty="0">
+                <a:solidFill>
+                  <a:srgbClr val="DCDCAA"/>
+                </a:solidFill>
+                <a:effectLst/>
+                <a:latin typeface="Courier New" panose="02070309020205020404" pitchFamily="49" charset="0"/>
+              </a:rPr>
+              <a:t>__</a:t>
+            </a:r>
+            <a:r>
+              <a:rPr lang="en-US" b="0" dirty="0" err="1">
+                <a:solidFill>
+                  <a:srgbClr val="DCDCAA"/>
+                </a:solidFill>
+                <a:effectLst/>
+                <a:latin typeface="Courier New" panose="02070309020205020404" pitchFamily="49" charset="0"/>
+              </a:rPr>
+              <a:t>init</a:t>
+            </a:r>
+            <a:r>
+              <a:rPr lang="en-US" b="0" dirty="0">
+                <a:solidFill>
+                  <a:srgbClr val="DCDCAA"/>
+                </a:solidFill>
+                <a:effectLst/>
+                <a:latin typeface="Courier New" panose="02070309020205020404" pitchFamily="49" charset="0"/>
+              </a:rPr>
+              <a:t>__</a:t>
+            </a:r>
+            <a:r>
+              <a:rPr lang="en-US" b="0" dirty="0">
+                <a:solidFill>
+                  <a:srgbClr val="D4D4D4"/>
+                </a:solidFill>
+                <a:effectLst/>
+                <a:latin typeface="Courier New" panose="02070309020205020404" pitchFamily="49" charset="0"/>
+              </a:rPr>
+              <a:t>(</a:t>
+            </a:r>
+            <a:r>
+              <a:rPr lang="en-US" b="0" dirty="0">
+                <a:solidFill>
+                  <a:srgbClr val="9CDCFE"/>
+                </a:solidFill>
+                <a:effectLst/>
+                <a:latin typeface="Courier New" panose="02070309020205020404" pitchFamily="49" charset="0"/>
+              </a:rPr>
+              <a:t>self</a:t>
+            </a:r>
+            <a:r>
+              <a:rPr lang="en-US" b="0" dirty="0">
+                <a:solidFill>
+                  <a:srgbClr val="D4D4D4"/>
+                </a:solidFill>
+                <a:effectLst/>
+                <a:latin typeface="Courier New" panose="02070309020205020404" pitchFamily="49" charset="0"/>
+              </a:rPr>
+              <a:t>)</a:t>
+            </a:r>
+            <a:r>
+              <a:rPr lang="en-US" b="0" dirty="0">
+                <a:solidFill>
+                  <a:srgbClr val="DCDCDC"/>
+                </a:solidFill>
+                <a:effectLst/>
+                <a:latin typeface="Courier New" panose="02070309020205020404" pitchFamily="49" charset="0"/>
+              </a:rPr>
+              <a:t>:</a:t>
+            </a:r>
+            <a:endParaRPr lang="en-US" b="0" dirty="0">
+              <a:solidFill>
+                <a:srgbClr val="D4D4D4"/>
+              </a:solidFill>
+              <a:effectLst/>
+              <a:latin typeface="Courier New" panose="02070309020205020404" pitchFamily="49" charset="0"/>
+            </a:endParaRPr>
+          </a:p>
+          <a:p>
+            <a:pPr marL="0" indent="0">
+              <a:buNone/>
+            </a:pPr>
+            <a:r>
+              <a:rPr lang="en-US" b="0" dirty="0">
+                <a:solidFill>
+                  <a:srgbClr val="D4D4D4"/>
+                </a:solidFill>
+                <a:effectLst/>
+                <a:latin typeface="Courier New" panose="02070309020205020404" pitchFamily="49" charset="0"/>
+              </a:rPr>
+              <a:t>        super</a:t>
+            </a:r>
+            <a:r>
+              <a:rPr lang="en-US" b="0" dirty="0">
+                <a:solidFill>
+                  <a:srgbClr val="DCDCDC"/>
+                </a:solidFill>
+                <a:effectLst/>
+                <a:latin typeface="Courier New" panose="02070309020205020404" pitchFamily="49" charset="0"/>
+              </a:rPr>
+              <a:t>()</a:t>
+            </a:r>
+            <a:r>
+              <a:rPr lang="en-US" b="0" dirty="0">
+                <a:solidFill>
+                  <a:srgbClr val="D4D4D4"/>
+                </a:solidFill>
+                <a:effectLst/>
+                <a:latin typeface="Courier New" panose="02070309020205020404" pitchFamily="49" charset="0"/>
+              </a:rPr>
+              <a:t>.</a:t>
+            </a:r>
+            <a:r>
+              <a:rPr lang="en-US" b="0" dirty="0">
+                <a:solidFill>
+                  <a:srgbClr val="DCDCAA"/>
+                </a:solidFill>
+                <a:effectLst/>
+                <a:latin typeface="Courier New" panose="02070309020205020404" pitchFamily="49" charset="0"/>
+              </a:rPr>
+              <a:t>__</a:t>
+            </a:r>
+            <a:r>
+              <a:rPr lang="en-US" b="0" dirty="0" err="1">
+                <a:solidFill>
+                  <a:srgbClr val="DCDCAA"/>
+                </a:solidFill>
+                <a:effectLst/>
+                <a:latin typeface="Courier New" panose="02070309020205020404" pitchFamily="49" charset="0"/>
+              </a:rPr>
+              <a:t>init</a:t>
+            </a:r>
+            <a:r>
+              <a:rPr lang="en-US" b="0" dirty="0">
+                <a:solidFill>
+                  <a:srgbClr val="DCDCAA"/>
+                </a:solidFill>
+                <a:effectLst/>
+                <a:latin typeface="Courier New" panose="02070309020205020404" pitchFamily="49" charset="0"/>
+              </a:rPr>
+              <a:t>__</a:t>
+            </a:r>
+            <a:r>
+              <a:rPr lang="en-US" b="0" dirty="0">
+                <a:solidFill>
+                  <a:srgbClr val="DCDCDC"/>
+                </a:solidFill>
+                <a:effectLst/>
+                <a:latin typeface="Courier New" panose="02070309020205020404" pitchFamily="49" charset="0"/>
+              </a:rPr>
+              <a:t>()</a:t>
+            </a:r>
+            <a:endParaRPr lang="en-US" b="0" dirty="0">
+              <a:solidFill>
+                <a:srgbClr val="D4D4D4"/>
+              </a:solidFill>
+              <a:effectLst/>
+              <a:latin typeface="Courier New" panose="02070309020205020404" pitchFamily="49" charset="0"/>
+            </a:endParaRPr>
+          </a:p>
+          <a:p>
+            <a:pPr marL="0" indent="0">
+              <a:buNone/>
+            </a:pPr>
+            <a:r>
+              <a:rPr lang="en-US" b="0" dirty="0">
+                <a:solidFill>
+                  <a:srgbClr val="D4D4D4"/>
+                </a:solidFill>
+                <a:effectLst/>
+                <a:latin typeface="Courier New" panose="02070309020205020404" pitchFamily="49" charset="0"/>
+              </a:rPr>
+              <a:t>        </a:t>
+            </a:r>
+            <a:r>
+              <a:rPr lang="en-US" b="0" dirty="0">
+                <a:solidFill>
+                  <a:srgbClr val="6AA94F"/>
+                </a:solidFill>
+                <a:effectLst/>
+                <a:latin typeface="Courier New" panose="02070309020205020404" pitchFamily="49" charset="0"/>
+              </a:rPr>
+              <a:t># initialize here your neural network</a:t>
+            </a:r>
+          </a:p>
+          <a:p>
+            <a:pPr marL="0" indent="0">
+              <a:buNone/>
+            </a:pPr>
+            <a:r>
+              <a:rPr lang="en-US" dirty="0">
+                <a:solidFill>
+                  <a:srgbClr val="6AA94F"/>
+                </a:solidFill>
+                <a:latin typeface="Courier New" panose="02070309020205020404" pitchFamily="49" charset="0"/>
+              </a:rPr>
+              <a:t>        # </a:t>
+            </a:r>
+            <a:r>
+              <a:rPr lang="en-US" b="0" dirty="0">
+                <a:solidFill>
+                  <a:srgbClr val="6AA94F"/>
+                </a:solidFill>
+                <a:effectLst/>
+                <a:latin typeface="Courier New" panose="02070309020205020404" pitchFamily="49" charset="0"/>
+              </a:rPr>
+              <a:t>(define its layers, </a:t>
+            </a:r>
+            <a:r>
+              <a:rPr lang="en-US" b="0" dirty="0" err="1">
+                <a:solidFill>
+                  <a:srgbClr val="6AA94F"/>
+                </a:solidFill>
+                <a:effectLst/>
+                <a:latin typeface="Courier New" panose="02070309020205020404" pitchFamily="49" charset="0"/>
+              </a:rPr>
+              <a:t>etc</a:t>
+            </a:r>
+            <a:r>
+              <a:rPr lang="en-US" b="0" dirty="0">
+                <a:solidFill>
+                  <a:srgbClr val="6AA94F"/>
+                </a:solidFill>
+                <a:effectLst/>
+                <a:latin typeface="Courier New" panose="02070309020205020404" pitchFamily="49" charset="0"/>
+              </a:rPr>
+              <a:t>…)</a:t>
+            </a:r>
+          </a:p>
+          <a:p>
+            <a:pPr marL="0" indent="0">
+              <a:buNone/>
+            </a:pPr>
+            <a:r>
+              <a:rPr lang="en-US" dirty="0">
+                <a:solidFill>
+                  <a:srgbClr val="D4D4D4"/>
+                </a:solidFill>
+                <a:latin typeface="Courier New" panose="02070309020205020404" pitchFamily="49" charset="0"/>
+              </a:rPr>
+              <a:t>        […]</a:t>
+            </a:r>
+            <a:endParaRPr lang="en-US" b="0" dirty="0">
+              <a:solidFill>
+                <a:srgbClr val="D4D4D4"/>
+              </a:solidFill>
+              <a:effectLst/>
+              <a:latin typeface="Courier New" panose="02070309020205020404" pitchFamily="49" charset="0"/>
+            </a:endParaRPr>
+          </a:p>
+          <a:p>
+            <a:pPr marL="0" indent="0">
+              <a:buNone/>
+            </a:pPr>
+            <a:r>
+              <a:rPr lang="en-US" b="0" dirty="0">
+                <a:solidFill>
+                  <a:srgbClr val="D4D4D4"/>
+                </a:solidFill>
+                <a:effectLst/>
+                <a:latin typeface="Courier New" panose="02070309020205020404" pitchFamily="49" charset="0"/>
+              </a:rPr>
+              <a:t>        </a:t>
+            </a:r>
+          </a:p>
+          <a:p>
+            <a:pPr marL="0" indent="0">
+              <a:buNone/>
+            </a:pPr>
+            <a:r>
+              <a:rPr lang="en-US" b="0" dirty="0">
+                <a:solidFill>
+                  <a:srgbClr val="D4D4D4"/>
+                </a:solidFill>
+                <a:effectLst/>
+                <a:latin typeface="Courier New" panose="02070309020205020404" pitchFamily="49" charset="0"/>
+              </a:rPr>
+              <a:t>    </a:t>
+            </a:r>
+            <a:r>
+              <a:rPr lang="en-US" b="0" dirty="0">
+                <a:solidFill>
+                  <a:srgbClr val="569CD6"/>
+                </a:solidFill>
+                <a:effectLst/>
+                <a:latin typeface="Courier New" panose="02070309020205020404" pitchFamily="49" charset="0"/>
+              </a:rPr>
+              <a:t>def</a:t>
+            </a:r>
+            <a:r>
+              <a:rPr lang="en-US" b="0" dirty="0">
+                <a:solidFill>
+                  <a:srgbClr val="D4D4D4"/>
+                </a:solidFill>
+                <a:effectLst/>
+                <a:latin typeface="Courier New" panose="02070309020205020404" pitchFamily="49" charset="0"/>
+              </a:rPr>
+              <a:t> </a:t>
+            </a:r>
+            <a:r>
+              <a:rPr lang="en-US" b="0" dirty="0">
+                <a:solidFill>
+                  <a:srgbClr val="DCDCAA"/>
+                </a:solidFill>
+                <a:effectLst/>
+                <a:latin typeface="Courier New" panose="02070309020205020404" pitchFamily="49" charset="0"/>
+              </a:rPr>
+              <a:t>forward</a:t>
+            </a:r>
+            <a:r>
+              <a:rPr lang="en-US" b="0" dirty="0">
+                <a:solidFill>
+                  <a:srgbClr val="D4D4D4"/>
+                </a:solidFill>
+                <a:effectLst/>
+                <a:latin typeface="Courier New" panose="02070309020205020404" pitchFamily="49" charset="0"/>
+              </a:rPr>
+              <a:t>(</a:t>
+            </a:r>
+            <a:r>
+              <a:rPr lang="en-US" b="0" dirty="0">
+                <a:solidFill>
+                  <a:srgbClr val="9CDCFE"/>
+                </a:solidFill>
+                <a:effectLst/>
+                <a:latin typeface="Courier New" panose="02070309020205020404" pitchFamily="49" charset="0"/>
+              </a:rPr>
+              <a:t>self</a:t>
+            </a:r>
+            <a:r>
+              <a:rPr lang="en-US" b="0" dirty="0">
+                <a:solidFill>
+                  <a:srgbClr val="D4D4D4"/>
+                </a:solidFill>
+                <a:effectLst/>
+                <a:latin typeface="Courier New" panose="02070309020205020404" pitchFamily="49" charset="0"/>
+              </a:rPr>
+              <a:t>, </a:t>
+            </a:r>
+            <a:r>
+              <a:rPr lang="en-US" b="0" dirty="0">
+                <a:solidFill>
+                  <a:srgbClr val="9CDCFE"/>
+                </a:solidFill>
+                <a:effectLst/>
+                <a:latin typeface="Courier New" panose="02070309020205020404" pitchFamily="49" charset="0"/>
+              </a:rPr>
+              <a:t>x</a:t>
+            </a:r>
+            <a:r>
+              <a:rPr lang="en-US" b="0" dirty="0">
+                <a:solidFill>
+                  <a:srgbClr val="D4D4D4"/>
+                </a:solidFill>
+                <a:effectLst/>
+                <a:latin typeface="Courier New" panose="02070309020205020404" pitchFamily="49" charset="0"/>
+              </a:rPr>
+              <a:t>)</a:t>
+            </a:r>
+            <a:r>
+              <a:rPr lang="en-US" b="0" dirty="0">
+                <a:solidFill>
+                  <a:srgbClr val="DCDCDC"/>
+                </a:solidFill>
+                <a:effectLst/>
+                <a:latin typeface="Courier New" panose="02070309020205020404" pitchFamily="49" charset="0"/>
+              </a:rPr>
+              <a:t>:</a:t>
+            </a:r>
+            <a:endParaRPr lang="en-US" b="0" dirty="0">
+              <a:solidFill>
+                <a:srgbClr val="D4D4D4"/>
+              </a:solidFill>
+              <a:effectLst/>
+              <a:latin typeface="Courier New" panose="02070309020205020404" pitchFamily="49" charset="0"/>
+            </a:endParaRPr>
+          </a:p>
+          <a:p>
+            <a:pPr marL="0" indent="0">
+              <a:buNone/>
+            </a:pPr>
+            <a:r>
+              <a:rPr lang="en-US" b="0" dirty="0">
+                <a:solidFill>
+                  <a:srgbClr val="D4D4D4"/>
+                </a:solidFill>
+                <a:effectLst/>
+                <a:latin typeface="Courier New" panose="02070309020205020404" pitchFamily="49" charset="0"/>
+              </a:rPr>
+              <a:t>        </a:t>
+            </a:r>
+            <a:r>
+              <a:rPr lang="en-US" b="0" dirty="0">
+                <a:solidFill>
+                  <a:srgbClr val="6AA94F"/>
+                </a:solidFill>
+                <a:effectLst/>
+                <a:latin typeface="Courier New" panose="02070309020205020404" pitchFamily="49" charset="0"/>
+              </a:rPr>
+              <a:t># computes the outputs / predictions</a:t>
+            </a:r>
+          </a:p>
+          <a:p>
+            <a:pPr marL="0" indent="0">
+              <a:buNone/>
+            </a:pPr>
+            <a:r>
+              <a:rPr lang="en-US" dirty="0">
+                <a:solidFill>
+                  <a:srgbClr val="D4D4D4"/>
+                </a:solidFill>
+                <a:latin typeface="Courier New" panose="02070309020205020404" pitchFamily="49" charset="0"/>
+              </a:rPr>
+              <a:t>        […]</a:t>
+            </a:r>
+            <a:endParaRPr lang="en-US" b="0" dirty="0">
+              <a:solidFill>
+                <a:srgbClr val="D4D4D4"/>
+              </a:solidFill>
+              <a:effectLst/>
+              <a:latin typeface="Courier New" panose="02070309020205020404" pitchFamily="49" charset="0"/>
+            </a:endParaRPr>
+          </a:p>
+          <a:p>
+            <a:pPr marL="0" indent="0">
+              <a:buNone/>
+            </a:pPr>
+            <a:r>
+              <a:rPr lang="en-US" b="0" dirty="0">
+                <a:solidFill>
+                  <a:srgbClr val="D4D4D4"/>
+                </a:solidFill>
+                <a:effectLst/>
+                <a:latin typeface="Courier New" panose="02070309020205020404" pitchFamily="49" charset="0"/>
+              </a:rPr>
+              <a:t>        </a:t>
+            </a:r>
+            <a:r>
+              <a:rPr lang="en-US" b="0" dirty="0">
+                <a:solidFill>
+                  <a:srgbClr val="C586C0"/>
+                </a:solidFill>
+                <a:effectLst/>
+                <a:latin typeface="Courier New" panose="02070309020205020404" pitchFamily="49" charset="0"/>
+              </a:rPr>
+              <a:t>return</a:t>
+            </a:r>
+            <a:r>
+              <a:rPr lang="en-US" b="0" dirty="0">
+                <a:solidFill>
+                  <a:srgbClr val="D4D4D4"/>
+                </a:solidFill>
+                <a:effectLst/>
+                <a:latin typeface="Courier New" panose="02070309020205020404" pitchFamily="49" charset="0"/>
+              </a:rPr>
+              <a:t> …</a:t>
+            </a:r>
+            <a:endParaRPr lang="en-US" dirty="0"/>
+          </a:p>
+        </p:txBody>
+      </p:sp>
+    </p:spTree>
+    <p:extLst>
+      <p:ext uri="{BB962C8B-B14F-4D97-AF65-F5344CB8AC3E}">
+        <p14:creationId xmlns:p14="http://schemas.microsoft.com/office/powerpoint/2010/main" val="4057165089"/>
+      </p:ext>
+    </p:extLst>
+  </p:cSld>
+  <p:clrMapOvr>
+    <a:masterClrMapping/>
+  </p:clrMapOvr>
+</p:sld>
+</file>
+
+<file path=ppt/slides/slide13.xml><?xml version="1.0" encoding="utf-8"?>
+<p:sld xmlns:a="http://schemas.openxmlformats.org/drawingml/2006/main" xmlns:r="http://schemas.openxmlformats.org/officeDocument/2006/relationships" xmlns:p="http://schemas.openxmlformats.org/presentationml/2006/main">
+  <p:cSld>
+    <p:spTree>
+      <p:nvGrpSpPr>
+        <p:cNvPr id="1" name=""/>
+        <p:cNvGrpSpPr/>
+        <p:nvPr/>
+      </p:nvGrpSpPr>
+      <p:grpSpPr>
+        <a:xfrm>
+          <a:off x="0" y="0"/>
+          <a:ext cx="0" cy="0"/>
+          <a:chOff x="0" y="0"/>
+          <a:chExt cx="0" cy="0"/>
+        </a:xfrm>
+      </p:grpSpPr>
+      <p:sp>
+        <p:nvSpPr>
+          <p:cNvPr id="2" name="Title 1">
+            <a:extLst>
+              <a:ext uri="{FF2B5EF4-FFF2-40B4-BE49-F238E27FC236}">
+                <a16:creationId xmlns:a16="http://schemas.microsoft.com/office/drawing/2014/main" id="{74D77390-6A0D-72B9-0872-A2BEC199BC9D}"/>
+              </a:ext>
+            </a:extLst>
+          </p:cNvPr>
+          <p:cNvSpPr>
+            <a:spLocks noGrp="1"/>
+          </p:cNvSpPr>
+          <p:nvPr>
+            <p:ph type="title"/>
+          </p:nvPr>
+        </p:nvSpPr>
+        <p:spPr/>
+        <p:txBody>
+          <a:bodyPr/>
+          <a:lstStyle/>
+          <a:p>
+            <a:r>
+              <a:rPr lang="en-US" dirty="0"/>
+              <a:t>Neural network module class: an example</a:t>
+            </a:r>
+          </a:p>
+        </p:txBody>
+      </p:sp>
+      <p:sp>
+        <p:nvSpPr>
+          <p:cNvPr id="3" name="Content Placeholder 2">
+            <a:extLst>
+              <a:ext uri="{FF2B5EF4-FFF2-40B4-BE49-F238E27FC236}">
+                <a16:creationId xmlns:a16="http://schemas.microsoft.com/office/drawing/2014/main" id="{BA99F8B3-A40C-E27A-104C-5C950ADEAEE9}"/>
+              </a:ext>
+            </a:extLst>
+          </p:cNvPr>
+          <p:cNvSpPr>
+            <a:spLocks noGrp="1"/>
+          </p:cNvSpPr>
+          <p:nvPr>
+            <p:ph idx="1"/>
+          </p:nvPr>
+        </p:nvSpPr>
+        <p:spPr>
+          <a:solidFill>
+            <a:schemeClr val="tx1"/>
+          </a:solidFill>
+        </p:spPr>
+        <p:txBody>
+          <a:bodyPr>
+            <a:normAutofit fontScale="85000" lnSpcReduction="20000"/>
+          </a:bodyPr>
+          <a:lstStyle/>
+          <a:p>
+            <a:pPr marL="0" indent="0">
+              <a:buNone/>
+            </a:pPr>
+            <a:r>
+              <a:rPr lang="en-US" b="0" dirty="0">
+                <a:solidFill>
+                  <a:srgbClr val="569CD6"/>
+                </a:solidFill>
+                <a:effectLst/>
+                <a:latin typeface="Courier New" panose="02070309020205020404" pitchFamily="49" charset="0"/>
+              </a:rPr>
+              <a:t>class</a:t>
+            </a:r>
+            <a:r>
+              <a:rPr lang="en-US" b="0" dirty="0">
+                <a:solidFill>
+                  <a:srgbClr val="D4D4D4"/>
+                </a:solidFill>
+                <a:effectLst/>
+                <a:latin typeface="Courier New" panose="02070309020205020404" pitchFamily="49" charset="0"/>
+              </a:rPr>
+              <a:t> </a:t>
+            </a:r>
+            <a:r>
+              <a:rPr lang="en-US" b="0" dirty="0">
+                <a:solidFill>
+                  <a:srgbClr val="4EC9B0"/>
+                </a:solidFill>
+                <a:effectLst/>
+                <a:latin typeface="Courier New" panose="02070309020205020404" pitchFamily="49" charset="0"/>
+              </a:rPr>
+              <a:t>Net</a:t>
+            </a:r>
+            <a:r>
+              <a:rPr lang="en-US" b="0" dirty="0">
+                <a:solidFill>
+                  <a:srgbClr val="D4D4D4"/>
+                </a:solidFill>
+                <a:effectLst/>
+                <a:latin typeface="Courier New" panose="02070309020205020404" pitchFamily="49" charset="0"/>
+              </a:rPr>
+              <a:t>(</a:t>
+            </a:r>
+            <a:r>
+              <a:rPr lang="en-US" b="0" dirty="0" err="1">
+                <a:solidFill>
+                  <a:srgbClr val="4EC9B0"/>
+                </a:solidFill>
+                <a:effectLst/>
+                <a:latin typeface="Courier New" panose="02070309020205020404" pitchFamily="49" charset="0"/>
+              </a:rPr>
+              <a:t>nn</a:t>
+            </a:r>
+            <a:r>
+              <a:rPr lang="en-US" b="0" dirty="0" err="1">
+                <a:solidFill>
+                  <a:srgbClr val="D4D4D4"/>
+                </a:solidFill>
+                <a:effectLst/>
+                <a:latin typeface="Courier New" panose="02070309020205020404" pitchFamily="49" charset="0"/>
+              </a:rPr>
+              <a:t>.</a:t>
+            </a:r>
+            <a:r>
+              <a:rPr lang="en-US" b="0" dirty="0" err="1">
+                <a:solidFill>
+                  <a:srgbClr val="4EC9B0"/>
+                </a:solidFill>
+                <a:effectLst/>
+                <a:latin typeface="Courier New" panose="02070309020205020404" pitchFamily="49" charset="0"/>
+              </a:rPr>
+              <a:t>Module</a:t>
+            </a:r>
+            <a:r>
+              <a:rPr lang="en-US" b="0" dirty="0">
+                <a:solidFill>
+                  <a:srgbClr val="D4D4D4"/>
+                </a:solidFill>
+                <a:effectLst/>
+                <a:latin typeface="Courier New" panose="02070309020205020404" pitchFamily="49" charset="0"/>
+              </a:rPr>
+              <a:t>)</a:t>
+            </a:r>
+            <a:r>
+              <a:rPr lang="en-US" b="0" dirty="0">
+                <a:solidFill>
+                  <a:srgbClr val="DCDCDC"/>
+                </a:solidFill>
+                <a:effectLst/>
+                <a:latin typeface="Courier New" panose="02070309020205020404" pitchFamily="49" charset="0"/>
+              </a:rPr>
+              <a:t>:</a:t>
+            </a:r>
+            <a:endParaRPr lang="en-US" b="0" dirty="0">
+              <a:solidFill>
+                <a:srgbClr val="D4D4D4"/>
+              </a:solidFill>
+              <a:effectLst/>
+              <a:latin typeface="Courier New" panose="02070309020205020404" pitchFamily="49" charset="0"/>
+            </a:endParaRPr>
+          </a:p>
+          <a:p>
+            <a:pPr marL="0" indent="0">
+              <a:buNone/>
+            </a:pPr>
+            <a:r>
+              <a:rPr lang="en-US" b="0" dirty="0">
+                <a:solidFill>
+                  <a:srgbClr val="D4D4D4"/>
+                </a:solidFill>
+                <a:effectLst/>
+                <a:latin typeface="Courier New" panose="02070309020205020404" pitchFamily="49" charset="0"/>
+              </a:rPr>
+              <a:t>    </a:t>
+            </a:r>
+            <a:r>
+              <a:rPr lang="en-US" b="0" dirty="0">
+                <a:solidFill>
+                  <a:srgbClr val="569CD6"/>
+                </a:solidFill>
+                <a:effectLst/>
+                <a:latin typeface="Courier New" panose="02070309020205020404" pitchFamily="49" charset="0"/>
+              </a:rPr>
+              <a:t>def</a:t>
+            </a:r>
+            <a:r>
+              <a:rPr lang="en-US" b="0" dirty="0">
+                <a:solidFill>
+                  <a:srgbClr val="D4D4D4"/>
+                </a:solidFill>
+                <a:effectLst/>
+                <a:latin typeface="Courier New" panose="02070309020205020404" pitchFamily="49" charset="0"/>
+              </a:rPr>
+              <a:t> </a:t>
+            </a:r>
+            <a:r>
+              <a:rPr lang="en-US" b="0" dirty="0">
+                <a:solidFill>
+                  <a:srgbClr val="DCDCAA"/>
+                </a:solidFill>
+                <a:effectLst/>
+                <a:latin typeface="Courier New" panose="02070309020205020404" pitchFamily="49" charset="0"/>
+              </a:rPr>
+              <a:t>__</a:t>
+            </a:r>
+            <a:r>
+              <a:rPr lang="en-US" b="0" dirty="0" err="1">
+                <a:solidFill>
+                  <a:srgbClr val="DCDCAA"/>
+                </a:solidFill>
+                <a:effectLst/>
+                <a:latin typeface="Courier New" panose="02070309020205020404" pitchFamily="49" charset="0"/>
+              </a:rPr>
+              <a:t>init</a:t>
+            </a:r>
+            <a:r>
+              <a:rPr lang="en-US" b="0" dirty="0">
+                <a:solidFill>
+                  <a:srgbClr val="DCDCAA"/>
+                </a:solidFill>
+                <a:effectLst/>
+                <a:latin typeface="Courier New" panose="02070309020205020404" pitchFamily="49" charset="0"/>
+              </a:rPr>
+              <a:t>__</a:t>
+            </a:r>
+            <a:r>
+              <a:rPr lang="en-US" b="0" dirty="0">
+                <a:solidFill>
+                  <a:srgbClr val="D4D4D4"/>
+                </a:solidFill>
+                <a:effectLst/>
+                <a:latin typeface="Courier New" panose="02070309020205020404" pitchFamily="49" charset="0"/>
+              </a:rPr>
+              <a:t>(</a:t>
+            </a:r>
+            <a:r>
+              <a:rPr lang="en-US" b="0" dirty="0">
+                <a:solidFill>
+                  <a:srgbClr val="9CDCFE"/>
+                </a:solidFill>
+                <a:effectLst/>
+                <a:latin typeface="Courier New" panose="02070309020205020404" pitchFamily="49" charset="0"/>
+              </a:rPr>
+              <a:t>self</a:t>
+            </a:r>
+            <a:r>
+              <a:rPr lang="en-US" b="0" dirty="0">
+                <a:solidFill>
+                  <a:srgbClr val="D4D4D4"/>
+                </a:solidFill>
+                <a:effectLst/>
+                <a:latin typeface="Courier New" panose="02070309020205020404" pitchFamily="49" charset="0"/>
+              </a:rPr>
+              <a:t>)</a:t>
+            </a:r>
+            <a:r>
+              <a:rPr lang="en-US" b="0" dirty="0">
+                <a:solidFill>
+                  <a:srgbClr val="DCDCDC"/>
+                </a:solidFill>
+                <a:effectLst/>
+                <a:latin typeface="Courier New" panose="02070309020205020404" pitchFamily="49" charset="0"/>
+              </a:rPr>
+              <a:t>:</a:t>
+            </a:r>
+            <a:endParaRPr lang="en-US" b="0" dirty="0">
+              <a:solidFill>
+                <a:srgbClr val="D4D4D4"/>
+              </a:solidFill>
+              <a:effectLst/>
+              <a:latin typeface="Courier New" panose="02070309020205020404" pitchFamily="49" charset="0"/>
+            </a:endParaRPr>
+          </a:p>
+          <a:p>
+            <a:pPr marL="0" indent="0">
+              <a:buNone/>
+            </a:pPr>
+            <a:r>
+              <a:rPr lang="en-US" b="0" dirty="0">
+                <a:solidFill>
+                  <a:srgbClr val="D4D4D4"/>
+                </a:solidFill>
+                <a:effectLst/>
+                <a:latin typeface="Courier New" panose="02070309020205020404" pitchFamily="49" charset="0"/>
+              </a:rPr>
+              <a:t>        super</a:t>
+            </a:r>
+            <a:r>
+              <a:rPr lang="en-US" b="0" dirty="0">
+                <a:solidFill>
+                  <a:srgbClr val="DCDCDC"/>
+                </a:solidFill>
+                <a:effectLst/>
+                <a:latin typeface="Courier New" panose="02070309020205020404" pitchFamily="49" charset="0"/>
+              </a:rPr>
+              <a:t>(</a:t>
+            </a:r>
+            <a:r>
+              <a:rPr lang="en-US" b="0" dirty="0">
+                <a:solidFill>
+                  <a:srgbClr val="D4D4D4"/>
+                </a:solidFill>
+                <a:effectLst/>
+                <a:latin typeface="Courier New" panose="02070309020205020404" pitchFamily="49" charset="0"/>
+              </a:rPr>
+              <a:t>Net</a:t>
+            </a:r>
+            <a:r>
+              <a:rPr lang="en-US" b="0" dirty="0">
+                <a:solidFill>
+                  <a:srgbClr val="DCDCDC"/>
+                </a:solidFill>
+                <a:effectLst/>
+                <a:latin typeface="Courier New" panose="02070309020205020404" pitchFamily="49" charset="0"/>
+              </a:rPr>
+              <a:t>,</a:t>
+            </a:r>
+            <a:r>
+              <a:rPr lang="en-US" b="0" dirty="0">
+                <a:solidFill>
+                  <a:srgbClr val="D4D4D4"/>
+                </a:solidFill>
+                <a:effectLst/>
+                <a:latin typeface="Courier New" panose="02070309020205020404" pitchFamily="49" charset="0"/>
+              </a:rPr>
+              <a:t> </a:t>
+            </a:r>
+            <a:r>
+              <a:rPr lang="en-US" b="0" dirty="0">
+                <a:solidFill>
+                  <a:srgbClr val="9CDCFE"/>
+                </a:solidFill>
+                <a:effectLst/>
+                <a:latin typeface="Courier New" panose="02070309020205020404" pitchFamily="49" charset="0"/>
+              </a:rPr>
+              <a:t>self</a:t>
+            </a:r>
+            <a:r>
+              <a:rPr lang="en-US" b="0" dirty="0">
+                <a:solidFill>
+                  <a:srgbClr val="DCDCDC"/>
+                </a:solidFill>
+                <a:effectLst/>
+                <a:latin typeface="Courier New" panose="02070309020205020404" pitchFamily="49" charset="0"/>
+              </a:rPr>
+              <a:t>)</a:t>
+            </a:r>
+            <a:r>
+              <a:rPr lang="en-US" b="0" dirty="0">
+                <a:solidFill>
+                  <a:srgbClr val="D4D4D4"/>
+                </a:solidFill>
+                <a:effectLst/>
+                <a:latin typeface="Courier New" panose="02070309020205020404" pitchFamily="49" charset="0"/>
+              </a:rPr>
+              <a:t>.</a:t>
+            </a:r>
+            <a:r>
+              <a:rPr lang="en-US" b="0" dirty="0">
+                <a:solidFill>
+                  <a:srgbClr val="DCDCAA"/>
+                </a:solidFill>
+                <a:effectLst/>
+                <a:latin typeface="Courier New" panose="02070309020205020404" pitchFamily="49" charset="0"/>
+              </a:rPr>
+              <a:t>__</a:t>
+            </a:r>
+            <a:r>
+              <a:rPr lang="en-US" b="0" dirty="0" err="1">
+                <a:solidFill>
+                  <a:srgbClr val="DCDCAA"/>
+                </a:solidFill>
+                <a:effectLst/>
+                <a:latin typeface="Courier New" panose="02070309020205020404" pitchFamily="49" charset="0"/>
+              </a:rPr>
+              <a:t>init</a:t>
+            </a:r>
+            <a:r>
+              <a:rPr lang="en-US" b="0" dirty="0">
+                <a:solidFill>
+                  <a:srgbClr val="DCDCAA"/>
+                </a:solidFill>
+                <a:effectLst/>
+                <a:latin typeface="Courier New" panose="02070309020205020404" pitchFamily="49" charset="0"/>
+              </a:rPr>
+              <a:t>__</a:t>
+            </a:r>
+            <a:r>
+              <a:rPr lang="en-US" b="0" dirty="0">
+                <a:solidFill>
+                  <a:srgbClr val="DCDCDC"/>
+                </a:solidFill>
+                <a:effectLst/>
+                <a:latin typeface="Courier New" panose="02070309020205020404" pitchFamily="49" charset="0"/>
+              </a:rPr>
+              <a:t>()</a:t>
+            </a:r>
+            <a:endParaRPr lang="en-US" b="0" dirty="0">
+              <a:solidFill>
+                <a:srgbClr val="D4D4D4"/>
+              </a:solidFill>
+              <a:effectLst/>
+              <a:latin typeface="Courier New" panose="02070309020205020404" pitchFamily="49" charset="0"/>
+            </a:endParaRPr>
+          </a:p>
+          <a:p>
+            <a:pPr marL="0" indent="0">
+              <a:buNone/>
+            </a:pPr>
+            <a:r>
+              <a:rPr lang="en-US" b="0" dirty="0">
+                <a:solidFill>
+                  <a:srgbClr val="D4D4D4"/>
+                </a:solidFill>
+                <a:effectLst/>
+                <a:latin typeface="Courier New" panose="02070309020205020404" pitchFamily="49" charset="0"/>
+              </a:rPr>
+              <a:t>        </a:t>
+            </a:r>
+            <a:r>
+              <a:rPr lang="en-US" b="0" dirty="0">
+                <a:solidFill>
+                  <a:srgbClr val="9CDCFE"/>
+                </a:solidFill>
+                <a:effectLst/>
+                <a:latin typeface="Courier New" panose="02070309020205020404" pitchFamily="49" charset="0"/>
+              </a:rPr>
+              <a:t>self</a:t>
+            </a:r>
+            <a:r>
+              <a:rPr lang="en-US" b="0" dirty="0">
+                <a:solidFill>
+                  <a:srgbClr val="D4D4D4"/>
+                </a:solidFill>
+                <a:effectLst/>
+                <a:latin typeface="Courier New" panose="02070309020205020404" pitchFamily="49" charset="0"/>
+              </a:rPr>
+              <a:t>.fc1 = </a:t>
+            </a:r>
+            <a:r>
+              <a:rPr lang="en-US" b="0" dirty="0" err="1">
+                <a:solidFill>
+                  <a:srgbClr val="D4D4D4"/>
+                </a:solidFill>
+                <a:effectLst/>
+                <a:latin typeface="Courier New" panose="02070309020205020404" pitchFamily="49" charset="0"/>
+              </a:rPr>
+              <a:t>nn.Linear</a:t>
+            </a:r>
+            <a:r>
+              <a:rPr lang="en-US" b="0" dirty="0">
+                <a:solidFill>
+                  <a:srgbClr val="DCDCDC"/>
+                </a:solidFill>
+                <a:effectLst/>
+                <a:latin typeface="Courier New" panose="02070309020205020404" pitchFamily="49" charset="0"/>
+              </a:rPr>
+              <a:t>(</a:t>
+            </a:r>
+            <a:r>
+              <a:rPr lang="en-US" b="0" dirty="0">
+                <a:solidFill>
+                  <a:srgbClr val="D4D4D4"/>
+                </a:solidFill>
+                <a:effectLst/>
+                <a:latin typeface="Courier New" panose="02070309020205020404" pitchFamily="49" charset="0"/>
+              </a:rPr>
+              <a:t>1</a:t>
+            </a:r>
+            <a:r>
+              <a:rPr lang="en-US" b="0" dirty="0">
+                <a:solidFill>
+                  <a:srgbClr val="DCDCDC"/>
+                </a:solidFill>
+                <a:effectLst/>
+                <a:latin typeface="Courier New" panose="02070309020205020404" pitchFamily="49" charset="0"/>
+              </a:rPr>
+              <a:t>,</a:t>
+            </a:r>
+            <a:r>
+              <a:rPr lang="en-US" b="0" dirty="0">
+                <a:solidFill>
+                  <a:srgbClr val="D4D4D4"/>
+                </a:solidFill>
+                <a:effectLst/>
+                <a:latin typeface="Courier New" panose="02070309020205020404" pitchFamily="49" charset="0"/>
+              </a:rPr>
+              <a:t> 10</a:t>
+            </a:r>
+            <a:r>
+              <a:rPr lang="en-US" b="0" dirty="0">
+                <a:solidFill>
+                  <a:srgbClr val="DCDCDC"/>
+                </a:solidFill>
+                <a:effectLst/>
+                <a:latin typeface="Courier New" panose="02070309020205020404" pitchFamily="49" charset="0"/>
+              </a:rPr>
+              <a:t>)</a:t>
+            </a:r>
+            <a:endParaRPr lang="en-US" b="0" dirty="0">
+              <a:solidFill>
+                <a:srgbClr val="D4D4D4"/>
+              </a:solidFill>
+              <a:effectLst/>
+              <a:latin typeface="Courier New" panose="02070309020205020404" pitchFamily="49" charset="0"/>
+            </a:endParaRPr>
+          </a:p>
+          <a:p>
+            <a:pPr marL="0" indent="0">
+              <a:buNone/>
+            </a:pPr>
+            <a:r>
+              <a:rPr lang="en-US" b="0" dirty="0">
+                <a:solidFill>
+                  <a:srgbClr val="D4D4D4"/>
+                </a:solidFill>
+                <a:effectLst/>
+                <a:latin typeface="Courier New" panose="02070309020205020404" pitchFamily="49" charset="0"/>
+              </a:rPr>
+              <a:t>        </a:t>
+            </a:r>
+            <a:r>
+              <a:rPr lang="en-US" b="0" dirty="0">
+                <a:solidFill>
+                  <a:srgbClr val="9CDCFE"/>
+                </a:solidFill>
+                <a:effectLst/>
+                <a:latin typeface="Courier New" panose="02070309020205020404" pitchFamily="49" charset="0"/>
+              </a:rPr>
+              <a:t>self</a:t>
+            </a:r>
+            <a:r>
+              <a:rPr lang="en-US" b="0" dirty="0">
+                <a:solidFill>
+                  <a:srgbClr val="D4D4D4"/>
+                </a:solidFill>
+                <a:effectLst/>
+                <a:latin typeface="Courier New" panose="02070309020205020404" pitchFamily="49" charset="0"/>
+              </a:rPr>
+              <a:t>.fc2 = </a:t>
+            </a:r>
+            <a:r>
+              <a:rPr lang="en-US" b="0" dirty="0" err="1">
+                <a:solidFill>
+                  <a:srgbClr val="D4D4D4"/>
+                </a:solidFill>
+                <a:effectLst/>
+                <a:latin typeface="Courier New" panose="02070309020205020404" pitchFamily="49" charset="0"/>
+              </a:rPr>
+              <a:t>nn.Linear</a:t>
+            </a:r>
+            <a:r>
+              <a:rPr lang="en-US" b="0" dirty="0">
+                <a:solidFill>
+                  <a:srgbClr val="DCDCDC"/>
+                </a:solidFill>
+                <a:effectLst/>
+                <a:latin typeface="Courier New" panose="02070309020205020404" pitchFamily="49" charset="0"/>
+              </a:rPr>
+              <a:t>(</a:t>
+            </a:r>
+            <a:r>
+              <a:rPr lang="en-US" b="0" dirty="0">
+                <a:solidFill>
+                  <a:srgbClr val="D4D4D4"/>
+                </a:solidFill>
+                <a:effectLst/>
+                <a:latin typeface="Courier New" panose="02070309020205020404" pitchFamily="49" charset="0"/>
+              </a:rPr>
+              <a:t>10, 1</a:t>
+            </a:r>
+            <a:r>
+              <a:rPr lang="en-US" b="0" dirty="0">
+                <a:solidFill>
+                  <a:srgbClr val="DCDCDC"/>
+                </a:solidFill>
+                <a:effectLst/>
+                <a:latin typeface="Courier New" panose="02070309020205020404" pitchFamily="49" charset="0"/>
+              </a:rPr>
+              <a:t>)</a:t>
+            </a:r>
+            <a:endParaRPr lang="en-US" b="0" dirty="0">
+              <a:solidFill>
+                <a:srgbClr val="D4D4D4"/>
+              </a:solidFill>
+              <a:effectLst/>
+              <a:latin typeface="Courier New" panose="02070309020205020404" pitchFamily="49" charset="0"/>
+            </a:endParaRPr>
+          </a:p>
+          <a:p>
+            <a:pPr marL="0" indent="0">
+              <a:buNone/>
+            </a:pPr>
+            <a:br>
+              <a:rPr lang="en-US" b="0" dirty="0">
+                <a:solidFill>
+                  <a:srgbClr val="D4D4D4"/>
+                </a:solidFill>
+                <a:effectLst/>
+                <a:latin typeface="Courier New" panose="02070309020205020404" pitchFamily="49" charset="0"/>
+              </a:rPr>
+            </a:br>
+            <a:r>
+              <a:rPr lang="en-US" b="0" dirty="0">
+                <a:solidFill>
+                  <a:srgbClr val="D4D4D4"/>
+                </a:solidFill>
+                <a:effectLst/>
+                <a:latin typeface="Courier New" panose="02070309020205020404" pitchFamily="49" charset="0"/>
+              </a:rPr>
+              <a:t>    </a:t>
+            </a:r>
+            <a:r>
+              <a:rPr lang="en-US" b="0" dirty="0">
+                <a:solidFill>
+                  <a:srgbClr val="569CD6"/>
+                </a:solidFill>
+                <a:effectLst/>
+                <a:latin typeface="Courier New" panose="02070309020205020404" pitchFamily="49" charset="0"/>
+              </a:rPr>
+              <a:t>def</a:t>
+            </a:r>
+            <a:r>
+              <a:rPr lang="en-US" b="0" dirty="0">
+                <a:solidFill>
+                  <a:srgbClr val="D4D4D4"/>
+                </a:solidFill>
+                <a:effectLst/>
+                <a:latin typeface="Courier New" panose="02070309020205020404" pitchFamily="49" charset="0"/>
+              </a:rPr>
+              <a:t> </a:t>
+            </a:r>
+            <a:r>
+              <a:rPr lang="en-US" b="0" dirty="0">
+                <a:solidFill>
+                  <a:srgbClr val="DCDCAA"/>
+                </a:solidFill>
+                <a:effectLst/>
+                <a:latin typeface="Courier New" panose="02070309020205020404" pitchFamily="49" charset="0"/>
+              </a:rPr>
+              <a:t>forward</a:t>
+            </a:r>
+            <a:r>
+              <a:rPr lang="en-US" b="0" dirty="0">
+                <a:solidFill>
+                  <a:srgbClr val="D4D4D4"/>
+                </a:solidFill>
+                <a:effectLst/>
+                <a:latin typeface="Courier New" panose="02070309020205020404" pitchFamily="49" charset="0"/>
+              </a:rPr>
+              <a:t>(</a:t>
+            </a:r>
+            <a:r>
+              <a:rPr lang="en-US" b="0" dirty="0">
+                <a:solidFill>
+                  <a:srgbClr val="9CDCFE"/>
+                </a:solidFill>
+                <a:effectLst/>
+                <a:latin typeface="Courier New" panose="02070309020205020404" pitchFamily="49" charset="0"/>
+              </a:rPr>
+              <a:t>self</a:t>
+            </a:r>
+            <a:r>
+              <a:rPr lang="en-US" b="0" dirty="0">
+                <a:solidFill>
+                  <a:srgbClr val="D4D4D4"/>
+                </a:solidFill>
+                <a:effectLst/>
+                <a:latin typeface="Courier New" panose="02070309020205020404" pitchFamily="49" charset="0"/>
+              </a:rPr>
+              <a:t>, </a:t>
+            </a:r>
+            <a:r>
+              <a:rPr lang="en-US" b="0" dirty="0">
+                <a:solidFill>
+                  <a:srgbClr val="9CDCFE"/>
+                </a:solidFill>
+                <a:effectLst/>
+                <a:latin typeface="Courier New" panose="02070309020205020404" pitchFamily="49" charset="0"/>
+              </a:rPr>
+              <a:t>x</a:t>
+            </a:r>
+            <a:r>
+              <a:rPr lang="en-US" b="0" dirty="0">
+                <a:solidFill>
+                  <a:srgbClr val="D4D4D4"/>
+                </a:solidFill>
+                <a:effectLst/>
+                <a:latin typeface="Courier New" panose="02070309020205020404" pitchFamily="49" charset="0"/>
+              </a:rPr>
+              <a:t>)</a:t>
+            </a:r>
+            <a:r>
+              <a:rPr lang="en-US" b="0" dirty="0">
+                <a:solidFill>
+                  <a:srgbClr val="DCDCDC"/>
+                </a:solidFill>
+                <a:effectLst/>
+                <a:latin typeface="Courier New" panose="02070309020205020404" pitchFamily="49" charset="0"/>
+              </a:rPr>
+              <a:t>:</a:t>
+            </a:r>
+            <a:endParaRPr lang="en-US" b="0" dirty="0">
+              <a:solidFill>
+                <a:srgbClr val="D4D4D4"/>
+              </a:solidFill>
+              <a:effectLst/>
+              <a:latin typeface="Courier New" panose="02070309020205020404" pitchFamily="49" charset="0"/>
+            </a:endParaRPr>
+          </a:p>
+          <a:p>
+            <a:pPr marL="0" indent="0">
+              <a:buNone/>
+            </a:pPr>
+            <a:r>
+              <a:rPr lang="en-US" b="0" dirty="0">
+                <a:solidFill>
+                  <a:srgbClr val="D4D4D4"/>
+                </a:solidFill>
+                <a:effectLst/>
+                <a:latin typeface="Courier New" panose="02070309020205020404" pitchFamily="49" charset="0"/>
+              </a:rPr>
+              <a:t>        x = </a:t>
+            </a:r>
+            <a:r>
+              <a:rPr lang="en-US" b="0" dirty="0">
+                <a:solidFill>
+                  <a:srgbClr val="9CDCFE"/>
+                </a:solidFill>
+                <a:effectLst/>
+                <a:latin typeface="Courier New" panose="02070309020205020404" pitchFamily="49" charset="0"/>
+              </a:rPr>
+              <a:t>self</a:t>
+            </a:r>
+            <a:r>
+              <a:rPr lang="en-US" b="0" dirty="0">
+                <a:solidFill>
+                  <a:srgbClr val="D4D4D4"/>
+                </a:solidFill>
+                <a:effectLst/>
+                <a:latin typeface="Courier New" panose="02070309020205020404" pitchFamily="49" charset="0"/>
+              </a:rPr>
+              <a:t>.fc1</a:t>
+            </a:r>
+            <a:r>
+              <a:rPr lang="en-US" b="0" dirty="0">
+                <a:solidFill>
+                  <a:srgbClr val="DCDCDC"/>
+                </a:solidFill>
+                <a:effectLst/>
+                <a:latin typeface="Courier New" panose="02070309020205020404" pitchFamily="49" charset="0"/>
+              </a:rPr>
+              <a:t>(</a:t>
+            </a:r>
+            <a:r>
+              <a:rPr lang="en-US" b="0" dirty="0">
+                <a:solidFill>
+                  <a:srgbClr val="D4D4D4"/>
+                </a:solidFill>
+                <a:effectLst/>
+                <a:latin typeface="Courier New" panose="02070309020205020404" pitchFamily="49" charset="0"/>
+              </a:rPr>
+              <a:t>x</a:t>
+            </a:r>
+            <a:r>
+              <a:rPr lang="en-US" b="0" dirty="0">
+                <a:solidFill>
+                  <a:srgbClr val="DCDCDC"/>
+                </a:solidFill>
+                <a:effectLst/>
+                <a:latin typeface="Courier New" panose="02070309020205020404" pitchFamily="49" charset="0"/>
+              </a:rPr>
+              <a:t>)</a:t>
+            </a:r>
+            <a:endParaRPr lang="en-US" b="0" dirty="0">
+              <a:solidFill>
+                <a:srgbClr val="D4D4D4"/>
+              </a:solidFill>
+              <a:effectLst/>
+              <a:latin typeface="Courier New" panose="02070309020205020404" pitchFamily="49" charset="0"/>
+            </a:endParaRPr>
+          </a:p>
+          <a:p>
+            <a:pPr marL="0" indent="0">
+              <a:buNone/>
+            </a:pPr>
+            <a:r>
+              <a:rPr lang="en-US" b="0" dirty="0">
+                <a:solidFill>
+                  <a:srgbClr val="D4D4D4"/>
+                </a:solidFill>
+                <a:effectLst/>
+                <a:latin typeface="Courier New" panose="02070309020205020404" pitchFamily="49" charset="0"/>
+              </a:rPr>
+              <a:t>        x = </a:t>
+            </a:r>
+            <a:r>
+              <a:rPr lang="en-US" b="0" dirty="0" err="1">
+                <a:solidFill>
+                  <a:srgbClr val="D4D4D4"/>
+                </a:solidFill>
+                <a:effectLst/>
+                <a:latin typeface="Courier New" panose="02070309020205020404" pitchFamily="49" charset="0"/>
+              </a:rPr>
+              <a:t>nn.ReLU</a:t>
+            </a:r>
+            <a:r>
+              <a:rPr lang="en-US" b="0" dirty="0">
+                <a:solidFill>
+                  <a:srgbClr val="DCDCDC"/>
+                </a:solidFill>
+                <a:effectLst/>
+                <a:latin typeface="Courier New" panose="02070309020205020404" pitchFamily="49" charset="0"/>
+              </a:rPr>
+              <a:t>()(</a:t>
+            </a:r>
+            <a:r>
+              <a:rPr lang="en-US" b="0" dirty="0">
+                <a:solidFill>
+                  <a:srgbClr val="D4D4D4"/>
+                </a:solidFill>
+                <a:effectLst/>
+                <a:latin typeface="Courier New" panose="02070309020205020404" pitchFamily="49" charset="0"/>
+              </a:rPr>
+              <a:t>x</a:t>
+            </a:r>
+            <a:r>
+              <a:rPr lang="en-US" b="0" dirty="0">
+                <a:solidFill>
+                  <a:srgbClr val="DCDCDC"/>
+                </a:solidFill>
+                <a:effectLst/>
+                <a:latin typeface="Courier New" panose="02070309020205020404" pitchFamily="49" charset="0"/>
+              </a:rPr>
+              <a:t>)</a:t>
+            </a:r>
+            <a:endParaRPr lang="en-US" b="0" dirty="0">
+              <a:solidFill>
+                <a:srgbClr val="D4D4D4"/>
+              </a:solidFill>
+              <a:effectLst/>
+              <a:latin typeface="Courier New" panose="02070309020205020404" pitchFamily="49" charset="0"/>
+            </a:endParaRPr>
+          </a:p>
+          <a:p>
+            <a:pPr marL="0" indent="0">
+              <a:buNone/>
+            </a:pPr>
+            <a:r>
+              <a:rPr lang="en-US" b="0" dirty="0">
+                <a:solidFill>
+                  <a:srgbClr val="D4D4D4"/>
+                </a:solidFill>
+                <a:effectLst/>
+                <a:latin typeface="Courier New" panose="02070309020205020404" pitchFamily="49" charset="0"/>
+              </a:rPr>
+              <a:t>        x = </a:t>
+            </a:r>
+            <a:r>
+              <a:rPr lang="en-US" b="0" dirty="0">
+                <a:solidFill>
+                  <a:srgbClr val="9CDCFE"/>
+                </a:solidFill>
+                <a:effectLst/>
+                <a:latin typeface="Courier New" panose="02070309020205020404" pitchFamily="49" charset="0"/>
+              </a:rPr>
+              <a:t>self</a:t>
+            </a:r>
+            <a:r>
+              <a:rPr lang="en-US" b="0" dirty="0">
+                <a:solidFill>
+                  <a:srgbClr val="D4D4D4"/>
+                </a:solidFill>
+                <a:effectLst/>
+                <a:latin typeface="Courier New" panose="02070309020205020404" pitchFamily="49" charset="0"/>
+              </a:rPr>
+              <a:t>.fc2</a:t>
+            </a:r>
+            <a:r>
+              <a:rPr lang="en-US" b="0" dirty="0">
+                <a:solidFill>
+                  <a:srgbClr val="DCDCDC"/>
+                </a:solidFill>
+                <a:effectLst/>
+                <a:latin typeface="Courier New" panose="02070309020205020404" pitchFamily="49" charset="0"/>
+              </a:rPr>
+              <a:t>(</a:t>
+            </a:r>
+            <a:r>
+              <a:rPr lang="en-US" b="0" dirty="0">
+                <a:solidFill>
+                  <a:srgbClr val="D4D4D4"/>
+                </a:solidFill>
+                <a:effectLst/>
+                <a:latin typeface="Courier New" panose="02070309020205020404" pitchFamily="49" charset="0"/>
+              </a:rPr>
+              <a:t>x</a:t>
+            </a:r>
+            <a:r>
+              <a:rPr lang="en-US" b="0" dirty="0">
+                <a:solidFill>
+                  <a:srgbClr val="DCDCDC"/>
+                </a:solidFill>
+                <a:effectLst/>
+                <a:latin typeface="Courier New" panose="02070309020205020404" pitchFamily="49" charset="0"/>
+              </a:rPr>
+              <a:t>)</a:t>
+            </a:r>
+            <a:endParaRPr lang="en-US" b="0" dirty="0">
+              <a:solidFill>
+                <a:srgbClr val="D4D4D4"/>
+              </a:solidFill>
+              <a:effectLst/>
+              <a:latin typeface="Courier New" panose="02070309020205020404" pitchFamily="49" charset="0"/>
+            </a:endParaRPr>
+          </a:p>
+          <a:p>
+            <a:pPr marL="0" indent="0">
+              <a:buNone/>
+            </a:pPr>
+            <a:r>
+              <a:rPr lang="en-US" b="0" dirty="0">
+                <a:solidFill>
+                  <a:srgbClr val="D4D4D4"/>
+                </a:solidFill>
+                <a:effectLst/>
+                <a:latin typeface="Courier New" panose="02070309020205020404" pitchFamily="49" charset="0"/>
+              </a:rPr>
+              <a:t>        </a:t>
+            </a:r>
+            <a:r>
+              <a:rPr lang="en-US" b="0" dirty="0">
+                <a:solidFill>
+                  <a:srgbClr val="C586C0"/>
+                </a:solidFill>
+                <a:effectLst/>
+                <a:latin typeface="Courier New" panose="02070309020205020404" pitchFamily="49" charset="0"/>
+              </a:rPr>
+              <a:t>return</a:t>
+            </a:r>
+            <a:r>
+              <a:rPr lang="en-US" b="0" dirty="0">
+                <a:solidFill>
+                  <a:srgbClr val="D4D4D4"/>
+                </a:solidFill>
+                <a:effectLst/>
+                <a:latin typeface="Courier New" panose="02070309020205020404" pitchFamily="49" charset="0"/>
+              </a:rPr>
+              <a:t> x</a:t>
+            </a:r>
+          </a:p>
+          <a:p>
+            <a:pPr marL="0" indent="0">
+              <a:buNone/>
+            </a:pPr>
+            <a:endParaRPr lang="en-US" dirty="0"/>
+          </a:p>
+        </p:txBody>
+      </p:sp>
+    </p:spTree>
+    <p:extLst>
+      <p:ext uri="{BB962C8B-B14F-4D97-AF65-F5344CB8AC3E}">
+        <p14:creationId xmlns:p14="http://schemas.microsoft.com/office/powerpoint/2010/main" val="807583755"/>
       </p:ext>
     </p:extLst>
   </p:cSld>

--- a/Slides_2.pptx
+++ b/Slides_2.pptx
@@ -18,6 +18,7 @@
     <p:sldId id="336" r:id="rId12"/>
     <p:sldId id="337" r:id="rId13"/>
     <p:sldId id="338" r:id="rId14"/>
+    <p:sldId id="343" r:id="rId15"/>
   </p:sldIdLst>
   <p:sldSz cx="12192000" cy="6858000"/>
   <p:notesSz cx="6858000" cy="9144000"/>
@@ -4791,7 +4792,7 @@
               <a:buNone/>
             </a:pPr>
             <a:r>
-              <a:rPr lang="en-US" b="0" dirty="0">
+              <a:rPr lang="en-US" b="0">
                 <a:solidFill>
                   <a:srgbClr val="569CD6"/>
                 </a:solidFill>
@@ -4801,7 +4802,7 @@
               <a:t>class</a:t>
             </a:r>
             <a:r>
-              <a:rPr lang="en-US" b="0" dirty="0">
+              <a:rPr lang="en-US" b="0">
                 <a:solidFill>
                   <a:srgbClr val="D4D4D4"/>
                 </a:solidFill>
@@ -4811,17 +4812,17 @@
               <a:t> </a:t>
             </a:r>
             <a:r>
-              <a:rPr lang="en-US" b="0" dirty="0" err="1">
+              <a:rPr lang="en-US" b="0">
                 <a:solidFill>
                   <a:srgbClr val="4EC9B0"/>
                 </a:solidFill>
                 <a:effectLst/>
                 <a:latin typeface="Courier New" panose="02070309020205020404" pitchFamily="49" charset="0"/>
               </a:rPr>
-              <a:t>ManualLinearRegression</a:t>
-            </a:r>
-            <a:r>
-              <a:rPr lang="en-US" b="0" dirty="0">
+              <a:t>Net</a:t>
+            </a:r>
+            <a:r>
+              <a:rPr lang="en-US" b="0">
                 <a:solidFill>
                   <a:srgbClr val="D4D4D4"/>
                 </a:solidFill>
@@ -6371,6 +6372,248 @@
     <p:extLst>
       <p:ext uri="{BB962C8B-B14F-4D97-AF65-F5344CB8AC3E}">
         <p14:creationId xmlns:p14="http://schemas.microsoft.com/office/powerpoint/2010/main" val="807583755"/>
+      </p:ext>
+    </p:extLst>
+  </p:cSld>
+  <p:clrMapOvr>
+    <a:masterClrMapping/>
+  </p:clrMapOvr>
+</p:sld>
+</file>
+
+<file path=ppt/slides/slide14.xml><?xml version="1.0" encoding="utf-8"?>
+<p:sld xmlns:a="http://schemas.openxmlformats.org/drawingml/2006/main" xmlns:r="http://schemas.openxmlformats.org/officeDocument/2006/relationships" xmlns:p="http://schemas.openxmlformats.org/presentationml/2006/main">
+  <p:cSld>
+    <p:spTree>
+      <p:nvGrpSpPr>
+        <p:cNvPr id="1" name=""/>
+        <p:cNvGrpSpPr/>
+        <p:nvPr/>
+      </p:nvGrpSpPr>
+      <p:grpSpPr>
+        <a:xfrm>
+          <a:off x="0" y="0"/>
+          <a:ext cx="0" cy="0"/>
+          <a:chOff x="0" y="0"/>
+          <a:chExt cx="0" cy="0"/>
+        </a:xfrm>
+      </p:grpSpPr>
+      <p:sp>
+        <p:nvSpPr>
+          <p:cNvPr id="2" name="Title 1">
+            <a:extLst>
+              <a:ext uri="{FF2B5EF4-FFF2-40B4-BE49-F238E27FC236}">
+                <a16:creationId xmlns:a16="http://schemas.microsoft.com/office/drawing/2014/main" id="{DFA2267E-F739-2DAA-ED32-6261BBBFAAFC}"/>
+              </a:ext>
+            </a:extLst>
+          </p:cNvPr>
+          <p:cNvSpPr>
+            <a:spLocks noGrp="1"/>
+          </p:cNvSpPr>
+          <p:nvPr>
+            <p:ph type="title"/>
+          </p:nvPr>
+        </p:nvSpPr>
+        <p:spPr/>
+        <p:txBody>
+          <a:bodyPr/>
+          <a:lstStyle/>
+          <a:p>
+            <a:r>
+              <a:rPr lang="en-US" dirty="0"/>
+              <a:t>Optimizer</a:t>
+            </a:r>
+          </a:p>
+        </p:txBody>
+      </p:sp>
+      <p:sp>
+        <p:nvSpPr>
+          <p:cNvPr id="3" name="Content Placeholder 2">
+            <a:extLst>
+              <a:ext uri="{FF2B5EF4-FFF2-40B4-BE49-F238E27FC236}">
+                <a16:creationId xmlns:a16="http://schemas.microsoft.com/office/drawing/2014/main" id="{27052CC9-BCCB-DF8F-422E-B8D625DCB63B}"/>
+              </a:ext>
+            </a:extLst>
+          </p:cNvPr>
+          <p:cNvSpPr>
+            <a:spLocks noGrp="1"/>
+          </p:cNvSpPr>
+          <p:nvPr>
+            <p:ph idx="1"/>
+          </p:nvPr>
+        </p:nvSpPr>
+        <p:spPr/>
+        <p:txBody>
+          <a:bodyPr>
+            <a:normAutofit/>
+          </a:bodyPr>
+          <a:lstStyle/>
+          <a:p>
+            <a:pPr marL="0" indent="0">
+              <a:buNone/>
+            </a:pPr>
+            <a:r>
+              <a:rPr lang="en-US" dirty="0"/>
+              <a:t>All optimizers used in this course are variation of gradient descent:</a:t>
+            </a:r>
+          </a:p>
+          <a:p>
+            <a:pPr lvl="1"/>
+            <a:r>
+              <a:rPr lang="en-US" dirty="0"/>
+              <a:t>Stochastic Gradient Descent (</a:t>
+            </a:r>
+            <a:r>
+              <a:rPr lang="en-US" b="1" dirty="0"/>
+              <a:t>SGD</a:t>
+            </a:r>
+            <a:r>
+              <a:rPr lang="en-US" dirty="0"/>
+              <a:t>): </a:t>
+            </a:r>
+            <a:r>
+              <a:rPr lang="en-US" b="1" dirty="0"/>
+              <a:t>simple</a:t>
+            </a:r>
+            <a:r>
+              <a:rPr lang="en-US" dirty="0"/>
+              <a:t> gradient descent aggregated by batches</a:t>
+            </a:r>
+          </a:p>
+          <a:p>
+            <a:pPr lvl="1"/>
+            <a:r>
+              <a:rPr lang="en-US" dirty="0"/>
+              <a:t>Adaptive Moment Estimation (</a:t>
+            </a:r>
+            <a:r>
+              <a:rPr lang="en-US" b="1" dirty="0"/>
+              <a:t>Adam</a:t>
+            </a:r>
+            <a:r>
+              <a:rPr lang="en-US" dirty="0"/>
+              <a:t>): extension of SGD with </a:t>
+            </a:r>
+            <a:r>
+              <a:rPr lang="en-US" b="1" dirty="0"/>
+              <a:t>momentum</a:t>
+            </a:r>
+            <a:r>
+              <a:rPr lang="en-US" dirty="0"/>
+              <a:t> and </a:t>
+            </a:r>
+            <a:r>
+              <a:rPr lang="en-US" b="1" dirty="0"/>
+              <a:t>moving average</a:t>
+            </a:r>
+            <a:r>
+              <a:rPr lang="en-US" dirty="0"/>
+              <a:t> of the </a:t>
+            </a:r>
+            <a:r>
+              <a:rPr lang="en-US" b="1" dirty="0"/>
+              <a:t>gradients </a:t>
+            </a:r>
+            <a:r>
+              <a:rPr lang="en-US" dirty="0"/>
+              <a:t>to accelerate the training process and prevent oscillations.</a:t>
+            </a:r>
+          </a:p>
+          <a:p>
+            <a:pPr lvl="1"/>
+            <a:r>
+              <a:rPr lang="en-US" dirty="0"/>
+              <a:t>Root Mean Squared Propagation (</a:t>
+            </a:r>
+            <a:r>
+              <a:rPr lang="en-US" b="1" dirty="0" err="1"/>
+              <a:t>RMSProp</a:t>
+            </a:r>
+            <a:r>
+              <a:rPr lang="en-US" dirty="0"/>
+              <a:t>): extension of SGD that is </a:t>
+            </a:r>
+            <a:r>
+              <a:rPr lang="en-US" b="1" dirty="0"/>
+              <a:t>designed to deal with </a:t>
+            </a:r>
+            <a:r>
+              <a:rPr lang="en-US" dirty="0"/>
+              <a:t>the issue of </a:t>
+            </a:r>
+            <a:r>
+              <a:rPr lang="en-US" b="1" dirty="0"/>
+              <a:t>vanishing gradients</a:t>
+            </a:r>
+            <a:r>
+              <a:rPr lang="en-US" dirty="0"/>
+              <a:t>. It </a:t>
+            </a:r>
+            <a:r>
+              <a:rPr lang="en-US" b="1" dirty="0"/>
+              <a:t>normalizes the gradients </a:t>
+            </a:r>
+            <a:r>
+              <a:rPr lang="en-US" dirty="0"/>
+              <a:t>by the root mean square of their recent magnitudes.</a:t>
+            </a:r>
+          </a:p>
+          <a:p>
+            <a:pPr marL="0" indent="0">
+              <a:buNone/>
+            </a:pPr>
+            <a:endParaRPr lang="en-US" dirty="0"/>
+          </a:p>
+          <a:p>
+            <a:pPr marL="0" indent="0">
+              <a:buNone/>
+            </a:pPr>
+            <a:r>
+              <a:rPr lang="en-US" dirty="0"/>
+              <a:t>It is easy to switch from one optimizer to another with PyTorch*.</a:t>
+            </a:r>
+          </a:p>
+        </p:txBody>
+      </p:sp>
+      <p:sp>
+        <p:nvSpPr>
+          <p:cNvPr id="5" name="TextBox 4">
+            <a:extLst>
+              <a:ext uri="{FF2B5EF4-FFF2-40B4-BE49-F238E27FC236}">
+                <a16:creationId xmlns:a16="http://schemas.microsoft.com/office/drawing/2014/main" id="{6F64D717-A854-BBB7-9A34-31A5B9CC55AF}"/>
+              </a:ext>
+            </a:extLst>
+          </p:cNvPr>
+          <p:cNvSpPr txBox="1"/>
+          <p:nvPr/>
+        </p:nvSpPr>
+        <p:spPr>
+          <a:xfrm>
+            <a:off x="7659862" y="6520081"/>
+            <a:ext cx="4532138" cy="338554"/>
+          </a:xfrm>
+          <a:prstGeom prst="rect">
+            <a:avLst/>
+          </a:prstGeom>
+          <a:noFill/>
+        </p:spPr>
+        <p:txBody>
+          <a:bodyPr wrap="none" rtlCol="0">
+            <a:spAutoFit/>
+          </a:bodyPr>
+          <a:lstStyle/>
+          <a:p>
+            <a:r>
+              <a:rPr lang="en-US" sz="1600" i="1" dirty="0"/>
+              <a:t>* We will see more on optimizers later in this course.</a:t>
+            </a:r>
+          </a:p>
+        </p:txBody>
+      </p:sp>
+    </p:spTree>
+    <p:extLst>
+      <p:ext uri="{BB962C8B-B14F-4D97-AF65-F5344CB8AC3E}">
+        <p14:creationId xmlns:p14="http://schemas.microsoft.com/office/powerpoint/2010/main" val="1216642928"/>
       </p:ext>
     </p:extLst>
   </p:cSld>

--- a/Slides_2.pptx
+++ b/Slides_2.pptx
@@ -4,6 +4,9 @@
   <p:sldMasterIdLst>
     <p:sldMasterId id="2147483648" r:id="rId1"/>
   </p:sldMasterIdLst>
+  <p:notesMasterIdLst>
+    <p:notesMasterId r:id="rId17"/>
+  </p:notesMasterIdLst>
   <p:sldIdLst>
     <p:sldId id="332" r:id="rId2"/>
     <p:sldId id="256" r:id="rId3"/>
@@ -19,6 +22,7 @@
     <p:sldId id="337" r:id="rId13"/>
     <p:sldId id="338" r:id="rId14"/>
     <p:sldId id="343" r:id="rId15"/>
+    <p:sldId id="345" r:id="rId16"/>
   </p:sldIdLst>
   <p:sldSz cx="12192000" cy="6858000"/>
   <p:notesSz cx="6858000" cy="9144000"/>
@@ -123,6 +127,450 @@
     </p:ext>
   </p:extLst>
 </p:presentation>
+</file>
+
+<file path=ppt/notesMasters/notesMaster1.xml><?xml version="1.0" encoding="utf-8"?>
+<p:notesMaster xmlns:a="http://schemas.openxmlformats.org/drawingml/2006/main" xmlns:r="http://schemas.openxmlformats.org/officeDocument/2006/relationships" xmlns:p="http://schemas.openxmlformats.org/presentationml/2006/main">
+  <p:cSld>
+    <p:bg>
+      <p:bgRef idx="1001">
+        <a:schemeClr val="bg1"/>
+      </p:bgRef>
+    </p:bg>
+    <p:spTree>
+      <p:nvGrpSpPr>
+        <p:cNvPr id="1" name=""/>
+        <p:cNvGrpSpPr/>
+        <p:nvPr/>
+      </p:nvGrpSpPr>
+      <p:grpSpPr>
+        <a:xfrm>
+          <a:off x="0" y="0"/>
+          <a:ext cx="0" cy="0"/>
+          <a:chOff x="0" y="0"/>
+          <a:chExt cx="0" cy="0"/>
+        </a:xfrm>
+      </p:grpSpPr>
+      <p:sp>
+        <p:nvSpPr>
+          <p:cNvPr id="2" name="Header Placeholder 1"/>
+          <p:cNvSpPr>
+            <a:spLocks noGrp="1"/>
+          </p:cNvSpPr>
+          <p:nvPr>
+            <p:ph type="hdr" sz="quarter"/>
+          </p:nvPr>
+        </p:nvSpPr>
+        <p:spPr>
+          <a:xfrm>
+            <a:off x="0" y="0"/>
+            <a:ext cx="2971800" cy="458788"/>
+          </a:xfrm>
+          <a:prstGeom prst="rect">
+            <a:avLst/>
+          </a:prstGeom>
+        </p:spPr>
+        <p:txBody>
+          <a:bodyPr vert="horz" lIns="91440" tIns="45720" rIns="91440" bIns="45720" rtlCol="0"/>
+          <a:lstStyle>
+            <a:lvl1pPr algn="l">
+              <a:defRPr sz="1200"/>
+            </a:lvl1pPr>
+          </a:lstStyle>
+          <a:p>
+            <a:endParaRPr lang="en-US"/>
+          </a:p>
+        </p:txBody>
+      </p:sp>
+      <p:sp>
+        <p:nvSpPr>
+          <p:cNvPr id="3" name="Date Placeholder 2"/>
+          <p:cNvSpPr>
+            <a:spLocks noGrp="1"/>
+          </p:cNvSpPr>
+          <p:nvPr>
+            <p:ph type="dt" idx="1"/>
+          </p:nvPr>
+        </p:nvSpPr>
+        <p:spPr>
+          <a:xfrm>
+            <a:off x="3884613" y="0"/>
+            <a:ext cx="2971800" cy="458788"/>
+          </a:xfrm>
+          <a:prstGeom prst="rect">
+            <a:avLst/>
+          </a:prstGeom>
+        </p:spPr>
+        <p:txBody>
+          <a:bodyPr vert="horz" lIns="91440" tIns="45720" rIns="91440" bIns="45720" rtlCol="0"/>
+          <a:lstStyle>
+            <a:lvl1pPr algn="r">
+              <a:defRPr sz="1200"/>
+            </a:lvl1pPr>
+          </a:lstStyle>
+          <a:p>
+            <a:fld id="{207C662F-A001-4EA2-B345-C237CD6465E1}" type="datetimeFigureOut">
+              <a:rPr lang="en-US" smtClean="0"/>
+              <a:t>1/6/2023</a:t>
+            </a:fld>
+            <a:endParaRPr lang="en-US"/>
+          </a:p>
+        </p:txBody>
+      </p:sp>
+      <p:sp>
+        <p:nvSpPr>
+          <p:cNvPr id="4" name="Slide Image Placeholder 3"/>
+          <p:cNvSpPr>
+            <a:spLocks noGrp="1" noRot="1" noChangeAspect="1"/>
+          </p:cNvSpPr>
+          <p:nvPr>
+            <p:ph type="sldImg" idx="2"/>
+          </p:nvPr>
+        </p:nvSpPr>
+        <p:spPr>
+          <a:xfrm>
+            <a:off x="685800" y="1143000"/>
+            <a:ext cx="5486400" cy="3086100"/>
+          </a:xfrm>
+          <a:prstGeom prst="rect">
+            <a:avLst/>
+          </a:prstGeom>
+          <a:noFill/>
+          <a:ln w="12700">
+            <a:solidFill>
+              <a:prstClr val="black"/>
+            </a:solidFill>
+          </a:ln>
+        </p:spPr>
+        <p:txBody>
+          <a:bodyPr vert="horz" lIns="91440" tIns="45720" rIns="91440" bIns="45720" rtlCol="0" anchor="ctr"/>
+          <a:lstStyle/>
+          <a:p>
+            <a:endParaRPr lang="en-US"/>
+          </a:p>
+        </p:txBody>
+      </p:sp>
+      <p:sp>
+        <p:nvSpPr>
+          <p:cNvPr id="5" name="Notes Placeholder 4"/>
+          <p:cNvSpPr>
+            <a:spLocks noGrp="1"/>
+          </p:cNvSpPr>
+          <p:nvPr>
+            <p:ph type="body" sz="quarter" idx="3"/>
+          </p:nvPr>
+        </p:nvSpPr>
+        <p:spPr>
+          <a:xfrm>
+            <a:off x="685800" y="4400550"/>
+            <a:ext cx="5486400" cy="3600450"/>
+          </a:xfrm>
+          <a:prstGeom prst="rect">
+            <a:avLst/>
+          </a:prstGeom>
+        </p:spPr>
+        <p:txBody>
+          <a:bodyPr vert="horz" lIns="91440" tIns="45720" rIns="91440" bIns="45720" rtlCol="0"/>
+          <a:lstStyle/>
+          <a:p>
+            <a:pPr lvl="0"/>
+            <a:r>
+              <a:rPr lang="en-US"/>
+              <a:t>Click to edit Master text styles</a:t>
+            </a:r>
+          </a:p>
+          <a:p>
+            <a:pPr lvl="1"/>
+            <a:r>
+              <a:rPr lang="en-US"/>
+              <a:t>Second level</a:t>
+            </a:r>
+          </a:p>
+          <a:p>
+            <a:pPr lvl="2"/>
+            <a:r>
+              <a:rPr lang="en-US"/>
+              <a:t>Third level</a:t>
+            </a:r>
+          </a:p>
+          <a:p>
+            <a:pPr lvl="3"/>
+            <a:r>
+              <a:rPr lang="en-US"/>
+              <a:t>Fourth level</a:t>
+            </a:r>
+          </a:p>
+          <a:p>
+            <a:pPr lvl="4"/>
+            <a:r>
+              <a:rPr lang="en-US"/>
+              <a:t>Fifth level</a:t>
+            </a:r>
+          </a:p>
+        </p:txBody>
+      </p:sp>
+      <p:sp>
+        <p:nvSpPr>
+          <p:cNvPr id="6" name="Footer Placeholder 5"/>
+          <p:cNvSpPr>
+            <a:spLocks noGrp="1"/>
+          </p:cNvSpPr>
+          <p:nvPr>
+            <p:ph type="ftr" sz="quarter" idx="4"/>
+          </p:nvPr>
+        </p:nvSpPr>
+        <p:spPr>
+          <a:xfrm>
+            <a:off x="0" y="8685213"/>
+            <a:ext cx="2971800" cy="458787"/>
+          </a:xfrm>
+          <a:prstGeom prst="rect">
+            <a:avLst/>
+          </a:prstGeom>
+        </p:spPr>
+        <p:txBody>
+          <a:bodyPr vert="horz" lIns="91440" tIns="45720" rIns="91440" bIns="45720" rtlCol="0" anchor="b"/>
+          <a:lstStyle>
+            <a:lvl1pPr algn="l">
+              <a:defRPr sz="1200"/>
+            </a:lvl1pPr>
+          </a:lstStyle>
+          <a:p>
+            <a:endParaRPr lang="en-US"/>
+          </a:p>
+        </p:txBody>
+      </p:sp>
+      <p:sp>
+        <p:nvSpPr>
+          <p:cNvPr id="7" name="Slide Number Placeholder 6"/>
+          <p:cNvSpPr>
+            <a:spLocks noGrp="1"/>
+          </p:cNvSpPr>
+          <p:nvPr>
+            <p:ph type="sldNum" sz="quarter" idx="5"/>
+          </p:nvPr>
+        </p:nvSpPr>
+        <p:spPr>
+          <a:xfrm>
+            <a:off x="3884613" y="8685213"/>
+            <a:ext cx="2971800" cy="458787"/>
+          </a:xfrm>
+          <a:prstGeom prst="rect">
+            <a:avLst/>
+          </a:prstGeom>
+        </p:spPr>
+        <p:txBody>
+          <a:bodyPr vert="horz" lIns="91440" tIns="45720" rIns="91440" bIns="45720" rtlCol="0" anchor="b"/>
+          <a:lstStyle>
+            <a:lvl1pPr algn="r">
+              <a:defRPr sz="1200"/>
+            </a:lvl1pPr>
+          </a:lstStyle>
+          <a:p>
+            <a:fld id="{B2732108-1823-42F2-979D-D6CF9D74D210}" type="slidenum">
+              <a:rPr lang="en-US" smtClean="0"/>
+              <a:t>‹#›</a:t>
+            </a:fld>
+            <a:endParaRPr lang="en-US"/>
+          </a:p>
+        </p:txBody>
+      </p:sp>
+    </p:spTree>
+    <p:extLst>
+      <p:ext uri="{BB962C8B-B14F-4D97-AF65-F5344CB8AC3E}">
+        <p14:creationId xmlns:p14="http://schemas.microsoft.com/office/powerpoint/2010/main" val="3247089495"/>
+      </p:ext>
+    </p:extLst>
+  </p:cSld>
+  <p:clrMap bg1="lt1" tx1="dk1" bg2="lt2" tx2="dk2" accent1="accent1" accent2="accent2" accent3="accent3" accent4="accent4" accent5="accent5" accent6="accent6" hlink="hlink" folHlink="folHlink"/>
+  <p:notesStyle>
+    <a:lvl1pPr marL="0" algn="l" defTabSz="914400" rtl="0" eaLnBrk="1" latinLnBrk="0" hangingPunct="1">
+      <a:defRPr sz="1200" kern="1200">
+        <a:solidFill>
+          <a:schemeClr val="tx1"/>
+        </a:solidFill>
+        <a:latin typeface="+mn-lt"/>
+        <a:ea typeface="+mn-ea"/>
+        <a:cs typeface="+mn-cs"/>
+      </a:defRPr>
+    </a:lvl1pPr>
+    <a:lvl2pPr marL="457200" algn="l" defTabSz="914400" rtl="0" eaLnBrk="1" latinLnBrk="0" hangingPunct="1">
+      <a:defRPr sz="1200" kern="1200">
+        <a:solidFill>
+          <a:schemeClr val="tx1"/>
+        </a:solidFill>
+        <a:latin typeface="+mn-lt"/>
+        <a:ea typeface="+mn-ea"/>
+        <a:cs typeface="+mn-cs"/>
+      </a:defRPr>
+    </a:lvl2pPr>
+    <a:lvl3pPr marL="914400" algn="l" defTabSz="914400" rtl="0" eaLnBrk="1" latinLnBrk="0" hangingPunct="1">
+      <a:defRPr sz="1200" kern="1200">
+        <a:solidFill>
+          <a:schemeClr val="tx1"/>
+        </a:solidFill>
+        <a:latin typeface="+mn-lt"/>
+        <a:ea typeface="+mn-ea"/>
+        <a:cs typeface="+mn-cs"/>
+      </a:defRPr>
+    </a:lvl3pPr>
+    <a:lvl4pPr marL="1371600" algn="l" defTabSz="914400" rtl="0" eaLnBrk="1" latinLnBrk="0" hangingPunct="1">
+      <a:defRPr sz="1200" kern="1200">
+        <a:solidFill>
+          <a:schemeClr val="tx1"/>
+        </a:solidFill>
+        <a:latin typeface="+mn-lt"/>
+        <a:ea typeface="+mn-ea"/>
+        <a:cs typeface="+mn-cs"/>
+      </a:defRPr>
+    </a:lvl4pPr>
+    <a:lvl5pPr marL="1828800" algn="l" defTabSz="914400" rtl="0" eaLnBrk="1" latinLnBrk="0" hangingPunct="1">
+      <a:defRPr sz="1200" kern="1200">
+        <a:solidFill>
+          <a:schemeClr val="tx1"/>
+        </a:solidFill>
+        <a:latin typeface="+mn-lt"/>
+        <a:ea typeface="+mn-ea"/>
+        <a:cs typeface="+mn-cs"/>
+      </a:defRPr>
+    </a:lvl5pPr>
+    <a:lvl6pPr marL="2286000" algn="l" defTabSz="914400" rtl="0" eaLnBrk="1" latinLnBrk="0" hangingPunct="1">
+      <a:defRPr sz="1200" kern="1200">
+        <a:solidFill>
+          <a:schemeClr val="tx1"/>
+        </a:solidFill>
+        <a:latin typeface="+mn-lt"/>
+        <a:ea typeface="+mn-ea"/>
+        <a:cs typeface="+mn-cs"/>
+      </a:defRPr>
+    </a:lvl6pPr>
+    <a:lvl7pPr marL="2743200" algn="l" defTabSz="914400" rtl="0" eaLnBrk="1" latinLnBrk="0" hangingPunct="1">
+      <a:defRPr sz="1200" kern="1200">
+        <a:solidFill>
+          <a:schemeClr val="tx1"/>
+        </a:solidFill>
+        <a:latin typeface="+mn-lt"/>
+        <a:ea typeface="+mn-ea"/>
+        <a:cs typeface="+mn-cs"/>
+      </a:defRPr>
+    </a:lvl7pPr>
+    <a:lvl8pPr marL="3200400" algn="l" defTabSz="914400" rtl="0" eaLnBrk="1" latinLnBrk="0" hangingPunct="1">
+      <a:defRPr sz="1200" kern="1200">
+        <a:solidFill>
+          <a:schemeClr val="tx1"/>
+        </a:solidFill>
+        <a:latin typeface="+mn-lt"/>
+        <a:ea typeface="+mn-ea"/>
+        <a:cs typeface="+mn-cs"/>
+      </a:defRPr>
+    </a:lvl8pPr>
+    <a:lvl9pPr marL="3657600" algn="l" defTabSz="914400" rtl="0" eaLnBrk="1" latinLnBrk="0" hangingPunct="1">
+      <a:defRPr sz="1200" kern="1200">
+        <a:solidFill>
+          <a:schemeClr val="tx1"/>
+        </a:solidFill>
+        <a:latin typeface="+mn-lt"/>
+        <a:ea typeface="+mn-ea"/>
+        <a:cs typeface="+mn-cs"/>
+      </a:defRPr>
+    </a:lvl9pPr>
+  </p:notesStyle>
+</p:notesMaster>
+</file>
+
+<file path=ppt/notesSlides/notesSlide1.xml><?xml version="1.0" encoding="utf-8"?>
+<p:notes xmlns:a="http://schemas.openxmlformats.org/drawingml/2006/main" xmlns:r="http://schemas.openxmlformats.org/officeDocument/2006/relationships" xmlns:p="http://schemas.openxmlformats.org/presentationml/2006/main">
+  <p:cSld>
+    <p:spTree>
+      <p:nvGrpSpPr>
+        <p:cNvPr id="1" name=""/>
+        <p:cNvGrpSpPr/>
+        <p:nvPr/>
+      </p:nvGrpSpPr>
+      <p:grpSpPr>
+        <a:xfrm>
+          <a:off x="0" y="0"/>
+          <a:ext cx="0" cy="0"/>
+          <a:chOff x="0" y="0"/>
+          <a:chExt cx="0" cy="0"/>
+        </a:xfrm>
+      </p:grpSpPr>
+      <p:sp>
+        <p:nvSpPr>
+          <p:cNvPr id="2" name="Slide Image Placeholder 1"/>
+          <p:cNvSpPr>
+            <a:spLocks noGrp="1" noRot="1" noChangeAspect="1"/>
+          </p:cNvSpPr>
+          <p:nvPr>
+            <p:ph type="sldImg"/>
+          </p:nvPr>
+        </p:nvSpPr>
+        <p:spPr/>
+      </p:sp>
+      <p:sp>
+        <p:nvSpPr>
+          <p:cNvPr id="3" name="Notes Placeholder 2"/>
+          <p:cNvSpPr>
+            <a:spLocks noGrp="1"/>
+          </p:cNvSpPr>
+          <p:nvPr>
+            <p:ph type="body" idx="1"/>
+          </p:nvPr>
+        </p:nvSpPr>
+        <p:spPr/>
+        <p:txBody>
+          <a:bodyPr/>
+          <a:lstStyle/>
+          <a:p>
+            <a:r>
+              <a:rPr lang="en-US" dirty="0"/>
+              <a:t>This makes it easy to add transforms, change batch sizes </a:t>
+            </a:r>
+            <a:r>
+              <a:rPr lang="en-US" dirty="0" err="1"/>
+              <a:t>etc</a:t>
+            </a:r>
+            <a:r>
+              <a:rPr lang="en-US" dirty="0"/>
+              <a:t>…</a:t>
+            </a:r>
+          </a:p>
+        </p:txBody>
+      </p:sp>
+      <p:sp>
+        <p:nvSpPr>
+          <p:cNvPr id="4" name="Slide Number Placeholder 3"/>
+          <p:cNvSpPr>
+            <a:spLocks noGrp="1"/>
+          </p:cNvSpPr>
+          <p:nvPr>
+            <p:ph type="sldNum" sz="quarter" idx="5"/>
+          </p:nvPr>
+        </p:nvSpPr>
+        <p:spPr/>
+        <p:txBody>
+          <a:bodyPr/>
+          <a:lstStyle/>
+          <a:p>
+            <a:fld id="{B2732108-1823-42F2-979D-D6CF9D74D210}" type="slidenum">
+              <a:rPr lang="en-US" smtClean="0"/>
+              <a:t>15</a:t>
+            </a:fld>
+            <a:endParaRPr lang="en-US"/>
+          </a:p>
+        </p:txBody>
+      </p:sp>
+    </p:spTree>
+    <p:extLst>
+      <p:ext uri="{BB962C8B-B14F-4D97-AF65-F5344CB8AC3E}">
+        <p14:creationId xmlns:p14="http://schemas.microsoft.com/office/powerpoint/2010/main" val="1177120576"/>
+      </p:ext>
+    </p:extLst>
+  </p:cSld>
+  <p:clrMapOvr>
+    <a:masterClrMapping/>
+  </p:clrMapOvr>
+</p:notes>
 </file>
 
 <file path=ppt/slideLayouts/slideLayout1.xml><?xml version="1.0" encoding="utf-8"?>
@@ -4792,7 +5240,7 @@
               <a:buNone/>
             </a:pPr>
             <a:r>
-              <a:rPr lang="en-US" b="0">
+              <a:rPr lang="en-US" b="0" dirty="0">
                 <a:solidFill>
                   <a:srgbClr val="569CD6"/>
                 </a:solidFill>
@@ -4802,7 +5250,7 @@
               <a:t>class</a:t>
             </a:r>
             <a:r>
-              <a:rPr lang="en-US" b="0">
+              <a:rPr lang="en-US" b="0" dirty="0">
                 <a:solidFill>
                   <a:srgbClr val="D4D4D4"/>
                 </a:solidFill>
@@ -4812,7 +5260,7 @@
               <a:t> </a:t>
             </a:r>
             <a:r>
-              <a:rPr lang="en-US" b="0">
+              <a:rPr lang="en-US" b="0" dirty="0">
                 <a:solidFill>
                   <a:srgbClr val="4EC9B0"/>
                 </a:solidFill>
@@ -4822,7 +5270,7 @@
               <a:t>Net</a:t>
             </a:r>
             <a:r>
-              <a:rPr lang="en-US" b="0">
+              <a:rPr lang="en-US" b="0" dirty="0">
                 <a:solidFill>
                   <a:srgbClr val="D4D4D4"/>
                 </a:solidFill>
@@ -6623,6 +7071,775 @@
 </p:sld>
 </file>
 
+<file path=ppt/slides/slide15.xml><?xml version="1.0" encoding="utf-8"?>
+<p:sld xmlns:a="http://schemas.openxmlformats.org/drawingml/2006/main" xmlns:r="http://schemas.openxmlformats.org/officeDocument/2006/relationships" xmlns:p="http://schemas.openxmlformats.org/presentationml/2006/main">
+  <p:cSld>
+    <p:spTree>
+      <p:nvGrpSpPr>
+        <p:cNvPr id="1" name=""/>
+        <p:cNvGrpSpPr/>
+        <p:nvPr/>
+      </p:nvGrpSpPr>
+      <p:grpSpPr>
+        <a:xfrm>
+          <a:off x="0" y="0"/>
+          <a:ext cx="0" cy="0"/>
+          <a:chOff x="0" y="0"/>
+          <a:chExt cx="0" cy="0"/>
+        </a:xfrm>
+      </p:grpSpPr>
+      <p:sp>
+        <p:nvSpPr>
+          <p:cNvPr id="2" name="Title 1">
+            <a:extLst>
+              <a:ext uri="{FF2B5EF4-FFF2-40B4-BE49-F238E27FC236}">
+                <a16:creationId xmlns:a16="http://schemas.microsoft.com/office/drawing/2014/main" id="{3B59D892-349D-ECD1-990B-BDDBB693657A}"/>
+              </a:ext>
+            </a:extLst>
+          </p:cNvPr>
+          <p:cNvSpPr>
+            <a:spLocks noGrp="1"/>
+          </p:cNvSpPr>
+          <p:nvPr>
+            <p:ph type="title"/>
+          </p:nvPr>
+        </p:nvSpPr>
+        <p:spPr/>
+        <p:txBody>
+          <a:bodyPr/>
+          <a:lstStyle/>
+          <a:p>
+            <a:r>
+              <a:rPr lang="en-US" dirty="0"/>
+              <a:t>Dataset &amp; Dataloader</a:t>
+            </a:r>
+          </a:p>
+        </p:txBody>
+      </p:sp>
+      <p:sp>
+        <p:nvSpPr>
+          <p:cNvPr id="3" name="Content Placeholder 2">
+            <a:extLst>
+              <a:ext uri="{FF2B5EF4-FFF2-40B4-BE49-F238E27FC236}">
+                <a16:creationId xmlns:a16="http://schemas.microsoft.com/office/drawing/2014/main" id="{623D9188-D550-38F5-E641-AA0B8820CAEA}"/>
+              </a:ext>
+            </a:extLst>
+          </p:cNvPr>
+          <p:cNvSpPr>
+            <a:spLocks noGrp="1"/>
+          </p:cNvSpPr>
+          <p:nvPr>
+            <p:ph idx="1"/>
+          </p:nvPr>
+        </p:nvSpPr>
+        <p:spPr/>
+        <p:txBody>
+          <a:bodyPr/>
+          <a:lstStyle/>
+          <a:p>
+            <a:pPr marL="0" indent="0">
+              <a:buNone/>
+            </a:pPr>
+            <a:r>
+              <a:rPr lang="en-US" dirty="0"/>
+              <a:t>To handle custom datasets, create a dataset class, and use a Dataloader to iterate through it.</a:t>
+            </a:r>
+          </a:p>
+          <a:p>
+            <a:pPr marL="0" indent="0">
+              <a:buNone/>
+            </a:pPr>
+            <a:endParaRPr lang="en-US" dirty="0"/>
+          </a:p>
+          <a:p>
+            <a:pPr marL="0" indent="0">
+              <a:buNone/>
+            </a:pPr>
+            <a:endParaRPr lang="en-US" dirty="0"/>
+          </a:p>
+        </p:txBody>
+      </p:sp>
+      <p:sp>
+        <p:nvSpPr>
+          <p:cNvPr id="4" name="TextBox 3">
+            <a:extLst>
+              <a:ext uri="{FF2B5EF4-FFF2-40B4-BE49-F238E27FC236}">
+                <a16:creationId xmlns:a16="http://schemas.microsoft.com/office/drawing/2014/main" id="{09A05255-765B-9E95-A2A8-4F7FF7014208}"/>
+              </a:ext>
+            </a:extLst>
+          </p:cNvPr>
+          <p:cNvSpPr txBox="1"/>
+          <p:nvPr/>
+        </p:nvSpPr>
+        <p:spPr>
+          <a:xfrm>
+            <a:off x="5379087" y="2483644"/>
+            <a:ext cx="5974713" cy="3693319"/>
+          </a:xfrm>
+          <a:prstGeom prst="rect">
+            <a:avLst/>
+          </a:prstGeom>
+          <a:solidFill>
+            <a:schemeClr val="tx1"/>
+          </a:solidFill>
+        </p:spPr>
+        <p:txBody>
+          <a:bodyPr wrap="none" rtlCol="0">
+            <a:spAutoFit/>
+          </a:bodyPr>
+          <a:lstStyle/>
+          <a:p>
+            <a:r>
+              <a:rPr lang="en-US" b="0" dirty="0">
+                <a:solidFill>
+                  <a:srgbClr val="569CD6"/>
+                </a:solidFill>
+                <a:effectLst/>
+                <a:latin typeface="Courier New" panose="02070309020205020404" pitchFamily="49" charset="0"/>
+              </a:rPr>
+              <a:t>class</a:t>
+            </a:r>
+            <a:r>
+              <a:rPr lang="en-US" b="0" dirty="0">
+                <a:solidFill>
+                  <a:srgbClr val="D4D4D4"/>
+                </a:solidFill>
+                <a:effectLst/>
+                <a:latin typeface="Courier New" panose="02070309020205020404" pitchFamily="49" charset="0"/>
+              </a:rPr>
+              <a:t> </a:t>
+            </a:r>
+            <a:r>
+              <a:rPr lang="en-US" b="0" dirty="0" err="1">
+                <a:solidFill>
+                  <a:srgbClr val="4EC9B0"/>
+                </a:solidFill>
+                <a:effectLst/>
+                <a:latin typeface="Courier New" panose="02070309020205020404" pitchFamily="49" charset="0"/>
+              </a:rPr>
+              <a:t>CustomDataset</a:t>
+            </a:r>
+            <a:r>
+              <a:rPr lang="en-US" b="0" dirty="0">
+                <a:solidFill>
+                  <a:srgbClr val="D4D4D4"/>
+                </a:solidFill>
+                <a:effectLst/>
+                <a:latin typeface="Courier New" panose="02070309020205020404" pitchFamily="49" charset="0"/>
+              </a:rPr>
+              <a:t>(</a:t>
+            </a:r>
+            <a:r>
+              <a:rPr lang="en-US" b="0" dirty="0">
+                <a:solidFill>
+                  <a:srgbClr val="4EC9B0"/>
+                </a:solidFill>
+                <a:effectLst/>
+                <a:latin typeface="Courier New" panose="02070309020205020404" pitchFamily="49" charset="0"/>
+              </a:rPr>
+              <a:t>Dataset</a:t>
+            </a:r>
+            <a:r>
+              <a:rPr lang="en-US" b="0" dirty="0">
+                <a:solidFill>
+                  <a:srgbClr val="D4D4D4"/>
+                </a:solidFill>
+                <a:effectLst/>
+                <a:latin typeface="Courier New" panose="02070309020205020404" pitchFamily="49" charset="0"/>
+              </a:rPr>
+              <a:t>)</a:t>
+            </a:r>
+            <a:r>
+              <a:rPr lang="en-US" b="0" dirty="0">
+                <a:solidFill>
+                  <a:srgbClr val="DCDCDC"/>
+                </a:solidFill>
+                <a:effectLst/>
+                <a:latin typeface="Courier New" panose="02070309020205020404" pitchFamily="49" charset="0"/>
+              </a:rPr>
+              <a:t>:</a:t>
+            </a:r>
+            <a:endParaRPr lang="en-US" b="0" dirty="0">
+              <a:solidFill>
+                <a:srgbClr val="D4D4D4"/>
+              </a:solidFill>
+              <a:effectLst/>
+              <a:latin typeface="Courier New" panose="02070309020205020404" pitchFamily="49" charset="0"/>
+            </a:endParaRPr>
+          </a:p>
+          <a:p>
+            <a:r>
+              <a:rPr lang="en-US" b="0" dirty="0">
+                <a:solidFill>
+                  <a:srgbClr val="D4D4D4"/>
+                </a:solidFill>
+                <a:effectLst/>
+                <a:latin typeface="Courier New" panose="02070309020205020404" pitchFamily="49" charset="0"/>
+              </a:rPr>
+              <a:t>    </a:t>
+            </a:r>
+            <a:r>
+              <a:rPr lang="en-US" b="0" dirty="0">
+                <a:solidFill>
+                  <a:srgbClr val="569CD6"/>
+                </a:solidFill>
+                <a:effectLst/>
+                <a:latin typeface="Courier New" panose="02070309020205020404" pitchFamily="49" charset="0"/>
+              </a:rPr>
+              <a:t>def</a:t>
+            </a:r>
+            <a:r>
+              <a:rPr lang="en-US" b="0" dirty="0">
+                <a:solidFill>
+                  <a:srgbClr val="D4D4D4"/>
+                </a:solidFill>
+                <a:effectLst/>
+                <a:latin typeface="Courier New" panose="02070309020205020404" pitchFamily="49" charset="0"/>
+              </a:rPr>
+              <a:t> </a:t>
+            </a:r>
+            <a:r>
+              <a:rPr lang="en-US" b="0" dirty="0">
+                <a:solidFill>
+                  <a:srgbClr val="DCDCAA"/>
+                </a:solidFill>
+                <a:effectLst/>
+                <a:latin typeface="Courier New" panose="02070309020205020404" pitchFamily="49" charset="0"/>
+              </a:rPr>
+              <a:t>__</a:t>
+            </a:r>
+            <a:r>
+              <a:rPr lang="en-US" b="0" dirty="0" err="1">
+                <a:solidFill>
+                  <a:srgbClr val="DCDCAA"/>
+                </a:solidFill>
+                <a:effectLst/>
+                <a:latin typeface="Courier New" panose="02070309020205020404" pitchFamily="49" charset="0"/>
+              </a:rPr>
+              <a:t>init</a:t>
+            </a:r>
+            <a:r>
+              <a:rPr lang="en-US" b="0" dirty="0">
+                <a:solidFill>
+                  <a:srgbClr val="DCDCAA"/>
+                </a:solidFill>
+                <a:effectLst/>
+                <a:latin typeface="Courier New" panose="02070309020205020404" pitchFamily="49" charset="0"/>
+              </a:rPr>
+              <a:t>__</a:t>
+            </a:r>
+            <a:r>
+              <a:rPr lang="en-US" b="0" dirty="0">
+                <a:solidFill>
+                  <a:srgbClr val="D4D4D4"/>
+                </a:solidFill>
+                <a:effectLst/>
+                <a:latin typeface="Courier New" panose="02070309020205020404" pitchFamily="49" charset="0"/>
+              </a:rPr>
+              <a:t>(</a:t>
+            </a:r>
+            <a:r>
+              <a:rPr lang="en-US" b="0" dirty="0">
+                <a:solidFill>
+                  <a:srgbClr val="9CDCFE"/>
+                </a:solidFill>
+                <a:effectLst/>
+                <a:latin typeface="Courier New" panose="02070309020205020404" pitchFamily="49" charset="0"/>
+              </a:rPr>
+              <a:t>self</a:t>
+            </a:r>
+            <a:r>
+              <a:rPr lang="en-US" b="0" dirty="0">
+                <a:solidFill>
+                  <a:srgbClr val="D4D4D4"/>
+                </a:solidFill>
+                <a:effectLst/>
+                <a:latin typeface="Courier New" panose="02070309020205020404" pitchFamily="49" charset="0"/>
+              </a:rPr>
+              <a:t>)</a:t>
+            </a:r>
+            <a:r>
+              <a:rPr lang="en-US" b="0" dirty="0">
+                <a:solidFill>
+                  <a:srgbClr val="DCDCDC"/>
+                </a:solidFill>
+                <a:effectLst/>
+                <a:latin typeface="Courier New" panose="02070309020205020404" pitchFamily="49" charset="0"/>
+              </a:rPr>
+              <a:t>:</a:t>
+            </a:r>
+          </a:p>
+          <a:p>
+            <a:pPr marL="0" indent="0">
+              <a:buNone/>
+            </a:pPr>
+            <a:r>
+              <a:rPr lang="en-US" dirty="0">
+                <a:solidFill>
+                  <a:srgbClr val="DCDCDC"/>
+                </a:solidFill>
+                <a:latin typeface="Courier New" panose="02070309020205020404" pitchFamily="49" charset="0"/>
+              </a:rPr>
+              <a:t>        </a:t>
+            </a:r>
+            <a:r>
+              <a:rPr lang="en-US" b="0" dirty="0">
+                <a:solidFill>
+                  <a:srgbClr val="6AA94F"/>
+                </a:solidFill>
+                <a:effectLst/>
+                <a:latin typeface="Courier New" panose="02070309020205020404" pitchFamily="49" charset="0"/>
+              </a:rPr>
+              <a:t># initialize your dataset</a:t>
+            </a:r>
+          </a:p>
+          <a:p>
+            <a:pPr marL="0" indent="0">
+              <a:buNone/>
+            </a:pPr>
+            <a:r>
+              <a:rPr lang="en-US" dirty="0">
+                <a:solidFill>
+                  <a:srgbClr val="6AA94F"/>
+                </a:solidFill>
+                <a:latin typeface="Courier New" panose="02070309020205020404" pitchFamily="49" charset="0"/>
+              </a:rPr>
+              <a:t>        # </a:t>
+            </a:r>
+            <a:r>
+              <a:rPr lang="en-US" b="0" dirty="0">
+                <a:solidFill>
+                  <a:srgbClr val="6AA94F"/>
+                </a:solidFill>
+                <a:effectLst/>
+                <a:latin typeface="Courier New" panose="02070309020205020404" pitchFamily="49" charset="0"/>
+              </a:rPr>
+              <a:t>(define the path, </a:t>
+            </a:r>
+            <a:r>
+              <a:rPr lang="en-US" b="0" dirty="0" err="1">
+                <a:solidFill>
+                  <a:srgbClr val="6AA94F"/>
+                </a:solidFill>
+                <a:effectLst/>
+                <a:latin typeface="Courier New" panose="02070309020205020404" pitchFamily="49" charset="0"/>
+              </a:rPr>
+              <a:t>etc</a:t>
+            </a:r>
+            <a:r>
+              <a:rPr lang="en-US" b="0" dirty="0">
+                <a:solidFill>
+                  <a:srgbClr val="6AA94F"/>
+                </a:solidFill>
+                <a:effectLst/>
+                <a:latin typeface="Courier New" panose="02070309020205020404" pitchFamily="49" charset="0"/>
+              </a:rPr>
+              <a:t>…)</a:t>
+            </a:r>
+            <a:endParaRPr lang="en-US" b="0" dirty="0">
+              <a:solidFill>
+                <a:srgbClr val="D4D4D4"/>
+              </a:solidFill>
+              <a:effectLst/>
+              <a:latin typeface="Courier New" panose="02070309020205020404" pitchFamily="49" charset="0"/>
+            </a:endParaRPr>
+          </a:p>
+          <a:p>
+            <a:r>
+              <a:rPr lang="en-US" b="0" dirty="0">
+                <a:solidFill>
+                  <a:srgbClr val="D4D4D4"/>
+                </a:solidFill>
+                <a:effectLst/>
+                <a:latin typeface="Courier New" panose="02070309020205020404" pitchFamily="49" charset="0"/>
+              </a:rPr>
+              <a:t>        </a:t>
+            </a:r>
+          </a:p>
+          <a:p>
+            <a:r>
+              <a:rPr lang="en-US" b="0" dirty="0">
+                <a:solidFill>
+                  <a:srgbClr val="D4D4D4"/>
+                </a:solidFill>
+                <a:effectLst/>
+                <a:latin typeface="Courier New" panose="02070309020205020404" pitchFamily="49" charset="0"/>
+              </a:rPr>
+              <a:t>    </a:t>
+            </a:r>
+            <a:r>
+              <a:rPr lang="en-US" b="0" dirty="0">
+                <a:solidFill>
+                  <a:srgbClr val="569CD6"/>
+                </a:solidFill>
+                <a:effectLst/>
+                <a:latin typeface="Courier New" panose="02070309020205020404" pitchFamily="49" charset="0"/>
+              </a:rPr>
+              <a:t>def</a:t>
+            </a:r>
+            <a:r>
+              <a:rPr lang="en-US" b="0" dirty="0">
+                <a:solidFill>
+                  <a:srgbClr val="D4D4D4"/>
+                </a:solidFill>
+                <a:effectLst/>
+                <a:latin typeface="Courier New" panose="02070309020205020404" pitchFamily="49" charset="0"/>
+              </a:rPr>
+              <a:t> </a:t>
+            </a:r>
+            <a:r>
+              <a:rPr lang="en-US" b="0" dirty="0">
+                <a:solidFill>
+                  <a:srgbClr val="DCDCAA"/>
+                </a:solidFill>
+                <a:effectLst/>
+                <a:latin typeface="Courier New" panose="02070309020205020404" pitchFamily="49" charset="0"/>
+              </a:rPr>
+              <a:t>__</a:t>
+            </a:r>
+            <a:r>
+              <a:rPr lang="en-US" b="0" dirty="0" err="1">
+                <a:solidFill>
+                  <a:srgbClr val="DCDCAA"/>
+                </a:solidFill>
+                <a:effectLst/>
+                <a:latin typeface="Courier New" panose="02070309020205020404" pitchFamily="49" charset="0"/>
+              </a:rPr>
+              <a:t>getitem</a:t>
+            </a:r>
+            <a:r>
+              <a:rPr lang="en-US" b="0" dirty="0">
+                <a:solidFill>
+                  <a:srgbClr val="DCDCAA"/>
+                </a:solidFill>
+                <a:effectLst/>
+                <a:latin typeface="Courier New" panose="02070309020205020404" pitchFamily="49" charset="0"/>
+              </a:rPr>
+              <a:t>__</a:t>
+            </a:r>
+            <a:r>
+              <a:rPr lang="en-US" b="0" dirty="0">
+                <a:solidFill>
+                  <a:srgbClr val="D4D4D4"/>
+                </a:solidFill>
+                <a:effectLst/>
+                <a:latin typeface="Courier New" panose="02070309020205020404" pitchFamily="49" charset="0"/>
+              </a:rPr>
+              <a:t>(</a:t>
+            </a:r>
+            <a:r>
+              <a:rPr lang="en-US" b="0" dirty="0">
+                <a:solidFill>
+                  <a:srgbClr val="9CDCFE"/>
+                </a:solidFill>
+                <a:effectLst/>
+                <a:latin typeface="Courier New" panose="02070309020205020404" pitchFamily="49" charset="0"/>
+              </a:rPr>
+              <a:t>self</a:t>
+            </a:r>
+            <a:r>
+              <a:rPr lang="en-US" b="0" dirty="0">
+                <a:solidFill>
+                  <a:srgbClr val="D4D4D4"/>
+                </a:solidFill>
+                <a:effectLst/>
+                <a:latin typeface="Courier New" panose="02070309020205020404" pitchFamily="49" charset="0"/>
+              </a:rPr>
+              <a:t>, </a:t>
+            </a:r>
+            <a:r>
+              <a:rPr lang="en-US" b="0" dirty="0">
+                <a:solidFill>
+                  <a:srgbClr val="9CDCFE"/>
+                </a:solidFill>
+                <a:effectLst/>
+                <a:latin typeface="Courier New" panose="02070309020205020404" pitchFamily="49" charset="0"/>
+              </a:rPr>
+              <a:t>index</a:t>
+            </a:r>
+            <a:r>
+              <a:rPr lang="en-US" b="0" dirty="0">
+                <a:solidFill>
+                  <a:srgbClr val="D4D4D4"/>
+                </a:solidFill>
+                <a:effectLst/>
+                <a:latin typeface="Courier New" panose="02070309020205020404" pitchFamily="49" charset="0"/>
+              </a:rPr>
+              <a:t>)</a:t>
+            </a:r>
+            <a:r>
+              <a:rPr lang="en-US" b="0" dirty="0">
+                <a:solidFill>
+                  <a:srgbClr val="DCDCDC"/>
+                </a:solidFill>
+                <a:effectLst/>
+                <a:latin typeface="Courier New" panose="02070309020205020404" pitchFamily="49" charset="0"/>
+              </a:rPr>
+              <a:t>:</a:t>
+            </a:r>
+          </a:p>
+          <a:p>
+            <a:r>
+              <a:rPr lang="en-US" dirty="0">
+                <a:solidFill>
+                  <a:srgbClr val="DCDCDC"/>
+                </a:solidFill>
+                <a:latin typeface="Courier New" panose="02070309020205020404" pitchFamily="49" charset="0"/>
+              </a:rPr>
+              <a:t>        </a:t>
+            </a:r>
+            <a:r>
+              <a:rPr lang="en-US" b="0" dirty="0">
+                <a:solidFill>
+                  <a:srgbClr val="6AA94F"/>
+                </a:solidFill>
+                <a:effectLst/>
+                <a:latin typeface="Courier New" panose="02070309020205020404" pitchFamily="49" charset="0"/>
+              </a:rPr>
+              <a:t># return one item of data</a:t>
+            </a:r>
+          </a:p>
+          <a:p>
+            <a:pPr marL="0" indent="0">
+              <a:buNone/>
+            </a:pPr>
+            <a:r>
+              <a:rPr lang="en-US" dirty="0">
+                <a:solidFill>
+                  <a:srgbClr val="D4D4D4"/>
+                </a:solidFill>
+                <a:latin typeface="Courier New" panose="02070309020205020404" pitchFamily="49" charset="0"/>
+              </a:rPr>
+              <a:t>        […]</a:t>
+            </a:r>
+            <a:endParaRPr lang="en-US" b="0" dirty="0">
+              <a:solidFill>
+                <a:srgbClr val="D4D4D4"/>
+              </a:solidFill>
+              <a:effectLst/>
+              <a:latin typeface="Courier New" panose="02070309020205020404" pitchFamily="49" charset="0"/>
+            </a:endParaRPr>
+          </a:p>
+          <a:p>
+            <a:pPr marL="0" indent="0">
+              <a:buNone/>
+            </a:pPr>
+            <a:r>
+              <a:rPr lang="en-US" b="0" dirty="0">
+                <a:solidFill>
+                  <a:srgbClr val="D4D4D4"/>
+                </a:solidFill>
+                <a:effectLst/>
+                <a:latin typeface="Courier New" panose="02070309020205020404" pitchFamily="49" charset="0"/>
+              </a:rPr>
+              <a:t>        </a:t>
+            </a:r>
+            <a:r>
+              <a:rPr lang="en-US" b="0" dirty="0">
+                <a:solidFill>
+                  <a:srgbClr val="C586C0"/>
+                </a:solidFill>
+                <a:effectLst/>
+                <a:latin typeface="Courier New" panose="02070309020205020404" pitchFamily="49" charset="0"/>
+              </a:rPr>
+              <a:t>return</a:t>
+            </a:r>
+            <a:r>
+              <a:rPr lang="en-US" b="0" dirty="0">
+                <a:solidFill>
+                  <a:srgbClr val="D4D4D4"/>
+                </a:solidFill>
+                <a:effectLst/>
+                <a:latin typeface="Courier New" panose="02070309020205020404" pitchFamily="49" charset="0"/>
+              </a:rPr>
+              <a:t> …</a:t>
+            </a:r>
+          </a:p>
+          <a:p>
+            <a:pPr marL="0" indent="0">
+              <a:buNone/>
+            </a:pPr>
+            <a:br>
+              <a:rPr lang="en-US" b="0" dirty="0">
+                <a:solidFill>
+                  <a:srgbClr val="D4D4D4"/>
+                </a:solidFill>
+                <a:effectLst/>
+                <a:latin typeface="Courier New" panose="02070309020205020404" pitchFamily="49" charset="0"/>
+              </a:rPr>
+            </a:br>
+            <a:r>
+              <a:rPr lang="en-US" b="0" dirty="0">
+                <a:solidFill>
+                  <a:srgbClr val="D4D4D4"/>
+                </a:solidFill>
+                <a:effectLst/>
+                <a:latin typeface="Courier New" panose="02070309020205020404" pitchFamily="49" charset="0"/>
+              </a:rPr>
+              <a:t>    </a:t>
+            </a:r>
+            <a:r>
+              <a:rPr lang="en-US" b="0" dirty="0">
+                <a:solidFill>
+                  <a:srgbClr val="569CD6"/>
+                </a:solidFill>
+                <a:effectLst/>
+                <a:latin typeface="Courier New" panose="02070309020205020404" pitchFamily="49" charset="0"/>
+              </a:rPr>
+              <a:t>def</a:t>
+            </a:r>
+            <a:r>
+              <a:rPr lang="en-US" b="0" dirty="0">
+                <a:solidFill>
+                  <a:srgbClr val="D4D4D4"/>
+                </a:solidFill>
+                <a:effectLst/>
+                <a:latin typeface="Courier New" panose="02070309020205020404" pitchFamily="49" charset="0"/>
+              </a:rPr>
+              <a:t> </a:t>
+            </a:r>
+            <a:r>
+              <a:rPr lang="en-US" b="0" dirty="0">
+                <a:solidFill>
+                  <a:srgbClr val="DCDCAA"/>
+                </a:solidFill>
+                <a:effectLst/>
+                <a:latin typeface="Courier New" panose="02070309020205020404" pitchFamily="49" charset="0"/>
+              </a:rPr>
+              <a:t>__</a:t>
+            </a:r>
+            <a:r>
+              <a:rPr lang="en-US" b="0" dirty="0" err="1">
+                <a:solidFill>
+                  <a:srgbClr val="DCDCAA"/>
+                </a:solidFill>
+                <a:effectLst/>
+                <a:latin typeface="Courier New" panose="02070309020205020404" pitchFamily="49" charset="0"/>
+              </a:rPr>
+              <a:t>len</a:t>
+            </a:r>
+            <a:r>
+              <a:rPr lang="en-US" b="0" dirty="0">
+                <a:solidFill>
+                  <a:srgbClr val="DCDCAA"/>
+                </a:solidFill>
+                <a:effectLst/>
+                <a:latin typeface="Courier New" panose="02070309020205020404" pitchFamily="49" charset="0"/>
+              </a:rPr>
+              <a:t>__</a:t>
+            </a:r>
+            <a:r>
+              <a:rPr lang="en-US" b="0" dirty="0">
+                <a:solidFill>
+                  <a:srgbClr val="D4D4D4"/>
+                </a:solidFill>
+                <a:effectLst/>
+                <a:latin typeface="Courier New" panose="02070309020205020404" pitchFamily="49" charset="0"/>
+              </a:rPr>
+              <a:t>(</a:t>
+            </a:r>
+            <a:r>
+              <a:rPr lang="en-US" b="0" dirty="0">
+                <a:solidFill>
+                  <a:srgbClr val="9CDCFE"/>
+                </a:solidFill>
+                <a:effectLst/>
+                <a:latin typeface="Courier New" panose="02070309020205020404" pitchFamily="49" charset="0"/>
+              </a:rPr>
+              <a:t>self</a:t>
+            </a:r>
+            <a:r>
+              <a:rPr lang="en-US" b="0" dirty="0">
+                <a:solidFill>
+                  <a:srgbClr val="D4D4D4"/>
+                </a:solidFill>
+                <a:effectLst/>
+                <a:latin typeface="Courier New" panose="02070309020205020404" pitchFamily="49" charset="0"/>
+              </a:rPr>
+              <a:t>)</a:t>
+            </a:r>
+            <a:r>
+              <a:rPr lang="en-US" b="0" dirty="0">
+                <a:solidFill>
+                  <a:srgbClr val="DCDCDC"/>
+                </a:solidFill>
+                <a:effectLst/>
+                <a:latin typeface="Courier New" panose="02070309020205020404" pitchFamily="49" charset="0"/>
+              </a:rPr>
+              <a:t>:</a:t>
+            </a:r>
+            <a:endParaRPr lang="en-US" dirty="0">
+              <a:solidFill>
+                <a:srgbClr val="6AA94F"/>
+              </a:solidFill>
+              <a:latin typeface="Courier New" panose="02070309020205020404" pitchFamily="49" charset="0"/>
+            </a:endParaRPr>
+          </a:p>
+          <a:p>
+            <a:pPr marL="0" indent="0">
+              <a:buNone/>
+            </a:pPr>
+            <a:r>
+              <a:rPr lang="en-US" b="0" dirty="0">
+                <a:solidFill>
+                  <a:srgbClr val="6AA94F"/>
+                </a:solidFill>
+                <a:effectLst/>
+                <a:latin typeface="Courier New" panose="02070309020205020404" pitchFamily="49" charset="0"/>
+              </a:rPr>
+              <a:t>        # return the length of the dataset</a:t>
+            </a:r>
+          </a:p>
+          <a:p>
+            <a:pPr marL="0" indent="0">
+              <a:buNone/>
+            </a:pPr>
+            <a:r>
+              <a:rPr lang="en-US" b="0" dirty="0">
+                <a:solidFill>
+                  <a:srgbClr val="D4D4D4"/>
+                </a:solidFill>
+                <a:effectLst/>
+                <a:latin typeface="Courier New" panose="02070309020205020404" pitchFamily="49" charset="0"/>
+              </a:rPr>
+              <a:t>        </a:t>
+            </a:r>
+            <a:r>
+              <a:rPr lang="en-US" b="0" dirty="0">
+                <a:solidFill>
+                  <a:srgbClr val="C586C0"/>
+                </a:solidFill>
+                <a:effectLst/>
+                <a:latin typeface="Courier New" panose="02070309020205020404" pitchFamily="49" charset="0"/>
+              </a:rPr>
+              <a:t>return</a:t>
+            </a:r>
+            <a:r>
+              <a:rPr lang="en-US" b="0" dirty="0">
+                <a:solidFill>
+                  <a:srgbClr val="D4D4D4"/>
+                </a:solidFill>
+                <a:effectLst/>
+                <a:latin typeface="Courier New" panose="02070309020205020404" pitchFamily="49" charset="0"/>
+              </a:rPr>
+              <a:t> …</a:t>
+            </a:r>
+          </a:p>
+        </p:txBody>
+      </p:sp>
+    </p:spTree>
+    <p:extLst>
+      <p:ext uri="{BB962C8B-B14F-4D97-AF65-F5344CB8AC3E}">
+        <p14:creationId xmlns:p14="http://schemas.microsoft.com/office/powerpoint/2010/main" val="753367847"/>
+      </p:ext>
+    </p:extLst>
+  </p:cSld>
+  <p:clrMapOvr>
+    <a:masterClrMapping/>
+  </p:clrMapOvr>
+</p:sld>
+</file>
+
 <file path=ppt/slides/slide2.xml><?xml version="1.0" encoding="utf-8"?>
 <p:sld xmlns:a="http://schemas.openxmlformats.org/drawingml/2006/main" xmlns:r="http://schemas.openxmlformats.org/officeDocument/2006/relationships" xmlns:p="http://schemas.openxmlformats.org/presentationml/2006/main">
   <p:cSld>
@@ -6693,7 +7910,15 @@
           <a:p>
             <a:r>
               <a:rPr lang="en-US" dirty="0"/>
-              <a:t>Developed by Facebook’s AI research group</a:t>
+              <a:t>Developed by </a:t>
+            </a:r>
+            <a:r>
+              <a:rPr lang="en-US" b="1" dirty="0"/>
+              <a:t>Facebook</a:t>
+            </a:r>
+            <a:r>
+              <a:rPr lang="en-US" dirty="0"/>
+              <a:t>’s AI research group</a:t>
             </a:r>
           </a:p>
           <a:p>
@@ -6705,7 +7930,11 @@
           <a:p>
             <a:r>
               <a:rPr lang="en-US" dirty="0"/>
-              <a:t>Getting very popular</a:t>
+              <a:t>Getting very </a:t>
+            </a:r>
+            <a:r>
+              <a:rPr lang="en-US" b="1" dirty="0"/>
+              <a:t>popular</a:t>
             </a:r>
           </a:p>
           <a:p>
@@ -6713,20 +7942,36 @@
           </a:p>
           <a:p>
             <a:r>
+              <a:rPr lang="en-US" b="1" dirty="0"/>
+              <a:t>Easy</a:t>
+            </a:r>
+            <a:r>
               <a:rPr lang="en-US" dirty="0"/>
-              <a:t>Easy to use</a:t>
+              <a:t> to use</a:t>
             </a:r>
           </a:p>
           <a:p>
             <a:r>
               <a:rPr lang="en-US" dirty="0"/>
-              <a:t>Good performance in production</a:t>
-            </a:r>
-          </a:p>
-          <a:p>
+              <a:t>Good </a:t>
+            </a:r>
+            <a:r>
+              <a:rPr lang="en-US" b="1" dirty="0"/>
+              <a:t>performance</a:t>
+            </a:r>
             <a:r>
               <a:rPr lang="en-US" dirty="0"/>
-              <a:t>Flexible across a wide range of tasks</a:t>
+              <a:t> in production</a:t>
+            </a:r>
+          </a:p>
+          <a:p>
+            <a:r>
+              <a:rPr lang="en-US" b="1" dirty="0"/>
+              <a:t>Flexible</a:t>
+            </a:r>
+            <a:r>
+              <a:rPr lang="en-US" dirty="0"/>
+              <a:t> across a wide range of tasks</a:t>
             </a:r>
           </a:p>
           <a:p>
@@ -9677,4 +10922,299 @@
     </a:ext>
   </a:extLst>
 </a:theme>
+</file>
+
+<file path=ppt/theme/theme2.xml><?xml version="1.0" encoding="utf-8"?>
+<a:theme xmlns:a="http://schemas.openxmlformats.org/drawingml/2006/main" name="Office Theme">
+  <a:themeElements>
+    <a:clrScheme name="Office">
+      <a:dk1>
+        <a:sysClr val="windowText" lastClr="000000"/>
+      </a:dk1>
+      <a:lt1>
+        <a:sysClr val="window" lastClr="FFFFFF"/>
+      </a:lt1>
+      <a:dk2>
+        <a:srgbClr val="44546A"/>
+      </a:dk2>
+      <a:lt2>
+        <a:srgbClr val="E7E6E6"/>
+      </a:lt2>
+      <a:accent1>
+        <a:srgbClr val="4472C4"/>
+      </a:accent1>
+      <a:accent2>
+        <a:srgbClr val="ED7D31"/>
+      </a:accent2>
+      <a:accent3>
+        <a:srgbClr val="A5A5A5"/>
+      </a:accent3>
+      <a:accent4>
+        <a:srgbClr val="FFC000"/>
+      </a:accent4>
+      <a:accent5>
+        <a:srgbClr val="5B9BD5"/>
+      </a:accent5>
+      <a:accent6>
+        <a:srgbClr val="70AD47"/>
+      </a:accent6>
+      <a:hlink>
+        <a:srgbClr val="0563C1"/>
+      </a:hlink>
+      <a:folHlink>
+        <a:srgbClr val="954F72"/>
+      </a:folHlink>
+    </a:clrScheme>
+    <a:fontScheme name="Office">
+      <a:majorFont>
+        <a:latin typeface="Calibri Light" panose="020F0302020204030204"/>
+        <a:ea typeface=""/>
+        <a:cs typeface=""/>
+        <a:font script="Jpan" typeface="游ゴシック Light"/>
+        <a:font script="Hang" typeface="맑은 고딕"/>
+        <a:font script="Hans" typeface="等线 Light"/>
+        <a:font script="Hant" typeface="新細明體"/>
+        <a:font script="Arab" typeface="Times New Roman"/>
+        <a:font script="Hebr" typeface="Times New Roman"/>
+        <a:font script="Thai" typeface="Angsana New"/>
+        <a:font script="Ethi" typeface="Nyala"/>
+        <a:font script="Beng" typeface="Vrinda"/>
+        <a:font script="Gujr" typeface="Shruti"/>
+        <a:font script="Khmr" typeface="MoolBoran"/>
+        <a:font script="Knda" typeface="Tunga"/>
+        <a:font script="Guru" typeface="Raavi"/>
+        <a:font script="Cans" typeface="Euphemia"/>
+        <a:font script="Cher" typeface="Plantagenet Cherokee"/>
+        <a:font script="Yiii" typeface="Microsoft Yi Baiti"/>
+        <a:font script="Tibt" typeface="Microsoft Himalaya"/>
+        <a:font script="Thaa" typeface="MV Boli"/>
+        <a:font script="Deva" typeface="Mangal"/>
+        <a:font script="Telu" typeface="Gautami"/>
+        <a:font script="Taml" typeface="Latha"/>
+        <a:font script="Syrc" typeface="Estrangelo Edessa"/>
+        <a:font script="Orya" typeface="Kalinga"/>
+        <a:font script="Mlym" typeface="Kartika"/>
+        <a:font script="Laoo" typeface="DokChampa"/>
+        <a:font script="Sinh" typeface="Iskoola Pota"/>
+        <a:font script="Mong" typeface="Mongolian Baiti"/>
+        <a:font script="Viet" typeface="Times New Roman"/>
+        <a:font script="Uigh" typeface="Microsoft Uighur"/>
+        <a:font script="Geor" typeface="Sylfaen"/>
+        <a:font script="Armn" typeface="Arial"/>
+        <a:font script="Bugi" typeface="Leelawadee UI"/>
+        <a:font script="Bopo" typeface="Microsoft JhengHei"/>
+        <a:font script="Java" typeface="Javanese Text"/>
+        <a:font script="Lisu" typeface="Segoe UI"/>
+        <a:font script="Mymr" typeface="Myanmar Text"/>
+        <a:font script="Nkoo" typeface="Ebrima"/>
+        <a:font script="Olck" typeface="Nirmala UI"/>
+        <a:font script="Osma" typeface="Ebrima"/>
+        <a:font script="Phag" typeface="Phagspa"/>
+        <a:font script="Syrn" typeface="Estrangelo Edessa"/>
+        <a:font script="Syrj" typeface="Estrangelo Edessa"/>
+        <a:font script="Syre" typeface="Estrangelo Edessa"/>
+        <a:font script="Sora" typeface="Nirmala UI"/>
+        <a:font script="Tale" typeface="Microsoft Tai Le"/>
+        <a:font script="Talu" typeface="Microsoft New Tai Lue"/>
+        <a:font script="Tfng" typeface="Ebrima"/>
+      </a:majorFont>
+      <a:minorFont>
+        <a:latin typeface="Calibri" panose="020F0502020204030204"/>
+        <a:ea typeface=""/>
+        <a:cs typeface=""/>
+        <a:font script="Jpan" typeface="游ゴシック"/>
+        <a:font script="Hang" typeface="맑은 고딕"/>
+        <a:font script="Hans" typeface="等线"/>
+        <a:font script="Hant" typeface="新細明體"/>
+        <a:font script="Arab" typeface="Arial"/>
+        <a:font script="Hebr" typeface="Arial"/>
+        <a:font script="Thai" typeface="Cordia New"/>
+        <a:font script="Ethi" typeface="Nyala"/>
+        <a:font script="Beng" typeface="Vrinda"/>
+        <a:font script="Gujr" typeface="Shruti"/>
+        <a:font script="Khmr" typeface="DaunPenh"/>
+        <a:font script="Knda" typeface="Tunga"/>
+        <a:font script="Guru" typeface="Raavi"/>
+        <a:font script="Cans" typeface="Euphemia"/>
+        <a:font script="Cher" typeface="Plantagenet Cherokee"/>
+        <a:font script="Yiii" typeface="Microsoft Yi Baiti"/>
+        <a:font script="Tibt" typeface="Microsoft Himalaya"/>
+        <a:font script="Thaa" typeface="MV Boli"/>
+        <a:font script="Deva" typeface="Mangal"/>
+        <a:font script="Telu" typeface="Gautami"/>
+        <a:font script="Taml" typeface="Latha"/>
+        <a:font script="Syrc" typeface="Estrangelo Edessa"/>
+        <a:font script="Orya" typeface="Kalinga"/>
+        <a:font script="Mlym" typeface="Kartika"/>
+        <a:font script="Laoo" typeface="DokChampa"/>
+        <a:font script="Sinh" typeface="Iskoola Pota"/>
+        <a:font script="Mong" typeface="Mongolian Baiti"/>
+        <a:font script="Viet" typeface="Arial"/>
+        <a:font script="Uigh" typeface="Microsoft Uighur"/>
+        <a:font script="Geor" typeface="Sylfaen"/>
+        <a:font script="Armn" typeface="Arial"/>
+        <a:font script="Bugi" typeface="Leelawadee UI"/>
+        <a:font script="Bopo" typeface="Microsoft JhengHei"/>
+        <a:font script="Java" typeface="Javanese Text"/>
+        <a:font script="Lisu" typeface="Segoe UI"/>
+        <a:font script="Mymr" typeface="Myanmar Text"/>
+        <a:font script="Nkoo" typeface="Ebrima"/>
+        <a:font script="Olck" typeface="Nirmala UI"/>
+        <a:font script="Osma" typeface="Ebrima"/>
+        <a:font script="Phag" typeface="Phagspa"/>
+        <a:font script="Syrn" typeface="Estrangelo Edessa"/>
+        <a:font script="Syrj" typeface="Estrangelo Edessa"/>
+        <a:font script="Syre" typeface="Estrangelo Edessa"/>
+        <a:font script="Sora" typeface="Nirmala UI"/>
+        <a:font script="Tale" typeface="Microsoft Tai Le"/>
+        <a:font script="Talu" typeface="Microsoft New Tai Lue"/>
+        <a:font script="Tfng" typeface="Ebrima"/>
+      </a:minorFont>
+    </a:fontScheme>
+    <a:fmtScheme name="Office">
+      <a:fillStyleLst>
+        <a:solidFill>
+          <a:schemeClr val="phClr"/>
+        </a:solidFill>
+        <a:gradFill rotWithShape="1">
+          <a:gsLst>
+            <a:gs pos="0">
+              <a:schemeClr val="phClr">
+                <a:lumMod val="110000"/>
+                <a:satMod val="105000"/>
+                <a:tint val="67000"/>
+              </a:schemeClr>
+            </a:gs>
+            <a:gs pos="50000">
+              <a:schemeClr val="phClr">
+                <a:lumMod val="105000"/>
+                <a:satMod val="103000"/>
+                <a:tint val="73000"/>
+              </a:schemeClr>
+            </a:gs>
+            <a:gs pos="100000">
+              <a:schemeClr val="phClr">
+                <a:lumMod val="105000"/>
+                <a:satMod val="109000"/>
+                <a:tint val="81000"/>
+              </a:schemeClr>
+            </a:gs>
+          </a:gsLst>
+          <a:lin ang="5400000" scaled="0"/>
+        </a:gradFill>
+        <a:gradFill rotWithShape="1">
+          <a:gsLst>
+            <a:gs pos="0">
+              <a:schemeClr val="phClr">
+                <a:satMod val="103000"/>
+                <a:lumMod val="102000"/>
+                <a:tint val="94000"/>
+              </a:schemeClr>
+            </a:gs>
+            <a:gs pos="50000">
+              <a:schemeClr val="phClr">
+                <a:satMod val="110000"/>
+                <a:lumMod val="100000"/>
+                <a:shade val="100000"/>
+              </a:schemeClr>
+            </a:gs>
+            <a:gs pos="100000">
+              <a:schemeClr val="phClr">
+                <a:lumMod val="99000"/>
+                <a:satMod val="120000"/>
+                <a:shade val="78000"/>
+              </a:schemeClr>
+            </a:gs>
+          </a:gsLst>
+          <a:lin ang="5400000" scaled="0"/>
+        </a:gradFill>
+      </a:fillStyleLst>
+      <a:lnStyleLst>
+        <a:ln w="6350" cap="flat" cmpd="sng" algn="ctr">
+          <a:solidFill>
+            <a:schemeClr val="phClr"/>
+          </a:solidFill>
+          <a:prstDash val="solid"/>
+          <a:miter lim="800000"/>
+        </a:ln>
+        <a:ln w="12700" cap="flat" cmpd="sng" algn="ctr">
+          <a:solidFill>
+            <a:schemeClr val="phClr"/>
+          </a:solidFill>
+          <a:prstDash val="solid"/>
+          <a:miter lim="800000"/>
+        </a:ln>
+        <a:ln w="19050" cap="flat" cmpd="sng" algn="ctr">
+          <a:solidFill>
+            <a:schemeClr val="phClr"/>
+          </a:solidFill>
+          <a:prstDash val="solid"/>
+          <a:miter lim="800000"/>
+        </a:ln>
+      </a:lnStyleLst>
+      <a:effectStyleLst>
+        <a:effectStyle>
+          <a:effectLst/>
+        </a:effectStyle>
+        <a:effectStyle>
+          <a:effectLst/>
+        </a:effectStyle>
+        <a:effectStyle>
+          <a:effectLst>
+            <a:outerShdw blurRad="57150" dist="19050" dir="5400000" algn="ctr" rotWithShape="0">
+              <a:srgbClr val="000000">
+                <a:alpha val="63000"/>
+              </a:srgbClr>
+            </a:outerShdw>
+          </a:effectLst>
+        </a:effectStyle>
+      </a:effectStyleLst>
+      <a:bgFillStyleLst>
+        <a:solidFill>
+          <a:schemeClr val="phClr"/>
+        </a:solidFill>
+        <a:solidFill>
+          <a:schemeClr val="phClr">
+            <a:tint val="95000"/>
+            <a:satMod val="170000"/>
+          </a:schemeClr>
+        </a:solidFill>
+        <a:gradFill rotWithShape="1">
+          <a:gsLst>
+            <a:gs pos="0">
+              <a:schemeClr val="phClr">
+                <a:tint val="93000"/>
+                <a:satMod val="150000"/>
+                <a:shade val="98000"/>
+                <a:lumMod val="102000"/>
+              </a:schemeClr>
+            </a:gs>
+            <a:gs pos="50000">
+              <a:schemeClr val="phClr">
+                <a:tint val="98000"/>
+                <a:satMod val="130000"/>
+                <a:shade val="90000"/>
+                <a:lumMod val="103000"/>
+              </a:schemeClr>
+            </a:gs>
+            <a:gs pos="100000">
+              <a:schemeClr val="phClr">
+                <a:shade val="63000"/>
+                <a:satMod val="120000"/>
+              </a:schemeClr>
+            </a:gs>
+          </a:gsLst>
+          <a:lin ang="5400000" scaled="0"/>
+        </a:gradFill>
+      </a:bgFillStyleLst>
+    </a:fmtScheme>
+  </a:themeElements>
+  <a:objectDefaults/>
+  <a:extraClrSchemeLst/>
+  <a:extLst>
+    <a:ext uri="{05A4C25C-085E-4340-85A3-A5531E510DB2}">
+      <thm15:themeFamily xmlns:thm15="http://schemas.microsoft.com/office/thememl/2012/main" name="Office Theme" id="{62F939B6-93AF-4DB8-9C6B-D6C7DFDC589F}" vid="{4A3C46E8-61CC-4603-A589-7422A47A8E4A}"/>
+    </a:ext>
+  </a:extLst>
+</a:theme>
 </file>
--- a/Slides_2.pptx
+++ b/Slides_2.pptx
@@ -5,7 +5,7 @@
     <p:sldMasterId id="2147483648" r:id="rId1"/>
   </p:sldMasterIdLst>
   <p:notesMasterIdLst>
-    <p:notesMasterId r:id="rId17"/>
+    <p:notesMasterId r:id="rId18"/>
   </p:notesMasterIdLst>
   <p:sldIdLst>
     <p:sldId id="332" r:id="rId2"/>
@@ -23,6 +23,7 @@
     <p:sldId id="338" r:id="rId14"/>
     <p:sldId id="343" r:id="rId15"/>
     <p:sldId id="345" r:id="rId16"/>
+    <p:sldId id="346" r:id="rId17"/>
   </p:sldIdLst>
   <p:sldSz cx="12192000" cy="6858000"/>
   <p:notesSz cx="6858000" cy="9144000"/>
@@ -7831,6 +7832,100 @@
     <p:extLst>
       <p:ext uri="{BB962C8B-B14F-4D97-AF65-F5344CB8AC3E}">
         <p14:creationId xmlns:p14="http://schemas.microsoft.com/office/powerpoint/2010/main" val="753367847"/>
+      </p:ext>
+    </p:extLst>
+  </p:cSld>
+  <p:clrMapOvr>
+    <a:masterClrMapping/>
+  </p:clrMapOvr>
+</p:sld>
+</file>
+
+<file path=ppt/slides/slide16.xml><?xml version="1.0" encoding="utf-8"?>
+<p:sld xmlns:a="http://schemas.openxmlformats.org/drawingml/2006/main" xmlns:r="http://schemas.openxmlformats.org/officeDocument/2006/relationships" xmlns:p="http://schemas.openxmlformats.org/presentationml/2006/main">
+  <p:cSld>
+    <p:spTree>
+      <p:nvGrpSpPr>
+        <p:cNvPr id="1" name=""/>
+        <p:cNvGrpSpPr/>
+        <p:nvPr/>
+      </p:nvGrpSpPr>
+      <p:grpSpPr>
+        <a:xfrm>
+          <a:off x="0" y="0"/>
+          <a:ext cx="0" cy="0"/>
+          <a:chOff x="0" y="0"/>
+          <a:chExt cx="0" cy="0"/>
+        </a:xfrm>
+      </p:grpSpPr>
+      <p:sp>
+        <p:nvSpPr>
+          <p:cNvPr id="3" name="Title 2">
+            <a:extLst>
+              <a:ext uri="{FF2B5EF4-FFF2-40B4-BE49-F238E27FC236}">
+                <a16:creationId xmlns:a16="http://schemas.microsoft.com/office/drawing/2014/main" id="{D414A705-61E5-7C83-B960-6AF0DB643423}"/>
+              </a:ext>
+            </a:extLst>
+          </p:cNvPr>
+          <p:cNvSpPr>
+            <a:spLocks noGrp="1"/>
+          </p:cNvSpPr>
+          <p:nvPr>
+            <p:ph type="title"/>
+          </p:nvPr>
+        </p:nvSpPr>
+        <p:spPr/>
+        <p:txBody>
+          <a:bodyPr/>
+          <a:lstStyle/>
+          <a:p>
+            <a:pPr algn="ctr"/>
+            <a:r>
+              <a:rPr lang="en-US" dirty="0"/>
+              <a:t>Now it’s time to torch!</a:t>
+            </a:r>
+          </a:p>
+        </p:txBody>
+      </p:sp>
+      <p:pic>
+        <p:nvPicPr>
+          <p:cNvPr id="6" name="Content Placeholder 5" descr="Icon&#10;&#10;Description automatically generated">
+            <a:extLst>
+              <a:ext uri="{FF2B5EF4-FFF2-40B4-BE49-F238E27FC236}">
+                <a16:creationId xmlns:a16="http://schemas.microsoft.com/office/drawing/2014/main" id="{A6B48D7D-7241-E5EC-CB94-208E4063FBD1}"/>
+              </a:ext>
+            </a:extLst>
+          </p:cNvPr>
+          <p:cNvPicPr>
+            <a:picLocks noGrp="1" noChangeAspect="1"/>
+          </p:cNvPicPr>
+          <p:nvPr>
+            <p:ph idx="1"/>
+          </p:nvPr>
+        </p:nvPicPr>
+        <p:blipFill>
+          <a:blip r:embed="rId2">
+            <a:extLst>
+              <a:ext uri="{28A0092B-C50C-407E-A947-70E740481C1C}">
+                <a14:useLocalDpi xmlns:a14="http://schemas.microsoft.com/office/drawing/2010/main" val="0"/>
+              </a:ext>
+            </a:extLst>
+          </a:blip>
+          <a:stretch>
+            <a:fillRect/>
+          </a:stretch>
+        </p:blipFill>
+        <p:spPr>
+          <a:xfrm>
+            <a:off x="3920331" y="1825625"/>
+            <a:ext cx="4351338" cy="4351338"/>
+          </a:xfrm>
+        </p:spPr>
+      </p:pic>
+    </p:spTree>
+    <p:extLst>
+      <p:ext uri="{BB962C8B-B14F-4D97-AF65-F5344CB8AC3E}">
+        <p14:creationId xmlns:p14="http://schemas.microsoft.com/office/powerpoint/2010/main" val="3206799964"/>
       </p:ext>
     </p:extLst>
   </p:cSld>

--- a/Slides_2.pptx
+++ b/Slides_2.pptx
@@ -212,7 +212,7 @@
           <a:p>
             <a:fld id="{207C662F-A001-4EA2-B345-C237CD6465E1}" type="datetimeFigureOut">
               <a:rPr lang="en-US" smtClean="0"/>
-              <a:t>1/6/2023</a:t>
+              <a:t>1/15/2023</a:t>
             </a:fld>
             <a:endParaRPr lang="en-US"/>
           </a:p>
@@ -721,7 +721,7 @@
           <a:p>
             <a:fld id="{4F06803B-D602-4C3D-AD5C-468F46C70933}" type="datetimeFigureOut">
               <a:rPr lang="en-US" smtClean="0"/>
-              <a:t>1/5/2023</a:t>
+              <a:t>1/15/2023</a:t>
             </a:fld>
             <a:endParaRPr lang="en-US"/>
           </a:p>
@@ -919,7 +919,7 @@
           <a:p>
             <a:fld id="{4F06803B-D602-4C3D-AD5C-468F46C70933}" type="datetimeFigureOut">
               <a:rPr lang="en-US" smtClean="0"/>
-              <a:t>1/5/2023</a:t>
+              <a:t>1/15/2023</a:t>
             </a:fld>
             <a:endParaRPr lang="en-US"/>
           </a:p>
@@ -1127,7 +1127,7 @@
           <a:p>
             <a:fld id="{4F06803B-D602-4C3D-AD5C-468F46C70933}" type="datetimeFigureOut">
               <a:rPr lang="en-US" smtClean="0"/>
-              <a:t>1/5/2023</a:t>
+              <a:t>1/15/2023</a:t>
             </a:fld>
             <a:endParaRPr lang="en-US"/>
           </a:p>
@@ -1325,7 +1325,7 @@
           <a:p>
             <a:fld id="{4F06803B-D602-4C3D-AD5C-468F46C70933}" type="datetimeFigureOut">
               <a:rPr lang="en-US" smtClean="0"/>
-              <a:t>1/5/2023</a:t>
+              <a:t>1/15/2023</a:t>
             </a:fld>
             <a:endParaRPr lang="en-US"/>
           </a:p>
@@ -1600,7 +1600,7 @@
           <a:p>
             <a:fld id="{4F06803B-D602-4C3D-AD5C-468F46C70933}" type="datetimeFigureOut">
               <a:rPr lang="en-US" smtClean="0"/>
-              <a:t>1/5/2023</a:t>
+              <a:t>1/15/2023</a:t>
             </a:fld>
             <a:endParaRPr lang="en-US"/>
           </a:p>
@@ -1865,7 +1865,7 @@
           <a:p>
             <a:fld id="{4F06803B-D602-4C3D-AD5C-468F46C70933}" type="datetimeFigureOut">
               <a:rPr lang="en-US" smtClean="0"/>
-              <a:t>1/5/2023</a:t>
+              <a:t>1/15/2023</a:t>
             </a:fld>
             <a:endParaRPr lang="en-US"/>
           </a:p>
@@ -2277,7 +2277,7 @@
           <a:p>
             <a:fld id="{4F06803B-D602-4C3D-AD5C-468F46C70933}" type="datetimeFigureOut">
               <a:rPr lang="en-US" smtClean="0"/>
-              <a:t>1/5/2023</a:t>
+              <a:t>1/15/2023</a:t>
             </a:fld>
             <a:endParaRPr lang="en-US"/>
           </a:p>
@@ -2418,7 +2418,7 @@
           <a:p>
             <a:fld id="{4F06803B-D602-4C3D-AD5C-468F46C70933}" type="datetimeFigureOut">
               <a:rPr lang="en-US" smtClean="0"/>
-              <a:t>1/5/2023</a:t>
+              <a:t>1/15/2023</a:t>
             </a:fld>
             <a:endParaRPr lang="en-US"/>
           </a:p>
@@ -2531,7 +2531,7 @@
           <a:p>
             <a:fld id="{4F06803B-D602-4C3D-AD5C-468F46C70933}" type="datetimeFigureOut">
               <a:rPr lang="en-US" smtClean="0"/>
-              <a:t>1/5/2023</a:t>
+              <a:t>1/15/2023</a:t>
             </a:fld>
             <a:endParaRPr lang="en-US"/>
           </a:p>
@@ -2842,7 +2842,7 @@
           <a:p>
             <a:fld id="{4F06803B-D602-4C3D-AD5C-468F46C70933}" type="datetimeFigureOut">
               <a:rPr lang="en-US" smtClean="0"/>
-              <a:t>1/5/2023</a:t>
+              <a:t>1/15/2023</a:t>
             </a:fld>
             <a:endParaRPr lang="en-US"/>
           </a:p>
@@ -3130,7 +3130,7 @@
           <a:p>
             <a:fld id="{4F06803B-D602-4C3D-AD5C-468F46C70933}" type="datetimeFigureOut">
               <a:rPr lang="en-US" smtClean="0"/>
-              <a:t>1/5/2023</a:t>
+              <a:t>1/15/2023</a:t>
             </a:fld>
             <a:endParaRPr lang="en-US"/>
           </a:p>
@@ -3371,7 +3371,7 @@
           <a:p>
             <a:fld id="{4F06803B-D602-4C3D-AD5C-468F46C70933}" type="datetimeFigureOut">
               <a:rPr lang="en-US" smtClean="0"/>
-              <a:t>1/5/2023</a:t>
+              <a:t>1/15/2023</a:t>
             </a:fld>
             <a:endParaRPr lang="en-US"/>
           </a:p>
@@ -3838,15 +3838,22 @@
           <a:lstStyle/>
           <a:p>
             <a:r>
-              <a:rPr lang="en-US" dirty="0">
+              <a:rPr lang="en-US">
                 <a:solidFill>
                   <a:schemeClr val="bg1">
                     <a:lumMod val="50000"/>
                   </a:schemeClr>
                 </a:solidFill>
               </a:rPr>
-              <a:t>Lecture 1/10</a:t>
-            </a:r>
+              <a:t>Lecture 2/10</a:t>
+            </a:r>
+            <a:endParaRPr lang="en-US" dirty="0">
+              <a:solidFill>
+                <a:schemeClr val="bg1">
+                  <a:lumMod val="50000"/>
+                </a:schemeClr>
+              </a:solidFill>
+            </a:endParaRPr>
           </a:p>
         </p:txBody>
       </p:sp>
@@ -3908,8 +3915,8 @@
           </a:p>
         </p:txBody>
       </p:sp>
-      <mc:AlternateContent xmlns:mc="http://schemas.openxmlformats.org/markup-compatibility/2006">
-        <mc:Choice xmlns:a14="http://schemas.microsoft.com/office/drawing/2010/main" Requires="a14">
+      <mc:AlternateContent xmlns:mc="http://schemas.openxmlformats.org/markup-compatibility/2006" xmlns:a14="http://schemas.microsoft.com/office/drawing/2010/main">
+        <mc:Choice Requires="a14">
           <p:sp>
             <p:nvSpPr>
               <p:cNvPr id="3" name="Content Placeholder 2">
@@ -4526,7 +4533,7 @@
             </p:txBody>
           </p:sp>
         </mc:Choice>
-        <mc:Fallback>
+        <mc:Fallback xmlns="">
           <p:sp>
             <p:nvSpPr>
               <p:cNvPr id="3" name="Content Placeholder 2">
@@ -8839,8 +8846,8 @@
           </a:p>
         </p:txBody>
       </p:sp>
-      <mc:AlternateContent xmlns:mc="http://schemas.openxmlformats.org/markup-compatibility/2006">
-        <mc:Choice xmlns:a14="http://schemas.microsoft.com/office/drawing/2010/main" Requires="a14">
+      <mc:AlternateContent xmlns:mc="http://schemas.openxmlformats.org/markup-compatibility/2006" xmlns:a14="http://schemas.microsoft.com/office/drawing/2010/main">
+        <mc:Choice Requires="a14">
           <p:sp>
             <p:nvSpPr>
               <p:cNvPr id="3" name="Content Placeholder 2">
@@ -9146,7 +9153,7 @@
             </p:txBody>
           </p:sp>
         </mc:Choice>
-        <mc:Fallback>
+        <mc:Fallback xmlns="">
           <p:sp>
             <p:nvSpPr>
               <p:cNvPr id="3" name="Content Placeholder 2">
@@ -9244,8 +9251,8 @@
           </a:p>
         </p:txBody>
       </p:sp>
-      <mc:AlternateContent xmlns:mc="http://schemas.openxmlformats.org/markup-compatibility/2006">
-        <mc:Choice xmlns:a14="http://schemas.microsoft.com/office/drawing/2010/main" Requires="a14">
+      <mc:AlternateContent xmlns:mc="http://schemas.openxmlformats.org/markup-compatibility/2006" xmlns:a14="http://schemas.microsoft.com/office/drawing/2010/main">
+        <mc:Choice Requires="a14">
           <p:sp>
             <p:nvSpPr>
               <p:cNvPr id="3" name="Content Placeholder 2">
@@ -9582,7 +9589,7 @@
             </p:txBody>
           </p:sp>
         </mc:Choice>
-        <mc:Fallback>
+        <mc:Fallback xmlns="">
           <p:sp>
             <p:nvSpPr>
               <p:cNvPr id="3" name="Content Placeholder 2">
@@ -10071,8 +10078,8 @@
           </a:p>
         </p:txBody>
       </p:sp>
-      <mc:AlternateContent xmlns:mc="http://schemas.openxmlformats.org/markup-compatibility/2006">
-        <mc:Choice xmlns:a14="http://schemas.microsoft.com/office/drawing/2010/main" Requires="a14">
+      <mc:AlternateContent xmlns:mc="http://schemas.openxmlformats.org/markup-compatibility/2006" xmlns:a14="http://schemas.microsoft.com/office/drawing/2010/main">
+        <mc:Choice Requires="a14">
           <p:sp>
             <p:nvSpPr>
               <p:cNvPr id="3" name="Content Placeholder 2">
@@ -10671,7 +10678,7 @@
             </p:txBody>
           </p:sp>
         </mc:Choice>
-        <mc:Fallback>
+        <mc:Fallback xmlns="">
           <p:sp>
             <p:nvSpPr>
               <p:cNvPr id="3" name="Content Placeholder 2">

--- a/Slides_2.pptx
+++ b/Slides_2.pptx
@@ -524,17 +524,428 @@
           <a:lstStyle/>
           <a:p>
             <a:r>
-              <a:rPr lang="en-US" dirty="0"/>
-              <a:t>This makes it easy to add transforms, change batch sizes </a:t>
-            </a:r>
-            <a:r>
-              <a:rPr lang="en-US" dirty="0" err="1"/>
-              <a:t>etc</a:t>
-            </a:r>
-            <a:r>
-              <a:rPr lang="en-US" dirty="0"/>
-              <a:t>…</a:t>
-            </a:r>
+              <a:rPr lang="en-US" b="1" i="0" dirty="0">
+                <a:solidFill>
+                  <a:srgbClr val="5F6368"/>
+                </a:solidFill>
+                <a:effectLst/>
+                <a:latin typeface="arial" panose="020B0604020202020204" pitchFamily="34" charset="0"/>
+              </a:rPr>
+              <a:t>Inheritance</a:t>
+            </a:r>
+            <a:r>
+              <a:rPr lang="en-US" b="0" i="0" dirty="0">
+                <a:solidFill>
+                  <a:srgbClr val="4D5156"/>
+                </a:solidFill>
+                <a:effectLst/>
+                <a:latin typeface="arial" panose="020B0604020202020204" pitchFamily="34" charset="0"/>
+              </a:rPr>
+              <a:t> allows us to define a </a:t>
+            </a:r>
+            <a:r>
+              <a:rPr lang="en-US" b="1" i="0" dirty="0">
+                <a:solidFill>
+                  <a:srgbClr val="5F6368"/>
+                </a:solidFill>
+                <a:effectLst/>
+                <a:latin typeface="arial" panose="020B0604020202020204" pitchFamily="34" charset="0"/>
+              </a:rPr>
+              <a:t>class</a:t>
+            </a:r>
+            <a:r>
+              <a:rPr lang="en-US" b="0" i="0" dirty="0">
+                <a:solidFill>
+                  <a:srgbClr val="4D5156"/>
+                </a:solidFill>
+                <a:effectLst/>
+                <a:latin typeface="arial" panose="020B0604020202020204" pitchFamily="34" charset="0"/>
+              </a:rPr>
+              <a:t> that inherits all the methods and properties from another </a:t>
+            </a:r>
+            <a:r>
+              <a:rPr lang="en-US" b="1" i="0" dirty="0">
+                <a:solidFill>
+                  <a:srgbClr val="5F6368"/>
+                </a:solidFill>
+                <a:effectLst/>
+                <a:latin typeface="arial" panose="020B0604020202020204" pitchFamily="34" charset="0"/>
+              </a:rPr>
+              <a:t>class.</a:t>
+            </a:r>
+            <a:endParaRPr lang="fr-FR" dirty="0"/>
+          </a:p>
+        </p:txBody>
+      </p:sp>
+      <p:sp>
+        <p:nvSpPr>
+          <p:cNvPr id="4" name="Slide Number Placeholder 3"/>
+          <p:cNvSpPr>
+            <a:spLocks noGrp="1"/>
+          </p:cNvSpPr>
+          <p:nvPr>
+            <p:ph type="sldNum" sz="quarter" idx="5"/>
+          </p:nvPr>
+        </p:nvSpPr>
+        <p:spPr/>
+        <p:txBody>
+          <a:bodyPr/>
+          <a:lstStyle/>
+          <a:p>
+            <a:fld id="{B2732108-1823-42F2-979D-D6CF9D74D210}" type="slidenum">
+              <a:rPr lang="en-US" smtClean="0"/>
+              <a:t>3</a:t>
+            </a:fld>
+            <a:endParaRPr lang="en-US"/>
+          </a:p>
+        </p:txBody>
+      </p:sp>
+    </p:spTree>
+    <p:extLst>
+      <p:ext uri="{BB962C8B-B14F-4D97-AF65-F5344CB8AC3E}">
+        <p14:creationId xmlns:p14="http://schemas.microsoft.com/office/powerpoint/2010/main" val="4219062024"/>
+      </p:ext>
+    </p:extLst>
+  </p:cSld>
+  <p:clrMapOvr>
+    <a:masterClrMapping/>
+  </p:clrMapOvr>
+</p:notes>
+</file>
+
+<file path=ppt/notesSlides/notesSlide2.xml><?xml version="1.0" encoding="utf-8"?>
+<p:notes xmlns:a="http://schemas.openxmlformats.org/drawingml/2006/main" xmlns:r="http://schemas.openxmlformats.org/officeDocument/2006/relationships" xmlns:p="http://schemas.openxmlformats.org/presentationml/2006/main">
+  <p:cSld>
+    <p:spTree>
+      <p:nvGrpSpPr>
+        <p:cNvPr id="1" name=""/>
+        <p:cNvGrpSpPr/>
+        <p:nvPr/>
+      </p:nvGrpSpPr>
+      <p:grpSpPr>
+        <a:xfrm>
+          <a:off x="0" y="0"/>
+          <a:ext cx="0" cy="0"/>
+          <a:chOff x="0" y="0"/>
+          <a:chExt cx="0" cy="0"/>
+        </a:xfrm>
+      </p:grpSpPr>
+      <p:sp>
+        <p:nvSpPr>
+          <p:cNvPr id="2" name="Slide Image Placeholder 1"/>
+          <p:cNvSpPr>
+            <a:spLocks noGrp="1" noRot="1" noChangeAspect="1"/>
+          </p:cNvSpPr>
+          <p:nvPr>
+            <p:ph type="sldImg"/>
+          </p:nvPr>
+        </p:nvSpPr>
+        <p:spPr/>
+      </p:sp>
+      <p:sp>
+        <p:nvSpPr>
+          <p:cNvPr id="3" name="Notes Placeholder 2"/>
+          <p:cNvSpPr>
+            <a:spLocks noGrp="1"/>
+          </p:cNvSpPr>
+          <p:nvPr>
+            <p:ph type="body" idx="1"/>
+          </p:nvPr>
+        </p:nvSpPr>
+        <p:spPr/>
+        <p:txBody>
+          <a:bodyPr/>
+          <a:lstStyle/>
+          <a:p>
+            <a:r>
+              <a:rPr lang="fr-FR" dirty="0"/>
+              <a:t>No </a:t>
+            </a:r>
+            <a:r>
+              <a:rPr lang="fr-FR" dirty="0" err="1"/>
+              <a:t>need</a:t>
+            </a:r>
+            <a:r>
+              <a:rPr lang="fr-FR" dirty="0"/>
+              <a:t> for </a:t>
+            </a:r>
+            <a:r>
+              <a:rPr lang="fr-FR" dirty="0" err="1"/>
+              <a:t>backward</a:t>
+            </a:r>
+            <a:r>
+              <a:rPr lang="fr-FR" dirty="0"/>
+              <a:t>!</a:t>
+            </a:r>
+          </a:p>
+        </p:txBody>
+      </p:sp>
+      <p:sp>
+        <p:nvSpPr>
+          <p:cNvPr id="4" name="Slide Number Placeholder 3"/>
+          <p:cNvSpPr>
+            <a:spLocks noGrp="1"/>
+          </p:cNvSpPr>
+          <p:nvPr>
+            <p:ph type="sldNum" sz="quarter" idx="5"/>
+          </p:nvPr>
+        </p:nvSpPr>
+        <p:spPr/>
+        <p:txBody>
+          <a:bodyPr/>
+          <a:lstStyle/>
+          <a:p>
+            <a:fld id="{B2732108-1823-42F2-979D-D6CF9D74D210}" type="slidenum">
+              <a:rPr lang="en-US" smtClean="0"/>
+              <a:t>12</a:t>
+            </a:fld>
+            <a:endParaRPr lang="en-US"/>
+          </a:p>
+        </p:txBody>
+      </p:sp>
+    </p:spTree>
+    <p:extLst>
+      <p:ext uri="{BB962C8B-B14F-4D97-AF65-F5344CB8AC3E}">
+        <p14:creationId xmlns:p14="http://schemas.microsoft.com/office/powerpoint/2010/main" val="1188452145"/>
+      </p:ext>
+    </p:extLst>
+  </p:cSld>
+  <p:clrMapOvr>
+    <a:masterClrMapping/>
+  </p:clrMapOvr>
+</p:notes>
+</file>
+
+<file path=ppt/notesSlides/notesSlide3.xml><?xml version="1.0" encoding="utf-8"?>
+<p:notes xmlns:a="http://schemas.openxmlformats.org/drawingml/2006/main" xmlns:r="http://schemas.openxmlformats.org/officeDocument/2006/relationships" xmlns:p="http://schemas.openxmlformats.org/presentationml/2006/main">
+  <p:cSld>
+    <p:spTree>
+      <p:nvGrpSpPr>
+        <p:cNvPr id="1" name=""/>
+        <p:cNvGrpSpPr/>
+        <p:nvPr/>
+      </p:nvGrpSpPr>
+      <p:grpSpPr>
+        <a:xfrm>
+          <a:off x="0" y="0"/>
+          <a:ext cx="0" cy="0"/>
+          <a:chOff x="0" y="0"/>
+          <a:chExt cx="0" cy="0"/>
+        </a:xfrm>
+      </p:grpSpPr>
+      <p:sp>
+        <p:nvSpPr>
+          <p:cNvPr id="2" name="Slide Image Placeholder 1"/>
+          <p:cNvSpPr>
+            <a:spLocks noGrp="1" noRot="1" noChangeAspect="1"/>
+          </p:cNvSpPr>
+          <p:nvPr>
+            <p:ph type="sldImg"/>
+          </p:nvPr>
+        </p:nvSpPr>
+        <p:spPr/>
+      </p:sp>
+      <p:sp>
+        <p:nvSpPr>
+          <p:cNvPr id="3" name="Notes Placeholder 2"/>
+          <p:cNvSpPr>
+            <a:spLocks noGrp="1"/>
+          </p:cNvSpPr>
+          <p:nvPr>
+            <p:ph type="body" idx="1"/>
+          </p:nvPr>
+        </p:nvSpPr>
+        <p:spPr/>
+        <p:txBody>
+          <a:bodyPr/>
+          <a:lstStyle/>
+          <a:p>
+            <a:r>
+              <a:rPr lang="fr-FR" dirty="0"/>
+              <a:t>Pas d’activation </a:t>
+            </a:r>
+            <a:r>
+              <a:rPr lang="fr-FR" dirty="0" err="1"/>
+              <a:t>function</a:t>
+            </a:r>
+            <a:r>
+              <a:rPr lang="fr-FR" dirty="0"/>
+              <a:t> sur la dernière couche, on a le droit ! On pourrait aussi en mettre une. </a:t>
+            </a:r>
+          </a:p>
+        </p:txBody>
+      </p:sp>
+      <p:sp>
+        <p:nvSpPr>
+          <p:cNvPr id="4" name="Slide Number Placeholder 3"/>
+          <p:cNvSpPr>
+            <a:spLocks noGrp="1"/>
+          </p:cNvSpPr>
+          <p:nvPr>
+            <p:ph type="sldNum" sz="quarter" idx="5"/>
+          </p:nvPr>
+        </p:nvSpPr>
+        <p:spPr/>
+        <p:txBody>
+          <a:bodyPr/>
+          <a:lstStyle/>
+          <a:p>
+            <a:fld id="{B2732108-1823-42F2-979D-D6CF9D74D210}" type="slidenum">
+              <a:rPr lang="en-US" smtClean="0"/>
+              <a:t>13</a:t>
+            </a:fld>
+            <a:endParaRPr lang="en-US"/>
+          </a:p>
+        </p:txBody>
+      </p:sp>
+    </p:spTree>
+    <p:extLst>
+      <p:ext uri="{BB962C8B-B14F-4D97-AF65-F5344CB8AC3E}">
+        <p14:creationId xmlns:p14="http://schemas.microsoft.com/office/powerpoint/2010/main" val="1258635247"/>
+      </p:ext>
+    </p:extLst>
+  </p:cSld>
+  <p:clrMapOvr>
+    <a:masterClrMapping/>
+  </p:clrMapOvr>
+</p:notes>
+</file>
+
+<file path=ppt/notesSlides/notesSlide4.xml><?xml version="1.0" encoding="utf-8"?>
+<p:notes xmlns:a="http://schemas.openxmlformats.org/drawingml/2006/main" xmlns:r="http://schemas.openxmlformats.org/officeDocument/2006/relationships" xmlns:p="http://schemas.openxmlformats.org/presentationml/2006/main">
+  <p:cSld>
+    <p:spTree>
+      <p:nvGrpSpPr>
+        <p:cNvPr id="1" name=""/>
+        <p:cNvGrpSpPr/>
+        <p:nvPr/>
+      </p:nvGrpSpPr>
+      <p:grpSpPr>
+        <a:xfrm>
+          <a:off x="0" y="0"/>
+          <a:ext cx="0" cy="0"/>
+          <a:chOff x="0" y="0"/>
+          <a:chExt cx="0" cy="0"/>
+        </a:xfrm>
+      </p:grpSpPr>
+      <p:sp>
+        <p:nvSpPr>
+          <p:cNvPr id="2" name="Slide Image Placeholder 1"/>
+          <p:cNvSpPr>
+            <a:spLocks noGrp="1" noRot="1" noChangeAspect="1"/>
+          </p:cNvSpPr>
+          <p:nvPr>
+            <p:ph type="sldImg"/>
+          </p:nvPr>
+        </p:nvSpPr>
+        <p:spPr/>
+      </p:sp>
+      <p:sp>
+        <p:nvSpPr>
+          <p:cNvPr id="3" name="Notes Placeholder 2"/>
+          <p:cNvSpPr>
+            <a:spLocks noGrp="1"/>
+          </p:cNvSpPr>
+          <p:nvPr>
+            <p:ph type="body" idx="1"/>
+          </p:nvPr>
+        </p:nvSpPr>
+        <p:spPr/>
+        <p:txBody>
+          <a:bodyPr/>
+          <a:lstStyle/>
+          <a:p>
+            <a:r>
+              <a:rPr lang="en-US" b="0" i="0" dirty="0">
+                <a:solidFill>
+                  <a:srgbClr val="202124"/>
+                </a:solidFill>
+                <a:effectLst/>
+                <a:latin typeface="arial" panose="020B0604020202020204" pitchFamily="34" charset="0"/>
+              </a:rPr>
+              <a:t>Creating a PyTorch Dataset and managing it with </a:t>
+            </a:r>
+            <a:r>
+              <a:rPr lang="en-US" b="0" i="0" dirty="0" err="1">
+                <a:solidFill>
+                  <a:srgbClr val="202124"/>
+                </a:solidFill>
+                <a:effectLst/>
+                <a:latin typeface="arial" panose="020B0604020202020204" pitchFamily="34" charset="0"/>
+              </a:rPr>
+              <a:t>Dataloader</a:t>
+            </a:r>
+            <a:r>
+              <a:rPr lang="en-US" b="0" i="0" dirty="0">
+                <a:solidFill>
+                  <a:srgbClr val="202124"/>
+                </a:solidFill>
+                <a:effectLst/>
+                <a:latin typeface="arial" panose="020B0604020202020204" pitchFamily="34" charset="0"/>
+              </a:rPr>
+              <a:t> </a:t>
+            </a:r>
+            <a:r>
+              <a:rPr lang="en-US" b="1" i="0" dirty="0">
+                <a:solidFill>
+                  <a:srgbClr val="202124"/>
+                </a:solidFill>
+                <a:effectLst/>
+                <a:latin typeface="arial" panose="020B0604020202020204" pitchFamily="34" charset="0"/>
+              </a:rPr>
+              <a:t>keeps your data manageable and helps to simplify your machine learning pipeline</a:t>
+            </a:r>
+            <a:r>
+              <a:rPr lang="en-US" b="0" i="0" dirty="0">
+                <a:solidFill>
+                  <a:srgbClr val="202124"/>
+                </a:solidFill>
+                <a:effectLst/>
+                <a:latin typeface="arial" panose="020B0604020202020204" pitchFamily="34" charset="0"/>
+              </a:rPr>
+              <a:t>. A Dataset stores all your data, and </a:t>
+            </a:r>
+            <a:r>
+              <a:rPr lang="en-US" b="0" i="0" dirty="0" err="1">
+                <a:solidFill>
+                  <a:srgbClr val="202124"/>
+                </a:solidFill>
+                <a:effectLst/>
+                <a:latin typeface="arial" panose="020B0604020202020204" pitchFamily="34" charset="0"/>
+              </a:rPr>
+              <a:t>Dataloader</a:t>
+            </a:r>
+            <a:r>
+              <a:rPr lang="en-US" b="0" i="0" dirty="0">
+                <a:solidFill>
+                  <a:srgbClr val="202124"/>
+                </a:solidFill>
+                <a:effectLst/>
+                <a:latin typeface="arial" panose="020B0604020202020204" pitchFamily="34" charset="0"/>
+              </a:rPr>
+              <a:t> is can be used to iterate through the data, manage batches, </a:t>
+            </a:r>
+            <a:r>
+              <a:rPr lang="en-US" b="1" i="0" dirty="0">
+                <a:solidFill>
+                  <a:srgbClr val="FF0000"/>
+                </a:solidFill>
+                <a:effectLst/>
+                <a:latin typeface="arial" panose="020B0604020202020204" pitchFamily="34" charset="0"/>
+              </a:rPr>
+              <a:t>transform the data</a:t>
+            </a:r>
+            <a:r>
+              <a:rPr lang="en-US" b="0" i="0" dirty="0">
+                <a:solidFill>
+                  <a:srgbClr val="202124"/>
+                </a:solidFill>
+                <a:effectLst/>
+                <a:latin typeface="arial" panose="020B0604020202020204" pitchFamily="34" charset="0"/>
+              </a:rPr>
+              <a:t>, and much more.</a:t>
+            </a:r>
+            <a:endParaRPr lang="en-US" dirty="0"/>
           </a:p>
         </p:txBody>
       </p:sp>
@@ -3838,7 +4249,7 @@
           <a:lstStyle/>
           <a:p>
             <a:r>
-              <a:rPr lang="en-US">
+              <a:rPr lang="en-US" dirty="0">
                 <a:solidFill>
                   <a:schemeClr val="bg1">
                     <a:lumMod val="50000"/>
@@ -3847,13 +4258,6 @@
               </a:rPr>
               <a:t>Lecture 2/10</a:t>
             </a:r>
-            <a:endParaRPr lang="en-US" dirty="0">
-              <a:solidFill>
-                <a:schemeClr val="bg1">
-                  <a:lumMod val="50000"/>
-                </a:schemeClr>
-              </a:solidFill>
-            </a:endParaRPr>
           </a:p>
         </p:txBody>
       </p:sp>
@@ -6905,16 +7309,16 @@
           </a:bodyPr>
           <a:lstStyle/>
           <a:p>
-            <a:pPr marL="0" indent="0">
+            <a:pPr marL="0" indent="0" algn="just">
               <a:buNone/>
             </a:pPr>
             <a:r>
               <a:rPr lang="en-US" dirty="0"/>
-              <a:t>All optimizers used in this course are variation of gradient descent:</a:t>
-            </a:r>
-          </a:p>
-          <a:p>
-            <a:pPr lvl="1"/>
+              <a:t>All optimizers used in this course are variations of gradient descent:</a:t>
+            </a:r>
+          </a:p>
+          <a:p>
+            <a:pPr lvl="1" algn="just"/>
             <a:r>
               <a:rPr lang="en-US" dirty="0"/>
               <a:t>Stochastic Gradient Descent (</a:t>
@@ -6937,7 +7341,7 @@
             </a:r>
           </a:p>
           <a:p>
-            <a:pPr lvl="1"/>
+            <a:pPr lvl="1" algn="just"/>
             <a:r>
               <a:rPr lang="en-US" dirty="0"/>
               <a:t>Adaptive Moment Estimation (</a:t>
@@ -6976,7 +7380,7 @@
             </a:r>
           </a:p>
           <a:p>
-            <a:pPr lvl="1"/>
+            <a:pPr lvl="1" algn="just"/>
             <a:r>
               <a:rPr lang="en-US" dirty="0"/>
               <a:t>Root Mean Squared Propagation (</a:t>
@@ -7015,13 +7419,13 @@
             </a:r>
           </a:p>
           <a:p>
-            <a:pPr marL="0" indent="0">
+            <a:pPr marL="0" indent="0" algn="just">
               <a:buNone/>
             </a:pPr>
             <a:endParaRPr lang="en-US" dirty="0"/>
           </a:p>
           <a:p>
-            <a:pPr marL="0" indent="0">
+            <a:pPr marL="0" indent="0" algn="just">
               <a:buNone/>
             </a:pPr>
             <a:r>
@@ -7145,7 +7549,7 @@
           <a:bodyPr/>
           <a:lstStyle/>
           <a:p>
-            <a:pPr marL="0" indent="0">
+            <a:pPr marL="0" indent="0" algn="just">
               <a:buNone/>
             </a:pPr>
             <a:r>
@@ -8236,56 +8640,137 @@
           </a:bodyPr>
           <a:lstStyle/>
           <a:p>
+            <a:pPr algn="just"/>
             <a:r>
               <a:rPr lang="en-US" b="1" dirty="0"/>
               <a:t>Tensor</a:t>
             </a:r>
             <a:r>
               <a:rPr lang="en-US" dirty="0"/>
-              <a:t>: Multi-dimensional array of numbers</a:t>
-            </a:r>
-          </a:p>
-          <a:p>
+              <a:t>: multi-dimensional array of numbers</a:t>
+            </a:r>
+          </a:p>
+          <a:p>
+            <a:pPr algn="just"/>
             <a:r>
               <a:rPr lang="en-US" b="1" dirty="0"/>
               <a:t>Autograd</a:t>
             </a:r>
             <a:r>
               <a:rPr lang="en-US" dirty="0"/>
-              <a:t>: A library for automatically computing gradients</a:t>
-            </a:r>
-          </a:p>
-          <a:p>
+              <a:t>: </a:t>
+            </a:r>
+            <a:r>
+              <a:rPr lang="fr-FR" b="0" i="0" dirty="0" err="1">
+                <a:solidFill>
+                  <a:srgbClr val="262626"/>
+                </a:solidFill>
+                <a:effectLst/>
+                <a:latin typeface="FreightSans"/>
+              </a:rPr>
+              <a:t>automatic</a:t>
+            </a:r>
+            <a:r>
+              <a:rPr lang="fr-FR" b="0" i="0" dirty="0">
+                <a:solidFill>
+                  <a:srgbClr val="262626"/>
+                </a:solidFill>
+                <a:effectLst/>
+                <a:latin typeface="FreightSans"/>
+              </a:rPr>
+              <a:t> </a:t>
+            </a:r>
+            <a:r>
+              <a:rPr lang="fr-FR" b="0" i="0" dirty="0" err="1">
+                <a:solidFill>
+                  <a:srgbClr val="262626"/>
+                </a:solidFill>
+                <a:effectLst/>
+                <a:latin typeface="FreightSans"/>
+              </a:rPr>
+              <a:t>differentiation</a:t>
+            </a:r>
+            <a:r>
+              <a:rPr lang="fr-FR" b="0" i="0" dirty="0">
+                <a:solidFill>
+                  <a:srgbClr val="262626"/>
+                </a:solidFill>
+                <a:effectLst/>
+                <a:latin typeface="FreightSans"/>
+              </a:rPr>
+              <a:t> engine (to </a:t>
+            </a:r>
+            <a:r>
+              <a:rPr lang="fr-FR" b="0" i="0" dirty="0" err="1">
+                <a:solidFill>
+                  <a:srgbClr val="262626"/>
+                </a:solidFill>
+                <a:effectLst/>
+                <a:latin typeface="FreightSans"/>
+              </a:rPr>
+              <a:t>avoid</a:t>
+            </a:r>
+            <a:r>
+              <a:rPr lang="fr-FR" b="0" i="0" dirty="0">
+                <a:solidFill>
+                  <a:srgbClr val="262626"/>
+                </a:solidFill>
+                <a:effectLst/>
+                <a:latin typeface="FreightSans"/>
+              </a:rPr>
+              <a:t> </a:t>
+            </a:r>
+            <a:r>
+              <a:rPr lang="en-US" dirty="0"/>
+              <a:t>manual computation of gradients, cf. last TD correction)</a:t>
+            </a:r>
+          </a:p>
+          <a:p>
+            <a:pPr algn="just"/>
             <a:r>
               <a:rPr lang="en-US" b="1" dirty="0"/>
               <a:t>Neural network module</a:t>
             </a:r>
             <a:r>
               <a:rPr lang="en-US" dirty="0"/>
-              <a:t>: Base class for all neural network classes</a:t>
-            </a:r>
-          </a:p>
-          <a:p>
+              <a:t>: base class to inherit from for all our neural network classes</a:t>
+            </a:r>
+          </a:p>
+          <a:p>
+            <a:pPr algn="just"/>
             <a:r>
               <a:rPr lang="en-US" b="1" dirty="0"/>
               <a:t>Optimizer</a:t>
             </a:r>
             <a:r>
               <a:rPr lang="en-US" dirty="0"/>
-              <a:t>: An algorithm that is used to adjust the parameters of a neural network in order to minimize a loss function</a:t>
-            </a:r>
-          </a:p>
-          <a:p>
+              <a:t>: an algorithm that is used to </a:t>
+            </a:r>
+            <a:r>
+              <a:rPr lang="en-US" b="0" i="0" dirty="0">
+                <a:solidFill>
+                  <a:srgbClr val="262626"/>
+                </a:solidFill>
+                <a:effectLst/>
+                <a:latin typeface="FreightSans"/>
+              </a:rPr>
+              <a:t>update the parameters based on the computed gradients and a given loss function</a:t>
+            </a:r>
+            <a:endParaRPr lang="en-US" dirty="0"/>
+          </a:p>
+          <a:p>
+            <a:pPr algn="just"/>
             <a:r>
               <a:rPr lang="en-US" b="1" dirty="0"/>
               <a:t>Dataset/Dataloader</a:t>
             </a:r>
             <a:r>
               <a:rPr lang="en-US" dirty="0"/>
-              <a:t>: A base class for our data</a:t>
-            </a:r>
-          </a:p>
-          <a:p>
+              <a:t>: a base class for our data</a:t>
+            </a:r>
+          </a:p>
+          <a:p>
+            <a:pPr algn="just"/>
             <a:endParaRPr lang="en-US" dirty="0"/>
           </a:p>
         </p:txBody>
@@ -8379,7 +8864,7 @@
         </p:blipFill>
         <p:spPr>
           <a:xfrm>
-            <a:off x="8365360" y="1778371"/>
+            <a:off x="8496978" y="1778371"/>
             <a:ext cx="3600450" cy="3600450"/>
           </a:xfrm>
           <a:prstGeom prst="rect">
@@ -8418,7 +8903,7 @@
         </p:blipFill>
         <p:spPr>
           <a:xfrm>
-            <a:off x="1962394" y="1778371"/>
+            <a:off x="2094012" y="1778371"/>
             <a:ext cx="3600450" cy="3600450"/>
           </a:xfrm>
           <a:prstGeom prst="rect">
@@ -8457,7 +8942,7 @@
         </p:blipFill>
         <p:spPr>
           <a:xfrm>
-            <a:off x="4944680" y="1778371"/>
+            <a:off x="5076298" y="1778371"/>
             <a:ext cx="3600450" cy="3600450"/>
           </a:xfrm>
           <a:prstGeom prst="rect">
@@ -8518,7 +9003,7 @@
         </p:nvSpPr>
         <p:spPr>
           <a:xfrm>
-            <a:off x="381965" y="5563487"/>
+            <a:off x="513583" y="5563487"/>
             <a:ext cx="740587" cy="369332"/>
           </a:xfrm>
           <a:prstGeom prst="rect">
@@ -8553,7 +9038,7 @@
         </p:nvSpPr>
         <p:spPr>
           <a:xfrm>
-            <a:off x="2968106" y="5563487"/>
+            <a:off x="3099724" y="5563487"/>
             <a:ext cx="794513" cy="369332"/>
           </a:xfrm>
           <a:prstGeom prst="rect">
@@ -8588,7 +9073,7 @@
         </p:nvSpPr>
         <p:spPr>
           <a:xfrm>
-            <a:off x="5893443" y="5563487"/>
+            <a:off x="6025061" y="5563487"/>
             <a:ext cx="799706" cy="369332"/>
           </a:xfrm>
           <a:prstGeom prst="rect">
@@ -8623,7 +9108,7 @@
         </p:nvSpPr>
         <p:spPr>
           <a:xfrm>
-            <a:off x="9604530" y="5563487"/>
+            <a:off x="9736148" y="5563487"/>
             <a:ext cx="805349" cy="369332"/>
           </a:xfrm>
           <a:prstGeom prst="rect">
@@ -8725,6 +9210,7 @@
           </a:bodyPr>
           <a:lstStyle/>
           <a:p>
+            <a:pPr algn="just"/>
             <a:r>
               <a:rPr lang="en-US" b="1" dirty="0"/>
               <a:t>Symbolic derivative </a:t>
@@ -8743,6 +9229,7 @@
             </a:r>
           </a:p>
           <a:p>
+            <a:pPr algn="just"/>
             <a:r>
               <a:rPr lang="en-US" b="1" dirty="0"/>
               <a:t>Finite difference </a:t>
@@ -8761,6 +9248,7 @@
             </a:r>
           </a:p>
           <a:p>
+            <a:pPr algn="just"/>
             <a:r>
               <a:rPr lang="en-US" b="1" dirty="0"/>
               <a:t>Automatic differentiation</a:t>

--- a/Slides_2.pptx
+++ b/Slides_2.pptx
@@ -212,7 +212,7 @@
           <a:p>
             <a:fld id="{207C662F-A001-4EA2-B345-C237CD6465E1}" type="datetimeFigureOut">
               <a:rPr lang="en-US" smtClean="0"/>
-              <a:t>1/15/2023</a:t>
+              <a:t>1/16/2023</a:t>
             </a:fld>
             <a:endParaRPr lang="en-US"/>
           </a:p>
@@ -856,6 +856,319 @@
           <a:lstStyle/>
           <a:p>
             <a:r>
+              <a:rPr lang="fr-FR" dirty="0"/>
+              <a:t>For </a:t>
+            </a:r>
+            <a:r>
+              <a:rPr lang="fr-FR" dirty="0" err="1"/>
+              <a:t>now</a:t>
+            </a:r>
+            <a:r>
+              <a:rPr lang="fr-FR" dirty="0"/>
+              <a:t>, </a:t>
+            </a:r>
+            <a:r>
+              <a:rPr lang="fr-FR" dirty="0" err="1"/>
+              <a:t>let’s</a:t>
+            </a:r>
+            <a:r>
+              <a:rPr lang="fr-FR" dirty="0"/>
+              <a:t> </a:t>
+            </a:r>
+            <a:r>
+              <a:rPr lang="fr-FR" dirty="0" err="1"/>
+              <a:t>just</a:t>
+            </a:r>
+            <a:r>
+              <a:rPr lang="fr-FR" dirty="0"/>
+              <a:t> </a:t>
+            </a:r>
+            <a:r>
+              <a:rPr lang="fr-FR" dirty="0" err="1"/>
+              <a:t>understand</a:t>
+            </a:r>
+            <a:r>
+              <a:rPr lang="fr-FR" dirty="0"/>
+              <a:t> the </a:t>
+            </a:r>
+            <a:r>
+              <a:rPr lang="fr-FR" dirty="0" err="1"/>
+              <a:t>difference</a:t>
+            </a:r>
+            <a:r>
+              <a:rPr lang="fr-FR" dirty="0"/>
+              <a:t> </a:t>
+            </a:r>
+            <a:r>
+              <a:rPr lang="fr-FR" dirty="0" err="1"/>
+              <a:t>between</a:t>
+            </a:r>
+            <a:r>
+              <a:rPr lang="fr-FR" dirty="0"/>
+              <a:t> </a:t>
+            </a:r>
+            <a:r>
+              <a:rPr lang="fr-FR" dirty="0" err="1"/>
+              <a:t>stochastic</a:t>
+            </a:r>
+            <a:r>
+              <a:rPr lang="fr-FR" dirty="0"/>
+              <a:t> gradient </a:t>
+            </a:r>
+            <a:r>
+              <a:rPr lang="fr-FR" dirty="0" err="1"/>
+              <a:t>descent</a:t>
+            </a:r>
+            <a:r>
+              <a:rPr lang="fr-FR" dirty="0"/>
+              <a:t> and standard gradient </a:t>
+            </a:r>
+            <a:r>
+              <a:rPr lang="fr-FR" dirty="0" err="1"/>
+              <a:t>descent</a:t>
+            </a:r>
+            <a:r>
+              <a:rPr lang="fr-FR" dirty="0"/>
+              <a:t>.</a:t>
+            </a:r>
+          </a:p>
+          <a:p>
+            <a:endParaRPr lang="fr-FR" dirty="0"/>
+          </a:p>
+          <a:p>
+            <a:pPr algn="l"/>
+            <a:r>
+              <a:rPr lang="en-US" b="0" i="0" dirty="0">
+                <a:solidFill>
+                  <a:srgbClr val="292929"/>
+                </a:solidFill>
+                <a:effectLst/>
+                <a:latin typeface="source-serif-pro"/>
+              </a:rPr>
+              <a:t>Stochastic Gradient Descent is a probabilistic approximation of Gradient Descent. It is an approximation because, at each step, the algorithm calculates the gradient for one observation picked at random, instead of calculating the gradient for the entire dataset.</a:t>
+            </a:r>
+            <a:br>
+              <a:rPr lang="en-US" dirty="0"/>
+            </a:br>
+            <a:r>
+              <a:rPr lang="en-US" b="0" i="0" dirty="0">
+                <a:solidFill>
+                  <a:srgbClr val="292929"/>
+                </a:solidFill>
+                <a:effectLst/>
+                <a:latin typeface="source-serif-pro"/>
+              </a:rPr>
+              <a:t>This represents a significant performance improvement, when the dataset contains millions of observations.</a:t>
+            </a:r>
+          </a:p>
+          <a:p>
+            <a:pPr algn="l"/>
+            <a:r>
+              <a:rPr lang="en-US" b="0" i="0" dirty="0">
+                <a:solidFill>
+                  <a:srgbClr val="292929"/>
+                </a:solidFill>
+                <a:effectLst/>
+                <a:latin typeface="source-serif-pro"/>
+              </a:rPr>
+              <a:t>Compared to Gradient Descent, Stochastic Gradient Descent is much faster, and more suitable to large-scale datasets.</a:t>
+            </a:r>
+          </a:p>
+          <a:p>
+            <a:pPr algn="l"/>
+            <a:r>
+              <a:rPr lang="en-US" b="0" i="0" dirty="0">
+                <a:solidFill>
+                  <a:srgbClr val="292929"/>
+                </a:solidFill>
+                <a:effectLst/>
+                <a:latin typeface="source-serif-pro"/>
+              </a:rPr>
+              <a:t>But since the gradient it’s not computed for the entire dataset, and only for one random point on each iteration, the updates have a higher variance. This makes the cost function fluctuate more on each iteration, when compared to Gradient Descent, making it harder for the algorithm to converge.</a:t>
+            </a:r>
+          </a:p>
+          <a:p>
+            <a:pPr algn="l"/>
+            <a:r>
+              <a:rPr lang="en-US" b="0" i="0" dirty="0">
+                <a:solidFill>
+                  <a:srgbClr val="292929"/>
+                </a:solidFill>
+                <a:effectLst/>
+                <a:latin typeface="source-serif-pro"/>
+              </a:rPr>
+              <a:t>New variations of Stochastic Gradient Descent have been developed to tackle these problems. For example, </a:t>
+            </a:r>
+            <a:r>
+              <a:rPr lang="en-US" b="0" i="1" dirty="0">
+                <a:solidFill>
+                  <a:srgbClr val="292929"/>
+                </a:solidFill>
+                <a:effectLst/>
+                <a:latin typeface="source-serif-pro"/>
+              </a:rPr>
+              <a:t>Mini-batch</a:t>
+            </a:r>
+            <a:r>
+              <a:rPr lang="en-US" b="0" i="0" dirty="0">
+                <a:solidFill>
+                  <a:srgbClr val="292929"/>
+                </a:solidFill>
+                <a:effectLst/>
+                <a:latin typeface="source-serif-pro"/>
+              </a:rPr>
+              <a:t> Stochastic Gradient Descent, addresses the variance problem by picking a sample of </a:t>
+            </a:r>
+            <a:r>
+              <a:rPr lang="en-US" b="0" i="1" dirty="0">
+                <a:solidFill>
+                  <a:srgbClr val="292929"/>
+                </a:solidFill>
+                <a:effectLst/>
+                <a:latin typeface="source-serif-pro"/>
+              </a:rPr>
+              <a:t>n </a:t>
+            </a:r>
+            <a:r>
+              <a:rPr lang="en-US" b="0" i="0" dirty="0">
+                <a:solidFill>
+                  <a:srgbClr val="292929"/>
+                </a:solidFill>
+                <a:effectLst/>
+                <a:latin typeface="source-serif-pro"/>
+              </a:rPr>
+              <a:t>observations from the dataset in each iteration instead of just one</a:t>
+            </a:r>
+            <a:r>
+              <a:rPr lang="fr-FR" b="0" i="0" dirty="0">
+                <a:solidFill>
+                  <a:srgbClr val="292929"/>
+                </a:solidFill>
+                <a:effectLst/>
+                <a:latin typeface="source-serif-pro"/>
+              </a:rPr>
+              <a:t>.</a:t>
+            </a:r>
+          </a:p>
+          <a:p>
+            <a:pPr algn="l"/>
+            <a:endParaRPr lang="fr-FR" b="0" i="0" dirty="0">
+              <a:solidFill>
+                <a:srgbClr val="292929"/>
+              </a:solidFill>
+              <a:effectLst/>
+              <a:latin typeface="source-serif-pro"/>
+            </a:endParaRPr>
+          </a:p>
+          <a:p>
+            <a:pPr algn="l"/>
+            <a:r>
+              <a:rPr lang="en-US" b="0" i="0" dirty="0">
+                <a:solidFill>
+                  <a:srgbClr val="000000"/>
+                </a:solidFill>
+                <a:effectLst/>
+                <a:latin typeface="Source Sans Pro" panose="020B0503030403020204" pitchFamily="34" charset="0"/>
+              </a:rPr>
+              <a:t>Suppose you have made an app and want to improve it by taking feedback from 100 customers. You can do it in two ways. First, you can give the app to the first customer and take his feedback then to the second one, then the third, and so on. After collecting feedback from all of them you can improve your app. But you can also improve the app as soon as you get feedback from the first customer. Then you give it to the second one and you improve again before giving it to the third one. Notice that in this way you are improving your app at a much faster rate and can reach an optimal point much earlier.</a:t>
+            </a:r>
+          </a:p>
+          <a:p>
+            <a:pPr algn="l"/>
+            <a:r>
+              <a:rPr lang="en-US" b="0" i="0">
+                <a:solidFill>
+                  <a:srgbClr val="000000"/>
+                </a:solidFill>
+                <a:effectLst/>
+                <a:latin typeface="Source Sans Pro" panose="020B0503030403020204" pitchFamily="34" charset="0"/>
+              </a:rPr>
+              <a:t>Hopefully, you can tell that the first process is the Vanilla Gradient Descent and the second one is SGD.</a:t>
+            </a:r>
+          </a:p>
+        </p:txBody>
+      </p:sp>
+      <p:sp>
+        <p:nvSpPr>
+          <p:cNvPr id="4" name="Slide Number Placeholder 3"/>
+          <p:cNvSpPr>
+            <a:spLocks noGrp="1"/>
+          </p:cNvSpPr>
+          <p:nvPr>
+            <p:ph type="sldNum" sz="quarter" idx="5"/>
+          </p:nvPr>
+        </p:nvSpPr>
+        <p:spPr/>
+        <p:txBody>
+          <a:bodyPr/>
+          <a:lstStyle/>
+          <a:p>
+            <a:fld id="{B2732108-1823-42F2-979D-D6CF9D74D210}" type="slidenum">
+              <a:rPr lang="en-US" smtClean="0"/>
+              <a:t>14</a:t>
+            </a:fld>
+            <a:endParaRPr lang="en-US"/>
+          </a:p>
+        </p:txBody>
+      </p:sp>
+    </p:spTree>
+    <p:extLst>
+      <p:ext uri="{BB962C8B-B14F-4D97-AF65-F5344CB8AC3E}">
+        <p14:creationId xmlns:p14="http://schemas.microsoft.com/office/powerpoint/2010/main" val="3474250490"/>
+      </p:ext>
+    </p:extLst>
+  </p:cSld>
+  <p:clrMapOvr>
+    <a:masterClrMapping/>
+  </p:clrMapOvr>
+</p:notes>
+</file>
+
+<file path=ppt/notesSlides/notesSlide5.xml><?xml version="1.0" encoding="utf-8"?>
+<p:notes xmlns:a="http://schemas.openxmlformats.org/drawingml/2006/main" xmlns:r="http://schemas.openxmlformats.org/officeDocument/2006/relationships" xmlns:p="http://schemas.openxmlformats.org/presentationml/2006/main">
+  <p:cSld>
+    <p:spTree>
+      <p:nvGrpSpPr>
+        <p:cNvPr id="1" name=""/>
+        <p:cNvGrpSpPr/>
+        <p:nvPr/>
+      </p:nvGrpSpPr>
+      <p:grpSpPr>
+        <a:xfrm>
+          <a:off x="0" y="0"/>
+          <a:ext cx="0" cy="0"/>
+          <a:chOff x="0" y="0"/>
+          <a:chExt cx="0" cy="0"/>
+        </a:xfrm>
+      </p:grpSpPr>
+      <p:sp>
+        <p:nvSpPr>
+          <p:cNvPr id="2" name="Slide Image Placeholder 1"/>
+          <p:cNvSpPr>
+            <a:spLocks noGrp="1" noRot="1" noChangeAspect="1"/>
+          </p:cNvSpPr>
+          <p:nvPr>
+            <p:ph type="sldImg"/>
+          </p:nvPr>
+        </p:nvSpPr>
+        <p:spPr/>
+      </p:sp>
+      <p:sp>
+        <p:nvSpPr>
+          <p:cNvPr id="3" name="Notes Placeholder 2"/>
+          <p:cNvSpPr>
+            <a:spLocks noGrp="1"/>
+          </p:cNvSpPr>
+          <p:nvPr>
+            <p:ph type="body" idx="1"/>
+          </p:nvPr>
+        </p:nvSpPr>
+        <p:spPr/>
+        <p:txBody>
+          <a:bodyPr/>
+          <a:lstStyle/>
+          <a:p>
+            <a:r>
               <a:rPr lang="en-US" b="0" i="0" dirty="0">
                 <a:solidFill>
                   <a:srgbClr val="202124"/>
@@ -1132,7 +1445,7 @@
           <a:p>
             <a:fld id="{4F06803B-D602-4C3D-AD5C-468F46C70933}" type="datetimeFigureOut">
               <a:rPr lang="en-US" smtClean="0"/>
-              <a:t>1/15/2023</a:t>
+              <a:t>1/16/2023</a:t>
             </a:fld>
             <a:endParaRPr lang="en-US"/>
           </a:p>
@@ -1330,7 +1643,7 @@
           <a:p>
             <a:fld id="{4F06803B-D602-4C3D-AD5C-468F46C70933}" type="datetimeFigureOut">
               <a:rPr lang="en-US" smtClean="0"/>
-              <a:t>1/15/2023</a:t>
+              <a:t>1/16/2023</a:t>
             </a:fld>
             <a:endParaRPr lang="en-US"/>
           </a:p>
@@ -1538,7 +1851,7 @@
           <a:p>
             <a:fld id="{4F06803B-D602-4C3D-AD5C-468F46C70933}" type="datetimeFigureOut">
               <a:rPr lang="en-US" smtClean="0"/>
-              <a:t>1/15/2023</a:t>
+              <a:t>1/16/2023</a:t>
             </a:fld>
             <a:endParaRPr lang="en-US"/>
           </a:p>
@@ -1736,7 +2049,7 @@
           <a:p>
             <a:fld id="{4F06803B-D602-4C3D-AD5C-468F46C70933}" type="datetimeFigureOut">
               <a:rPr lang="en-US" smtClean="0"/>
-              <a:t>1/15/2023</a:t>
+              <a:t>1/16/2023</a:t>
             </a:fld>
             <a:endParaRPr lang="en-US"/>
           </a:p>
@@ -2011,7 +2324,7 @@
           <a:p>
             <a:fld id="{4F06803B-D602-4C3D-AD5C-468F46C70933}" type="datetimeFigureOut">
               <a:rPr lang="en-US" smtClean="0"/>
-              <a:t>1/15/2023</a:t>
+              <a:t>1/16/2023</a:t>
             </a:fld>
             <a:endParaRPr lang="en-US"/>
           </a:p>
@@ -2276,7 +2589,7 @@
           <a:p>
             <a:fld id="{4F06803B-D602-4C3D-AD5C-468F46C70933}" type="datetimeFigureOut">
               <a:rPr lang="en-US" smtClean="0"/>
-              <a:t>1/15/2023</a:t>
+              <a:t>1/16/2023</a:t>
             </a:fld>
             <a:endParaRPr lang="en-US"/>
           </a:p>
@@ -2688,7 +3001,7 @@
           <a:p>
             <a:fld id="{4F06803B-D602-4C3D-AD5C-468F46C70933}" type="datetimeFigureOut">
               <a:rPr lang="en-US" smtClean="0"/>
-              <a:t>1/15/2023</a:t>
+              <a:t>1/16/2023</a:t>
             </a:fld>
             <a:endParaRPr lang="en-US"/>
           </a:p>
@@ -2829,7 +3142,7 @@
           <a:p>
             <a:fld id="{4F06803B-D602-4C3D-AD5C-468F46C70933}" type="datetimeFigureOut">
               <a:rPr lang="en-US" smtClean="0"/>
-              <a:t>1/15/2023</a:t>
+              <a:t>1/16/2023</a:t>
             </a:fld>
             <a:endParaRPr lang="en-US"/>
           </a:p>
@@ -2942,7 +3255,7 @@
           <a:p>
             <a:fld id="{4F06803B-D602-4C3D-AD5C-468F46C70933}" type="datetimeFigureOut">
               <a:rPr lang="en-US" smtClean="0"/>
-              <a:t>1/15/2023</a:t>
+              <a:t>1/16/2023</a:t>
             </a:fld>
             <a:endParaRPr lang="en-US"/>
           </a:p>
@@ -3253,7 +3566,7 @@
           <a:p>
             <a:fld id="{4F06803B-D602-4C3D-AD5C-468F46C70933}" type="datetimeFigureOut">
               <a:rPr lang="en-US" smtClean="0"/>
-              <a:t>1/15/2023</a:t>
+              <a:t>1/16/2023</a:t>
             </a:fld>
             <a:endParaRPr lang="en-US"/>
           </a:p>
@@ -3541,7 +3854,7 @@
           <a:p>
             <a:fld id="{4F06803B-D602-4C3D-AD5C-468F46C70933}" type="datetimeFigureOut">
               <a:rPr lang="en-US" smtClean="0"/>
-              <a:t>1/15/2023</a:t>
+              <a:t>1/16/2023</a:t>
             </a:fld>
             <a:endParaRPr lang="en-US"/>
           </a:p>
@@ -3782,7 +4095,7 @@
           <a:p>
             <a:fld id="{4F06803B-D602-4C3D-AD5C-468F46C70933}" type="datetimeFigureOut">
               <a:rPr lang="en-US" smtClean="0"/>
-              <a:t>1/15/2023</a:t>
+              <a:t>1/16/2023</a:t>
             </a:fld>
             <a:endParaRPr lang="en-US"/>
           </a:p>
@@ -7329,15 +7642,7 @@
             </a:r>
             <a:r>
               <a:rPr lang="en-US" dirty="0"/>
-              <a:t>): </a:t>
-            </a:r>
-            <a:r>
-              <a:rPr lang="en-US" b="1" dirty="0"/>
-              <a:t>simple</a:t>
-            </a:r>
-            <a:r>
-              <a:rPr lang="en-US" dirty="0"/>
-              <a:t> gradient descent aggregated by batches</a:t>
+              <a:t>): simple gradient descent aggregated by batches</a:t>
             </a:r>
           </a:p>
           <a:p>
